--- a/Group Project 2B.pptx
+++ b/Group Project 2B.pptx
@@ -1,30 +1,29 @@
 
 <file path=ppt/presentation.xml><?xml version="1.0" encoding="utf-8"?>
-<p:presentation xmlns:a="http://schemas.openxmlformats.org/drawingml/2006/main" xmlns:r="http://schemas.openxmlformats.org/officeDocument/2006/relationships" xmlns:mc="http://schemas.openxmlformats.org/markup-compatibility/2006" xmlns:mv="urn:schemas-microsoft-com:mac:vml" xmlns:p="http://schemas.openxmlformats.org/presentationml/2006/main" xmlns:c="http://schemas.openxmlformats.org/drawingml/2006/chart" xmlns:dgm="http://schemas.openxmlformats.org/drawingml/2006/diagram" xmlns:o="urn:schemas-microsoft-com:office:office" xmlns:v="urn:schemas-microsoft-com:vml" xmlns:pvml="urn:schemas-microsoft-com:office:powerpoint" xmlns:com="http://schemas.openxmlformats.org/drawingml/2006/compatibility" xmlns:p14="http://schemas.microsoft.com/office/powerpoint/2010/main" autoCompressPictures="0" strictFirstAndLastChars="0" saveSubsetFonts="1">
+<p:presentation xmlns:a="http://schemas.openxmlformats.org/drawingml/2006/main" xmlns:r="http://schemas.openxmlformats.org/officeDocument/2006/relationships" xmlns:p="http://schemas.openxmlformats.org/presentationml/2006/main" strictFirstAndLastChars="0" saveSubsetFonts="1" autoCompressPictures="0">
   <p:sldMasterIdLst>
-    <p:sldMasterId id="2147483659" r:id="rId3"/>
+    <p:sldMasterId id="2147483659" r:id="rId1"/>
   </p:sldMasterIdLst>
   <p:notesMasterIdLst>
-    <p:notesMasterId r:id="rId4"/>
+    <p:notesMasterId r:id="rId13"/>
   </p:notesMasterIdLst>
   <p:sldIdLst>
-    <p:sldId id="256" r:id="rId5"/>
-    <p:sldId id="257" r:id="rId6"/>
-    <p:sldId id="258" r:id="rId7"/>
-    <p:sldId id="259" r:id="rId8"/>
-    <p:sldId id="260" r:id="rId9"/>
-    <p:sldId id="261" r:id="rId10"/>
-    <p:sldId id="262" r:id="rId11"/>
-    <p:sldId id="263" r:id="rId12"/>
-    <p:sldId id="264" r:id="rId13"/>
-    <p:sldId id="265" r:id="rId14"/>
-    <p:sldId id="266" r:id="rId15"/>
-    <p:sldId id="267" r:id="rId16"/>
+    <p:sldId id="256" r:id="rId2"/>
+    <p:sldId id="257" r:id="rId3"/>
+    <p:sldId id="259" r:id="rId4"/>
+    <p:sldId id="260" r:id="rId5"/>
+    <p:sldId id="261" r:id="rId6"/>
+    <p:sldId id="262" r:id="rId7"/>
+    <p:sldId id="267" r:id="rId8"/>
+    <p:sldId id="263" r:id="rId9"/>
+    <p:sldId id="264" r:id="rId10"/>
+    <p:sldId id="265" r:id="rId11"/>
+    <p:sldId id="266" r:id="rId12"/>
   </p:sldIdLst>
-  <p:sldSz cy="5143500" cx="9144000"/>
+  <p:sldSz cx="9144000" cy="5143500" type="screen16x9"/>
   <p:notesSz cx="6858000" cy="9144000"/>
   <p:defaultTextStyle>
-    <a:defPPr lvl="0" marR="0" rtl="0" algn="l">
+    <a:defPPr marR="0" lvl="0" algn="l" rtl="0">
       <a:lnSpc>
         <a:spcPct val="100000"/>
       </a:lnSpc>
@@ -35,7 +34,7 @@
         <a:spcPts val="0"/>
       </a:spcAft>
     </a:defPPr>
-    <a:lvl1pPr lvl="0" marR="0" rtl="0" algn="l">
+    <a:lvl1pPr marR="0" lvl="0" algn="l" rtl="0">
       <a:lnSpc>
         <a:spcPct val="100000"/>
       </a:lnSpc>
@@ -46,7 +45,7 @@
         <a:spcPts val="0"/>
       </a:spcAft>
       <a:buNone/>
-      <a:defRPr b="0" i="0" sz="1400" u="none" cap="none" strike="noStrike">
+      <a:defRPr sz="1400" b="0" i="0" u="none" strike="noStrike" cap="none">
         <a:solidFill>
           <a:srgbClr val="000000"/>
         </a:solidFill>
@@ -56,7 +55,7 @@
         <a:sym typeface="Arial"/>
       </a:defRPr>
     </a:lvl1pPr>
-    <a:lvl2pPr lvl="1" marR="0" rtl="0" algn="l">
+    <a:lvl2pPr marR="0" lvl="1" algn="l" rtl="0">
       <a:lnSpc>
         <a:spcPct val="100000"/>
       </a:lnSpc>
@@ -67,7 +66,7 @@
         <a:spcPts val="0"/>
       </a:spcAft>
       <a:buNone/>
-      <a:defRPr b="0" i="0" sz="1400" u="none" cap="none" strike="noStrike">
+      <a:defRPr sz="1400" b="0" i="0" u="none" strike="noStrike" cap="none">
         <a:solidFill>
           <a:srgbClr val="000000"/>
         </a:solidFill>
@@ -77,7 +76,7 @@
         <a:sym typeface="Arial"/>
       </a:defRPr>
     </a:lvl2pPr>
-    <a:lvl3pPr lvl="2" marR="0" rtl="0" algn="l">
+    <a:lvl3pPr marR="0" lvl="2" algn="l" rtl="0">
       <a:lnSpc>
         <a:spcPct val="100000"/>
       </a:lnSpc>
@@ -88,7 +87,7 @@
         <a:spcPts val="0"/>
       </a:spcAft>
       <a:buNone/>
-      <a:defRPr b="0" i="0" sz="1400" u="none" cap="none" strike="noStrike">
+      <a:defRPr sz="1400" b="0" i="0" u="none" strike="noStrike" cap="none">
         <a:solidFill>
           <a:srgbClr val="000000"/>
         </a:solidFill>
@@ -98,7 +97,7 @@
         <a:sym typeface="Arial"/>
       </a:defRPr>
     </a:lvl3pPr>
-    <a:lvl4pPr lvl="3" marR="0" rtl="0" algn="l">
+    <a:lvl4pPr marR="0" lvl="3" algn="l" rtl="0">
       <a:lnSpc>
         <a:spcPct val="100000"/>
       </a:lnSpc>
@@ -109,7 +108,7 @@
         <a:spcPts val="0"/>
       </a:spcAft>
       <a:buNone/>
-      <a:defRPr b="0" i="0" sz="1400" u="none" cap="none" strike="noStrike">
+      <a:defRPr sz="1400" b="0" i="0" u="none" strike="noStrike" cap="none">
         <a:solidFill>
           <a:srgbClr val="000000"/>
         </a:solidFill>
@@ -119,7 +118,7 @@
         <a:sym typeface="Arial"/>
       </a:defRPr>
     </a:lvl4pPr>
-    <a:lvl5pPr lvl="4" marR="0" rtl="0" algn="l">
+    <a:lvl5pPr marR="0" lvl="4" algn="l" rtl="0">
       <a:lnSpc>
         <a:spcPct val="100000"/>
       </a:lnSpc>
@@ -130,7 +129,7 @@
         <a:spcPts val="0"/>
       </a:spcAft>
       <a:buNone/>
-      <a:defRPr b="0" i="0" sz="1400" u="none" cap="none" strike="noStrike">
+      <a:defRPr sz="1400" b="0" i="0" u="none" strike="noStrike" cap="none">
         <a:solidFill>
           <a:srgbClr val="000000"/>
         </a:solidFill>
@@ -140,7 +139,7 @@
         <a:sym typeface="Arial"/>
       </a:defRPr>
     </a:lvl5pPr>
-    <a:lvl6pPr lvl="5" marR="0" rtl="0" algn="l">
+    <a:lvl6pPr marR="0" lvl="5" algn="l" rtl="0">
       <a:lnSpc>
         <a:spcPct val="100000"/>
       </a:lnSpc>
@@ -151,7 +150,7 @@
         <a:spcPts val="0"/>
       </a:spcAft>
       <a:buNone/>
-      <a:defRPr b="0" i="0" sz="1400" u="none" cap="none" strike="noStrike">
+      <a:defRPr sz="1400" b="0" i="0" u="none" strike="noStrike" cap="none">
         <a:solidFill>
           <a:srgbClr val="000000"/>
         </a:solidFill>
@@ -161,7 +160,7 @@
         <a:sym typeface="Arial"/>
       </a:defRPr>
     </a:lvl6pPr>
-    <a:lvl7pPr lvl="6" marR="0" rtl="0" algn="l">
+    <a:lvl7pPr marR="0" lvl="6" algn="l" rtl="0">
       <a:lnSpc>
         <a:spcPct val="100000"/>
       </a:lnSpc>
@@ -172,7 +171,7 @@
         <a:spcPts val="0"/>
       </a:spcAft>
       <a:buNone/>
-      <a:defRPr b="0" i="0" sz="1400" u="none" cap="none" strike="noStrike">
+      <a:defRPr sz="1400" b="0" i="0" u="none" strike="noStrike" cap="none">
         <a:solidFill>
           <a:srgbClr val="000000"/>
         </a:solidFill>
@@ -182,7 +181,7 @@
         <a:sym typeface="Arial"/>
       </a:defRPr>
     </a:lvl7pPr>
-    <a:lvl8pPr lvl="7" marR="0" rtl="0" algn="l">
+    <a:lvl8pPr marR="0" lvl="7" algn="l" rtl="0">
       <a:lnSpc>
         <a:spcPct val="100000"/>
       </a:lnSpc>
@@ -193,7 +192,7 @@
         <a:spcPts val="0"/>
       </a:spcAft>
       <a:buNone/>
-      <a:defRPr b="0" i="0" sz="1400" u="none" cap="none" strike="noStrike">
+      <a:defRPr sz="1400" b="0" i="0" u="none" strike="noStrike" cap="none">
         <a:solidFill>
           <a:srgbClr val="000000"/>
         </a:solidFill>
@@ -203,7 +202,7 @@
         <a:sym typeface="Arial"/>
       </a:defRPr>
     </a:lvl8pPr>
-    <a:lvl9pPr lvl="8" marR="0" rtl="0" algn="l">
+    <a:lvl9pPr marR="0" lvl="8" algn="l" rtl="0">
       <a:lnSpc>
         <a:spcPct val="100000"/>
       </a:lnSpc>
@@ -214,7 +213,7 @@
         <a:spcPts val="0"/>
       </a:spcAft>
       <a:buNone/>
-      <a:defRPr b="0" i="0" sz="1400" u="none" cap="none" strike="noStrike">
+      <a:defRPr sz="1400" b="0" i="0" u="none" strike="noStrike" cap="none">
         <a:solidFill>
           <a:srgbClr val="000000"/>
         </a:solidFill>
@@ -229,11 +228,16 @@
 </file>
 
 <file path=ppt/notesMasters/notesMaster1.xml><?xml version="1.0" encoding="utf-8"?>
-<p:notesMaster xmlns:a="http://schemas.openxmlformats.org/drawingml/2006/main" xmlns:r="http://schemas.openxmlformats.org/officeDocument/2006/relationships" xmlns:mc="http://schemas.openxmlformats.org/markup-compatibility/2006" xmlns:mv="urn:schemas-microsoft-com:mac:vml" xmlns:p="http://schemas.openxmlformats.org/presentationml/2006/main" xmlns:c="http://schemas.openxmlformats.org/drawingml/2006/chart" xmlns:dgm="http://schemas.openxmlformats.org/drawingml/2006/diagram" xmlns:o="urn:schemas-microsoft-com:office:office" xmlns:v="urn:schemas-microsoft-com:vml" xmlns:pvml="urn:schemas-microsoft-com:office:powerpoint" xmlns:com="http://schemas.openxmlformats.org/drawingml/2006/compatibility" xmlns:p14="http://schemas.microsoft.com/office/powerpoint/2010/main">
+<p:notesMaster xmlns:a="http://schemas.openxmlformats.org/drawingml/2006/main" xmlns:r="http://schemas.openxmlformats.org/officeDocument/2006/relationships" xmlns:p="http://schemas.openxmlformats.org/presentationml/2006/main">
   <p:cSld>
+    <p:bg>
+      <p:bgRef idx="1001">
+        <a:schemeClr val="bg1"/>
+      </p:bgRef>
+    </p:bg>
     <p:spTree>
       <p:nvGrpSpPr>
-        <p:cNvPr id="2" name="Shape 2"/>
+        <p:cNvPr id="1" name="Shape 2"/>
         <p:cNvGrpSpPr/>
         <p:nvPr/>
       </p:nvGrpSpPr>
@@ -248,9 +252,11 @@
       <p:sp>
         <p:nvSpPr>
           <p:cNvPr id="3" name="Shape 3"/>
-          <p:cNvSpPr/>
-          <p:nvPr>
-            <p:ph idx="2" type="sldImg"/>
+          <p:cNvSpPr>
+            <a:spLocks noGrp="1" noRot="1" noChangeAspect="1"/>
+          </p:cNvSpPr>
+          <p:nvPr>
+            <p:ph type="sldImg" idx="2"/>
           </p:nvPr>
         </p:nvSpPr>
         <p:spPr>
@@ -259,8 +265,13 @@
             <a:ext cx="6096075" cy="3429000"/>
           </a:xfrm>
           <a:custGeom>
+            <a:avLst/>
+            <a:gdLst/>
+            <a:ahLst/>
+            <a:cxnLst/>
+            <a:rect l="0" t="0" r="0" b="0"/>
             <a:pathLst>
-              <a:path extrusionOk="0" h="120000" w="120000">
+              <a:path w="120000" h="120000" extrusionOk="0">
                 <a:moveTo>
                   <a:pt x="0" y="0"/>
                 </a:moveTo>
@@ -278,23 +289,25 @@
             </a:pathLst>
           </a:custGeom>
           <a:noFill/>
-          <a:ln cap="flat" cmpd="sng" w="9525">
+          <a:ln w="9525" cap="flat" cmpd="sng">
             <a:solidFill>
               <a:srgbClr val="000000"/>
             </a:solidFill>
             <a:prstDash val="solid"/>
             <a:round/>
-            <a:headEnd len="med" w="med" type="none"/>
-            <a:tailEnd len="med" w="med" type="none"/>
+            <a:headEnd type="none" w="med" len="med"/>
+            <a:tailEnd type="none" w="med" len="med"/>
           </a:ln>
         </p:spPr>
       </p:sp>
       <p:sp>
         <p:nvSpPr>
           <p:cNvPr id="4" name="Shape 4"/>
-          <p:cNvSpPr txBox="1"/>
-          <p:nvPr>
-            <p:ph idx="1" type="body"/>
+          <p:cNvSpPr txBox="1">
+            <a:spLocks noGrp="1"/>
+          </p:cNvSpPr>
+          <p:nvPr>
+            <p:ph type="body" idx="1"/>
           </p:nvPr>
         </p:nvSpPr>
         <p:spPr>
@@ -311,7 +324,7 @@
           </a:ln>
         </p:spPr>
         <p:txBody>
-          <a:bodyPr anchorCtr="0" anchor="t" bIns="91425" lIns="91425" rIns="91425" tIns="91425"/>
+          <a:bodyPr lIns="91425" tIns="91425" rIns="91425" bIns="91425" anchor="t" anchorCtr="0"/>
           <a:lstStyle>
             <a:lvl1pPr lvl="0">
               <a:spcBef>
@@ -368,21 +381,115 @@
               <a:defRPr sz="1100"/>
             </a:lvl9pPr>
           </a:lstStyle>
-          <a:p/>
+          <a:p>
+            <a:endParaRPr/>
+          </a:p>
         </p:txBody>
       </p:sp>
     </p:spTree>
   </p:cSld>
-  <p:clrMap accent1="accent1" accent2="accent2" accent3="accent3" accent4="accent4" accent5="accent5" accent6="accent6" bg1="lt1" bg2="dk2" tx1="dk1" tx2="lt2" folHlink="folHlink" hlink="hlink"/>
+  <p:clrMap bg1="lt1" tx1="dk1" bg2="dk2" tx2="lt2" accent1="accent1" accent2="accent2" accent3="accent3" accent4="accent4" accent5="accent5" accent6="accent6" hlink="hlink" folHlink="folHlink"/>
+  <p:notesStyle>
+    <a:lvl1pPr marL="0" algn="l" defTabSz="914400" rtl="0" eaLnBrk="1" latinLnBrk="0" hangingPunct="1">
+      <a:defRPr sz="1200" kern="1200">
+        <a:solidFill>
+          <a:schemeClr val="tx1"/>
+        </a:solidFill>
+        <a:latin typeface="+mn-lt"/>
+        <a:ea typeface="+mn-ea"/>
+        <a:cs typeface="+mn-cs"/>
+      </a:defRPr>
+    </a:lvl1pPr>
+    <a:lvl2pPr marL="457200" algn="l" defTabSz="914400" rtl="0" eaLnBrk="1" latinLnBrk="0" hangingPunct="1">
+      <a:defRPr sz="1200" kern="1200">
+        <a:solidFill>
+          <a:schemeClr val="tx1"/>
+        </a:solidFill>
+        <a:latin typeface="+mn-lt"/>
+        <a:ea typeface="+mn-ea"/>
+        <a:cs typeface="+mn-cs"/>
+      </a:defRPr>
+    </a:lvl2pPr>
+    <a:lvl3pPr marL="914400" algn="l" defTabSz="914400" rtl="0" eaLnBrk="1" latinLnBrk="0" hangingPunct="1">
+      <a:defRPr sz="1200" kern="1200">
+        <a:solidFill>
+          <a:schemeClr val="tx1"/>
+        </a:solidFill>
+        <a:latin typeface="+mn-lt"/>
+        <a:ea typeface="+mn-ea"/>
+        <a:cs typeface="+mn-cs"/>
+      </a:defRPr>
+    </a:lvl3pPr>
+    <a:lvl4pPr marL="1371600" algn="l" defTabSz="914400" rtl="0" eaLnBrk="1" latinLnBrk="0" hangingPunct="1">
+      <a:defRPr sz="1200" kern="1200">
+        <a:solidFill>
+          <a:schemeClr val="tx1"/>
+        </a:solidFill>
+        <a:latin typeface="+mn-lt"/>
+        <a:ea typeface="+mn-ea"/>
+        <a:cs typeface="+mn-cs"/>
+      </a:defRPr>
+    </a:lvl4pPr>
+    <a:lvl5pPr marL="1828800" algn="l" defTabSz="914400" rtl="0" eaLnBrk="1" latinLnBrk="0" hangingPunct="1">
+      <a:defRPr sz="1200" kern="1200">
+        <a:solidFill>
+          <a:schemeClr val="tx1"/>
+        </a:solidFill>
+        <a:latin typeface="+mn-lt"/>
+        <a:ea typeface="+mn-ea"/>
+        <a:cs typeface="+mn-cs"/>
+      </a:defRPr>
+    </a:lvl5pPr>
+    <a:lvl6pPr marL="2286000" algn="l" defTabSz="914400" rtl="0" eaLnBrk="1" latinLnBrk="0" hangingPunct="1">
+      <a:defRPr sz="1200" kern="1200">
+        <a:solidFill>
+          <a:schemeClr val="tx1"/>
+        </a:solidFill>
+        <a:latin typeface="+mn-lt"/>
+        <a:ea typeface="+mn-ea"/>
+        <a:cs typeface="+mn-cs"/>
+      </a:defRPr>
+    </a:lvl6pPr>
+    <a:lvl7pPr marL="2743200" algn="l" defTabSz="914400" rtl="0" eaLnBrk="1" latinLnBrk="0" hangingPunct="1">
+      <a:defRPr sz="1200" kern="1200">
+        <a:solidFill>
+          <a:schemeClr val="tx1"/>
+        </a:solidFill>
+        <a:latin typeface="+mn-lt"/>
+        <a:ea typeface="+mn-ea"/>
+        <a:cs typeface="+mn-cs"/>
+      </a:defRPr>
+    </a:lvl7pPr>
+    <a:lvl8pPr marL="3200400" algn="l" defTabSz="914400" rtl="0" eaLnBrk="1" latinLnBrk="0" hangingPunct="1">
+      <a:defRPr sz="1200" kern="1200">
+        <a:solidFill>
+          <a:schemeClr val="tx1"/>
+        </a:solidFill>
+        <a:latin typeface="+mn-lt"/>
+        <a:ea typeface="+mn-ea"/>
+        <a:cs typeface="+mn-cs"/>
+      </a:defRPr>
+    </a:lvl8pPr>
+    <a:lvl9pPr marL="3657600" algn="l" defTabSz="914400" rtl="0" eaLnBrk="1" latinLnBrk="0" hangingPunct="1">
+      <a:defRPr sz="1200" kern="1200">
+        <a:solidFill>
+          <a:schemeClr val="tx1"/>
+        </a:solidFill>
+        <a:latin typeface="+mn-lt"/>
+        <a:ea typeface="+mn-ea"/>
+        <a:cs typeface="+mn-cs"/>
+      </a:defRPr>
+    </a:lvl9pPr>
+  </p:notesStyle>
 </p:notesMaster>
 </file>
 
 <file path=ppt/notesSlides/notesSlide1.xml><?xml version="1.0" encoding="utf-8"?>
-<p:notes xmlns:a="http://schemas.openxmlformats.org/drawingml/2006/main" xmlns:r="http://schemas.openxmlformats.org/officeDocument/2006/relationships" xmlns:mc="http://schemas.openxmlformats.org/markup-compatibility/2006" xmlns:mv="urn:schemas-microsoft-com:mac:vml" xmlns:p="http://schemas.openxmlformats.org/presentationml/2006/main" xmlns:c="http://schemas.openxmlformats.org/drawingml/2006/chart" xmlns:dgm="http://schemas.openxmlformats.org/drawingml/2006/diagram" xmlns:o="urn:schemas-microsoft-com:office:office" xmlns:v="urn:schemas-microsoft-com:vml" xmlns:pvml="urn:schemas-microsoft-com:office:powerpoint" xmlns:com="http://schemas.openxmlformats.org/drawingml/2006/compatibility" xmlns:p14="http://schemas.microsoft.com/office/powerpoint/2010/main" showMasterPhAnim="0" showMasterSp="0">
+<p:notes xmlns:a="http://schemas.openxmlformats.org/drawingml/2006/main" xmlns:r="http://schemas.openxmlformats.org/officeDocument/2006/relationships" xmlns:p="http://schemas.openxmlformats.org/presentationml/2006/main" showMasterSp="0" showMasterPhAnim="0">
   <p:cSld>
     <p:spTree>
       <p:nvGrpSpPr>
-        <p:cNvPr id="50" name="Shape 50"/>
+        <p:cNvPr id="1" name="Shape 50"/>
         <p:cNvGrpSpPr/>
         <p:nvPr/>
       </p:nvGrpSpPr>
@@ -397,9 +504,11 @@
       <p:sp>
         <p:nvSpPr>
           <p:cNvPr id="51" name="Shape 51"/>
-          <p:cNvSpPr/>
-          <p:nvPr>
-            <p:ph idx="2" type="sldImg"/>
+          <p:cNvSpPr>
+            <a:spLocks noGrp="1" noRot="1" noChangeAspect="1"/>
+          </p:cNvSpPr>
+          <p:nvPr>
+            <p:ph type="sldImg" idx="2"/>
           </p:nvPr>
         </p:nvSpPr>
         <p:spPr>
@@ -408,8 +517,13 @@
             <a:ext cx="6096075" cy="3429000"/>
           </a:xfrm>
           <a:custGeom>
+            <a:avLst/>
+            <a:gdLst/>
+            <a:ahLst/>
+            <a:cxnLst/>
+            <a:rect l="0" t="0" r="0" b="0"/>
             <a:pathLst>
-              <a:path extrusionOk="0" h="120000" w="120000">
+              <a:path w="120000" h="120000" extrusionOk="0">
                 <a:moveTo>
                   <a:pt x="0" y="0"/>
                 </a:moveTo>
@@ -431,9 +545,11 @@
       <p:sp>
         <p:nvSpPr>
           <p:cNvPr id="52" name="Shape 52"/>
-          <p:cNvSpPr txBox="1"/>
-          <p:nvPr>
-            <p:ph idx="1" type="body"/>
+          <p:cNvSpPr txBox="1">
+            <a:spLocks noGrp="1"/>
+          </p:cNvSpPr>
+          <p:nvPr>
+            <p:ph type="body" idx="1"/>
           </p:nvPr>
         </p:nvSpPr>
         <p:spPr>
@@ -446,7 +562,7 @@
           </a:prstGeom>
         </p:spPr>
         <p:txBody>
-          <a:bodyPr anchorCtr="0" anchor="t" bIns="91425" lIns="91425" rIns="91425" tIns="91425">
+          <a:bodyPr lIns="91425" tIns="91425" rIns="91425" bIns="91425" anchor="t" anchorCtr="0">
             <a:noAutofit/>
           </a:bodyPr>
           <a:lstStyle/>
@@ -457,9 +573,6 @@
               </a:spcBef>
               <a:buNone/>
             </a:pPr>
-            <a:r>
-              <a:t/>
-            </a:r>
             <a:endParaRPr/>
           </a:p>
         </p:txBody>
@@ -473,11 +586,11 @@
 </file>
 
 <file path=ppt/notesSlides/notesSlide10.xml><?xml version="1.0" encoding="utf-8"?>
-<p:notes xmlns:a="http://schemas.openxmlformats.org/drawingml/2006/main" xmlns:r="http://schemas.openxmlformats.org/officeDocument/2006/relationships" xmlns:mc="http://schemas.openxmlformats.org/markup-compatibility/2006" xmlns:mv="urn:schemas-microsoft-com:mac:vml" xmlns:p="http://schemas.openxmlformats.org/presentationml/2006/main" xmlns:c="http://schemas.openxmlformats.org/drawingml/2006/chart" xmlns:dgm="http://schemas.openxmlformats.org/drawingml/2006/diagram" xmlns:o="urn:schemas-microsoft-com:office:office" xmlns:v="urn:schemas-microsoft-com:vml" xmlns:pvml="urn:schemas-microsoft-com:office:powerpoint" xmlns:com="http://schemas.openxmlformats.org/drawingml/2006/compatibility" xmlns:p14="http://schemas.microsoft.com/office/powerpoint/2010/main" showMasterPhAnim="0" showMasterSp="0">
+<p:notes xmlns:a="http://schemas.openxmlformats.org/drawingml/2006/main" xmlns:r="http://schemas.openxmlformats.org/officeDocument/2006/relationships" xmlns:p="http://schemas.openxmlformats.org/presentationml/2006/main" showMasterSp="0" showMasterPhAnim="0">
   <p:cSld>
     <p:spTree>
       <p:nvGrpSpPr>
-        <p:cNvPr id="108" name="Shape 108"/>
+        <p:cNvPr id="1" name="Shape 108"/>
         <p:cNvGrpSpPr/>
         <p:nvPr/>
       </p:nvGrpSpPr>
@@ -492,9 +605,11 @@
       <p:sp>
         <p:nvSpPr>
           <p:cNvPr id="109" name="Shape 109"/>
-          <p:cNvSpPr/>
-          <p:nvPr>
-            <p:ph idx="2" type="sldImg"/>
+          <p:cNvSpPr>
+            <a:spLocks noGrp="1" noRot="1" noChangeAspect="1"/>
+          </p:cNvSpPr>
+          <p:nvPr>
+            <p:ph type="sldImg" idx="2"/>
           </p:nvPr>
         </p:nvSpPr>
         <p:spPr>
@@ -503,8 +618,13 @@
             <a:ext cx="6096000" cy="3429000"/>
           </a:xfrm>
           <a:custGeom>
+            <a:avLst/>
+            <a:gdLst/>
+            <a:ahLst/>
+            <a:cxnLst/>
+            <a:rect l="0" t="0" r="0" b="0"/>
             <a:pathLst>
-              <a:path extrusionOk="0" h="120000" w="120000">
+              <a:path w="120000" h="120000" extrusionOk="0">
                 <a:moveTo>
                   <a:pt x="0" y="0"/>
                 </a:moveTo>
@@ -526,9 +646,11 @@
       <p:sp>
         <p:nvSpPr>
           <p:cNvPr id="110" name="Shape 110"/>
-          <p:cNvSpPr txBox="1"/>
-          <p:nvPr>
-            <p:ph idx="1" type="body"/>
+          <p:cNvSpPr txBox="1">
+            <a:spLocks noGrp="1"/>
+          </p:cNvSpPr>
+          <p:nvPr>
+            <p:ph type="body" idx="1"/>
           </p:nvPr>
         </p:nvSpPr>
         <p:spPr>
@@ -541,7 +663,7 @@
           </a:prstGeom>
         </p:spPr>
         <p:txBody>
-          <a:bodyPr anchorCtr="0" anchor="t" bIns="91425" lIns="91425" rIns="91425" tIns="91425">
+          <a:bodyPr lIns="91425" tIns="91425" rIns="91425" bIns="91425" anchor="t" anchorCtr="0">
             <a:noAutofit/>
           </a:bodyPr>
           <a:lstStyle/>
@@ -552,9 +674,6 @@
               </a:spcBef>
               <a:buNone/>
             </a:pPr>
-            <a:r>
-              <a:t/>
-            </a:r>
             <a:endParaRPr/>
           </a:p>
         </p:txBody>
@@ -568,11 +687,11 @@
 </file>
 
 <file path=ppt/notesSlides/notesSlide11.xml><?xml version="1.0" encoding="utf-8"?>
-<p:notes xmlns:a="http://schemas.openxmlformats.org/drawingml/2006/main" xmlns:r="http://schemas.openxmlformats.org/officeDocument/2006/relationships" xmlns:mc="http://schemas.openxmlformats.org/markup-compatibility/2006" xmlns:mv="urn:schemas-microsoft-com:mac:vml" xmlns:p="http://schemas.openxmlformats.org/presentationml/2006/main" xmlns:c="http://schemas.openxmlformats.org/drawingml/2006/chart" xmlns:dgm="http://schemas.openxmlformats.org/drawingml/2006/diagram" xmlns:o="urn:schemas-microsoft-com:office:office" xmlns:v="urn:schemas-microsoft-com:vml" xmlns:pvml="urn:schemas-microsoft-com:office:powerpoint" xmlns:com="http://schemas.openxmlformats.org/drawingml/2006/compatibility" xmlns:p14="http://schemas.microsoft.com/office/powerpoint/2010/main" showMasterPhAnim="0" showMasterSp="0">
+<p:notes xmlns:a="http://schemas.openxmlformats.org/drawingml/2006/main" xmlns:r="http://schemas.openxmlformats.org/officeDocument/2006/relationships" xmlns:p="http://schemas.openxmlformats.org/presentationml/2006/main" showMasterSp="0" showMasterPhAnim="0">
   <p:cSld>
     <p:spTree>
       <p:nvGrpSpPr>
-        <p:cNvPr id="114" name="Shape 114"/>
+        <p:cNvPr id="1" name="Shape 114"/>
         <p:cNvGrpSpPr/>
         <p:nvPr/>
       </p:nvGrpSpPr>
@@ -587,9 +706,11 @@
       <p:sp>
         <p:nvSpPr>
           <p:cNvPr id="115" name="Shape 115"/>
-          <p:cNvSpPr/>
-          <p:nvPr>
-            <p:ph idx="2" type="sldImg"/>
+          <p:cNvSpPr>
+            <a:spLocks noGrp="1" noRot="1" noChangeAspect="1"/>
+          </p:cNvSpPr>
+          <p:nvPr>
+            <p:ph type="sldImg" idx="2"/>
           </p:nvPr>
         </p:nvSpPr>
         <p:spPr>
@@ -598,8 +719,13 @@
             <a:ext cx="6096000" cy="3429000"/>
           </a:xfrm>
           <a:custGeom>
+            <a:avLst/>
+            <a:gdLst/>
+            <a:ahLst/>
+            <a:cxnLst/>
+            <a:rect l="0" t="0" r="0" b="0"/>
             <a:pathLst>
-              <a:path extrusionOk="0" h="120000" w="120000">
+              <a:path w="120000" h="120000" extrusionOk="0">
                 <a:moveTo>
                   <a:pt x="0" y="0"/>
                 </a:moveTo>
@@ -621,9 +747,11 @@
       <p:sp>
         <p:nvSpPr>
           <p:cNvPr id="116" name="Shape 116"/>
-          <p:cNvSpPr txBox="1"/>
-          <p:nvPr>
-            <p:ph idx="1" type="body"/>
+          <p:cNvSpPr txBox="1">
+            <a:spLocks noGrp="1"/>
+          </p:cNvSpPr>
+          <p:nvPr>
+            <p:ph type="body" idx="1"/>
           </p:nvPr>
         </p:nvSpPr>
         <p:spPr>
@@ -636,7 +764,7 @@
           </a:prstGeom>
         </p:spPr>
         <p:txBody>
-          <a:bodyPr anchorCtr="0" anchor="t" bIns="91425" lIns="91425" rIns="91425" tIns="91425">
+          <a:bodyPr lIns="91425" tIns="91425" rIns="91425" bIns="91425" anchor="t" anchorCtr="0">
             <a:noAutofit/>
           </a:bodyPr>
           <a:lstStyle/>
@@ -647,9 +775,6 @@
               </a:spcBef>
               <a:buNone/>
             </a:pPr>
-            <a:r>
-              <a:t/>
-            </a:r>
             <a:endParaRPr/>
           </a:p>
         </p:txBody>
@@ -662,12 +787,12 @@
 </p:notes>
 </file>
 
-<file path=ppt/notesSlides/notesSlide12.xml><?xml version="1.0" encoding="utf-8"?>
-<p:notes xmlns:a="http://schemas.openxmlformats.org/drawingml/2006/main" xmlns:r="http://schemas.openxmlformats.org/officeDocument/2006/relationships" xmlns:mc="http://schemas.openxmlformats.org/markup-compatibility/2006" xmlns:mv="urn:schemas-microsoft-com:mac:vml" xmlns:p="http://schemas.openxmlformats.org/presentationml/2006/main" xmlns:c="http://schemas.openxmlformats.org/drawingml/2006/chart" xmlns:dgm="http://schemas.openxmlformats.org/drawingml/2006/diagram" xmlns:o="urn:schemas-microsoft-com:office:office" xmlns:v="urn:schemas-microsoft-com:vml" xmlns:pvml="urn:schemas-microsoft-com:office:powerpoint" xmlns:com="http://schemas.openxmlformats.org/drawingml/2006/compatibility" xmlns:p14="http://schemas.microsoft.com/office/powerpoint/2010/main" showMasterPhAnim="0" showMasterSp="0">
+<file path=ppt/notesSlides/notesSlide2.xml><?xml version="1.0" encoding="utf-8"?>
+<p:notes xmlns:a="http://schemas.openxmlformats.org/drawingml/2006/main" xmlns:r="http://schemas.openxmlformats.org/officeDocument/2006/relationships" xmlns:p="http://schemas.openxmlformats.org/presentationml/2006/main" showMasterSp="0" showMasterPhAnim="0">
   <p:cSld>
     <p:spTree>
       <p:nvGrpSpPr>
-        <p:cNvPr id="125" name="Shape 125"/>
+        <p:cNvPr id="1" name="Shape 56"/>
         <p:cNvGrpSpPr/>
         <p:nvPr/>
       </p:nvGrpSpPr>
@@ -681,10 +806,12 @@
       </p:grpSpPr>
       <p:sp>
         <p:nvSpPr>
-          <p:cNvPr id="126" name="Shape 126"/>
-          <p:cNvSpPr/>
-          <p:nvPr>
-            <p:ph idx="2" type="sldImg"/>
+          <p:cNvPr id="57" name="Shape 57"/>
+          <p:cNvSpPr>
+            <a:spLocks noGrp="1" noRot="1" noChangeAspect="1"/>
+          </p:cNvSpPr>
+          <p:nvPr>
+            <p:ph type="sldImg" idx="2"/>
           </p:nvPr>
         </p:nvSpPr>
         <p:spPr>
@@ -693,8 +820,13 @@
             <a:ext cx="6096000" cy="3429000"/>
           </a:xfrm>
           <a:custGeom>
+            <a:avLst/>
+            <a:gdLst/>
+            <a:ahLst/>
+            <a:cxnLst/>
+            <a:rect l="0" t="0" r="0" b="0"/>
             <a:pathLst>
-              <a:path extrusionOk="0" h="120000" w="120000">
+              <a:path w="120000" h="120000" extrusionOk="0">
                 <a:moveTo>
                   <a:pt x="0" y="0"/>
                 </a:moveTo>
@@ -715,10 +847,12 @@
       </p:sp>
       <p:sp>
         <p:nvSpPr>
-          <p:cNvPr id="127" name="Shape 127"/>
-          <p:cNvSpPr txBox="1"/>
-          <p:nvPr>
-            <p:ph idx="1" type="body"/>
+          <p:cNvPr id="58" name="Shape 58"/>
+          <p:cNvSpPr txBox="1">
+            <a:spLocks noGrp="1"/>
+          </p:cNvSpPr>
+          <p:nvPr>
+            <p:ph type="body" idx="1"/>
           </p:nvPr>
         </p:nvSpPr>
         <p:spPr>
@@ -731,7 +865,7 @@
           </a:prstGeom>
         </p:spPr>
         <p:txBody>
-          <a:bodyPr anchorCtr="0" anchor="t" bIns="91425" lIns="91425" rIns="91425" tIns="91425">
+          <a:bodyPr lIns="91425" tIns="91425" rIns="91425" bIns="91425" anchor="t" anchorCtr="0">
             <a:noAutofit/>
           </a:bodyPr>
           <a:lstStyle/>
@@ -742,9 +876,6 @@
               </a:spcBef>
               <a:buNone/>
             </a:pPr>
-            <a:r>
-              <a:t/>
-            </a:r>
             <a:endParaRPr/>
           </a:p>
         </p:txBody>
@@ -757,12 +888,12 @@
 </p:notes>
 </file>
 
-<file path=ppt/notesSlides/notesSlide2.xml><?xml version="1.0" encoding="utf-8"?>
-<p:notes xmlns:a="http://schemas.openxmlformats.org/drawingml/2006/main" xmlns:r="http://schemas.openxmlformats.org/officeDocument/2006/relationships" xmlns:mc="http://schemas.openxmlformats.org/markup-compatibility/2006" xmlns:mv="urn:schemas-microsoft-com:mac:vml" xmlns:p="http://schemas.openxmlformats.org/presentationml/2006/main" xmlns:c="http://schemas.openxmlformats.org/drawingml/2006/chart" xmlns:dgm="http://schemas.openxmlformats.org/drawingml/2006/diagram" xmlns:o="urn:schemas-microsoft-com:office:office" xmlns:v="urn:schemas-microsoft-com:vml" xmlns:pvml="urn:schemas-microsoft-com:office:powerpoint" xmlns:com="http://schemas.openxmlformats.org/drawingml/2006/compatibility" xmlns:p14="http://schemas.microsoft.com/office/powerpoint/2010/main" showMasterPhAnim="0" showMasterSp="0">
+<file path=ppt/notesSlides/notesSlide3.xml><?xml version="1.0" encoding="utf-8"?>
+<p:notes xmlns:a="http://schemas.openxmlformats.org/drawingml/2006/main" xmlns:r="http://schemas.openxmlformats.org/officeDocument/2006/relationships" xmlns:p="http://schemas.openxmlformats.org/presentationml/2006/main" showMasterSp="0" showMasterPhAnim="0">
   <p:cSld>
     <p:spTree>
       <p:nvGrpSpPr>
-        <p:cNvPr id="56" name="Shape 56"/>
+        <p:cNvPr id="1" name="Shape 68"/>
         <p:cNvGrpSpPr/>
         <p:nvPr/>
       </p:nvGrpSpPr>
@@ -776,20 +907,27 @@
       </p:grpSpPr>
       <p:sp>
         <p:nvSpPr>
-          <p:cNvPr id="57" name="Shape 57"/>
-          <p:cNvSpPr/>
-          <p:nvPr>
-            <p:ph idx="2" type="sldImg"/>
-          </p:nvPr>
-        </p:nvSpPr>
-        <p:spPr>
-          <a:xfrm>
-            <a:off x="381300" y="685800"/>
+          <p:cNvPr id="69" name="Shape 69"/>
+          <p:cNvSpPr>
+            <a:spLocks noGrp="1" noRot="1" noChangeAspect="1"/>
+          </p:cNvSpPr>
+          <p:nvPr>
+            <p:ph type="sldImg" idx="2"/>
+          </p:nvPr>
+        </p:nvSpPr>
+        <p:spPr>
+          <a:xfrm>
+            <a:off x="381000" y="685800"/>
             <a:ext cx="6096000" cy="3429000"/>
           </a:xfrm>
           <a:custGeom>
+            <a:avLst/>
+            <a:gdLst/>
+            <a:ahLst/>
+            <a:cxnLst/>
+            <a:rect l="0" t="0" r="0" b="0"/>
             <a:pathLst>
-              <a:path extrusionOk="0" h="120000" w="120000">
+              <a:path w="120000" h="120000" extrusionOk="0">
                 <a:moveTo>
                   <a:pt x="0" y="0"/>
                 </a:moveTo>
@@ -810,10 +948,12 @@
       </p:sp>
       <p:sp>
         <p:nvSpPr>
-          <p:cNvPr id="58" name="Shape 58"/>
-          <p:cNvSpPr txBox="1"/>
-          <p:nvPr>
-            <p:ph idx="1" type="body"/>
+          <p:cNvPr id="70" name="Shape 70"/>
+          <p:cNvSpPr txBox="1">
+            <a:spLocks noGrp="1"/>
+          </p:cNvSpPr>
+          <p:nvPr>
+            <p:ph type="body" idx="1"/>
           </p:nvPr>
         </p:nvSpPr>
         <p:spPr>
@@ -826,7 +966,7 @@
           </a:prstGeom>
         </p:spPr>
         <p:txBody>
-          <a:bodyPr anchorCtr="0" anchor="t" bIns="91425" lIns="91425" rIns="91425" tIns="91425">
+          <a:bodyPr lIns="91425" tIns="91425" rIns="91425" bIns="91425" anchor="t" anchorCtr="0">
             <a:noAutofit/>
           </a:bodyPr>
           <a:lstStyle/>
@@ -837,9 +977,6 @@
               </a:spcBef>
               <a:buNone/>
             </a:pPr>
-            <a:r>
-              <a:t/>
-            </a:r>
             <a:endParaRPr/>
           </a:p>
         </p:txBody>
@@ -852,12 +989,12 @@
 </p:notes>
 </file>
 
-<file path=ppt/notesSlides/notesSlide3.xml><?xml version="1.0" encoding="utf-8"?>
-<p:notes xmlns:a="http://schemas.openxmlformats.org/drawingml/2006/main" xmlns:r="http://schemas.openxmlformats.org/officeDocument/2006/relationships" xmlns:mc="http://schemas.openxmlformats.org/markup-compatibility/2006" xmlns:mv="urn:schemas-microsoft-com:mac:vml" xmlns:p="http://schemas.openxmlformats.org/presentationml/2006/main" xmlns:c="http://schemas.openxmlformats.org/drawingml/2006/chart" xmlns:dgm="http://schemas.openxmlformats.org/drawingml/2006/diagram" xmlns:o="urn:schemas-microsoft-com:office:office" xmlns:v="urn:schemas-microsoft-com:vml" xmlns:pvml="urn:schemas-microsoft-com:office:powerpoint" xmlns:com="http://schemas.openxmlformats.org/drawingml/2006/compatibility" xmlns:p14="http://schemas.microsoft.com/office/powerpoint/2010/main" showMasterPhAnim="0" showMasterSp="0">
+<file path=ppt/notesSlides/notesSlide4.xml><?xml version="1.0" encoding="utf-8"?>
+<p:notes xmlns:a="http://schemas.openxmlformats.org/drawingml/2006/main" xmlns:r="http://schemas.openxmlformats.org/officeDocument/2006/relationships" xmlns:p="http://schemas.openxmlformats.org/presentationml/2006/main" showMasterSp="0" showMasterPhAnim="0">
   <p:cSld>
     <p:spTree>
       <p:nvGrpSpPr>
-        <p:cNvPr id="62" name="Shape 62"/>
+        <p:cNvPr id="1" name="Shape 74"/>
         <p:cNvGrpSpPr/>
         <p:nvPr/>
       </p:nvGrpSpPr>
@@ -871,10 +1008,12 @@
       </p:grpSpPr>
       <p:sp>
         <p:nvSpPr>
-          <p:cNvPr id="63" name="Shape 63"/>
-          <p:cNvSpPr/>
-          <p:nvPr>
-            <p:ph idx="2" type="sldImg"/>
+          <p:cNvPr id="75" name="Shape 75"/>
+          <p:cNvSpPr>
+            <a:spLocks noGrp="1" noRot="1" noChangeAspect="1"/>
+          </p:cNvSpPr>
+          <p:nvPr>
+            <p:ph type="sldImg" idx="2"/>
           </p:nvPr>
         </p:nvSpPr>
         <p:spPr>
@@ -883,8 +1022,13 @@
             <a:ext cx="6096000" cy="3429000"/>
           </a:xfrm>
           <a:custGeom>
+            <a:avLst/>
+            <a:gdLst/>
+            <a:ahLst/>
+            <a:cxnLst/>
+            <a:rect l="0" t="0" r="0" b="0"/>
             <a:pathLst>
-              <a:path extrusionOk="0" h="120000" w="120000">
+              <a:path w="120000" h="120000" extrusionOk="0">
                 <a:moveTo>
                   <a:pt x="0" y="0"/>
                 </a:moveTo>
@@ -905,10 +1049,12 @@
       </p:sp>
       <p:sp>
         <p:nvSpPr>
-          <p:cNvPr id="64" name="Shape 64"/>
-          <p:cNvSpPr txBox="1"/>
-          <p:nvPr>
-            <p:ph idx="1" type="body"/>
+          <p:cNvPr id="76" name="Shape 76"/>
+          <p:cNvSpPr txBox="1">
+            <a:spLocks noGrp="1"/>
+          </p:cNvSpPr>
+          <p:nvPr>
+            <p:ph type="body" idx="1"/>
           </p:nvPr>
         </p:nvSpPr>
         <p:spPr>
@@ -921,7 +1067,7 @@
           </a:prstGeom>
         </p:spPr>
         <p:txBody>
-          <a:bodyPr anchorCtr="0" anchor="t" bIns="91425" lIns="91425" rIns="91425" tIns="91425">
+          <a:bodyPr lIns="91425" tIns="91425" rIns="91425" bIns="91425" anchor="t" anchorCtr="0">
             <a:noAutofit/>
           </a:bodyPr>
           <a:lstStyle/>
@@ -932,9 +1078,6 @@
               </a:spcBef>
               <a:buNone/>
             </a:pPr>
-            <a:r>
-              <a:t/>
-            </a:r>
             <a:endParaRPr/>
           </a:p>
         </p:txBody>
@@ -947,12 +1090,12 @@
 </p:notes>
 </file>
 
-<file path=ppt/notesSlides/notesSlide4.xml><?xml version="1.0" encoding="utf-8"?>
-<p:notes xmlns:a="http://schemas.openxmlformats.org/drawingml/2006/main" xmlns:r="http://schemas.openxmlformats.org/officeDocument/2006/relationships" xmlns:mc="http://schemas.openxmlformats.org/markup-compatibility/2006" xmlns:mv="urn:schemas-microsoft-com:mac:vml" xmlns:p="http://schemas.openxmlformats.org/presentationml/2006/main" xmlns:c="http://schemas.openxmlformats.org/drawingml/2006/chart" xmlns:dgm="http://schemas.openxmlformats.org/drawingml/2006/diagram" xmlns:o="urn:schemas-microsoft-com:office:office" xmlns:v="urn:schemas-microsoft-com:vml" xmlns:pvml="urn:schemas-microsoft-com:office:powerpoint" xmlns:com="http://schemas.openxmlformats.org/drawingml/2006/compatibility" xmlns:p14="http://schemas.microsoft.com/office/powerpoint/2010/main" showMasterPhAnim="0" showMasterSp="0">
+<file path=ppt/notesSlides/notesSlide5.xml><?xml version="1.0" encoding="utf-8"?>
+<p:notes xmlns:a="http://schemas.openxmlformats.org/drawingml/2006/main" xmlns:r="http://schemas.openxmlformats.org/officeDocument/2006/relationships" xmlns:p="http://schemas.openxmlformats.org/presentationml/2006/main" showMasterSp="0" showMasterPhAnim="0">
   <p:cSld>
     <p:spTree>
       <p:nvGrpSpPr>
-        <p:cNvPr id="68" name="Shape 68"/>
+        <p:cNvPr id="1" name="Shape 80"/>
         <p:cNvGrpSpPr/>
         <p:nvPr/>
       </p:nvGrpSpPr>
@@ -966,10 +1109,12 @@
       </p:grpSpPr>
       <p:sp>
         <p:nvSpPr>
-          <p:cNvPr id="69" name="Shape 69"/>
-          <p:cNvSpPr/>
-          <p:nvPr>
-            <p:ph idx="2" type="sldImg"/>
+          <p:cNvPr id="81" name="Shape 81"/>
+          <p:cNvSpPr>
+            <a:spLocks noGrp="1" noRot="1" noChangeAspect="1"/>
+          </p:cNvSpPr>
+          <p:nvPr>
+            <p:ph type="sldImg" idx="2"/>
           </p:nvPr>
         </p:nvSpPr>
         <p:spPr>
@@ -978,8 +1123,13 @@
             <a:ext cx="6096000" cy="3429000"/>
           </a:xfrm>
           <a:custGeom>
+            <a:avLst/>
+            <a:gdLst/>
+            <a:ahLst/>
+            <a:cxnLst/>
+            <a:rect l="0" t="0" r="0" b="0"/>
             <a:pathLst>
-              <a:path extrusionOk="0" h="120000" w="120000">
+              <a:path w="120000" h="120000" extrusionOk="0">
                 <a:moveTo>
                   <a:pt x="0" y="0"/>
                 </a:moveTo>
@@ -1000,10 +1150,12 @@
       </p:sp>
       <p:sp>
         <p:nvSpPr>
-          <p:cNvPr id="70" name="Shape 70"/>
-          <p:cNvSpPr txBox="1"/>
-          <p:nvPr>
-            <p:ph idx="1" type="body"/>
+          <p:cNvPr id="82" name="Shape 82"/>
+          <p:cNvSpPr txBox="1">
+            <a:spLocks noGrp="1"/>
+          </p:cNvSpPr>
+          <p:nvPr>
+            <p:ph type="body" idx="1"/>
           </p:nvPr>
         </p:nvSpPr>
         <p:spPr>
@@ -1016,7 +1168,7 @@
           </a:prstGeom>
         </p:spPr>
         <p:txBody>
-          <a:bodyPr anchorCtr="0" anchor="t" bIns="91425" lIns="91425" rIns="91425" tIns="91425">
+          <a:bodyPr lIns="91425" tIns="91425" rIns="91425" bIns="91425" anchor="t" anchorCtr="0">
             <a:noAutofit/>
           </a:bodyPr>
           <a:lstStyle/>
@@ -1027,9 +1179,6 @@
               </a:spcBef>
               <a:buNone/>
             </a:pPr>
-            <a:r>
-              <a:t/>
-            </a:r>
             <a:endParaRPr/>
           </a:p>
         </p:txBody>
@@ -1042,12 +1191,12 @@
 </p:notes>
 </file>
 
-<file path=ppt/notesSlides/notesSlide5.xml><?xml version="1.0" encoding="utf-8"?>
-<p:notes xmlns:a="http://schemas.openxmlformats.org/drawingml/2006/main" xmlns:r="http://schemas.openxmlformats.org/officeDocument/2006/relationships" xmlns:mc="http://schemas.openxmlformats.org/markup-compatibility/2006" xmlns:mv="urn:schemas-microsoft-com:mac:vml" xmlns:p="http://schemas.openxmlformats.org/presentationml/2006/main" xmlns:c="http://schemas.openxmlformats.org/drawingml/2006/chart" xmlns:dgm="http://schemas.openxmlformats.org/drawingml/2006/diagram" xmlns:o="urn:schemas-microsoft-com:office:office" xmlns:v="urn:schemas-microsoft-com:vml" xmlns:pvml="urn:schemas-microsoft-com:office:powerpoint" xmlns:com="http://schemas.openxmlformats.org/drawingml/2006/compatibility" xmlns:p14="http://schemas.microsoft.com/office/powerpoint/2010/main" showMasterPhAnim="0" showMasterSp="0">
+<file path=ppt/notesSlides/notesSlide6.xml><?xml version="1.0" encoding="utf-8"?>
+<p:notes xmlns:a="http://schemas.openxmlformats.org/drawingml/2006/main" xmlns:r="http://schemas.openxmlformats.org/officeDocument/2006/relationships" xmlns:p="http://schemas.openxmlformats.org/presentationml/2006/main" showMasterSp="0" showMasterPhAnim="0">
   <p:cSld>
     <p:spTree>
       <p:nvGrpSpPr>
-        <p:cNvPr id="74" name="Shape 74"/>
+        <p:cNvPr id="1" name="Shape 86"/>
         <p:cNvGrpSpPr/>
         <p:nvPr/>
       </p:nvGrpSpPr>
@@ -1061,10 +1210,12 @@
       </p:grpSpPr>
       <p:sp>
         <p:nvSpPr>
-          <p:cNvPr id="75" name="Shape 75"/>
-          <p:cNvSpPr/>
-          <p:nvPr>
-            <p:ph idx="2" type="sldImg"/>
+          <p:cNvPr id="87" name="Shape 87"/>
+          <p:cNvSpPr>
+            <a:spLocks noGrp="1" noRot="1" noChangeAspect="1"/>
+          </p:cNvSpPr>
+          <p:nvPr>
+            <p:ph type="sldImg" idx="2"/>
           </p:nvPr>
         </p:nvSpPr>
         <p:spPr>
@@ -1073,8 +1224,13 @@
             <a:ext cx="6096000" cy="3429000"/>
           </a:xfrm>
           <a:custGeom>
+            <a:avLst/>
+            <a:gdLst/>
+            <a:ahLst/>
+            <a:cxnLst/>
+            <a:rect l="0" t="0" r="0" b="0"/>
             <a:pathLst>
-              <a:path extrusionOk="0" h="120000" w="120000">
+              <a:path w="120000" h="120000" extrusionOk="0">
                 <a:moveTo>
                   <a:pt x="0" y="0"/>
                 </a:moveTo>
@@ -1095,10 +1251,12 @@
       </p:sp>
       <p:sp>
         <p:nvSpPr>
-          <p:cNvPr id="76" name="Shape 76"/>
-          <p:cNvSpPr txBox="1"/>
-          <p:nvPr>
-            <p:ph idx="1" type="body"/>
+          <p:cNvPr id="88" name="Shape 88"/>
+          <p:cNvSpPr txBox="1">
+            <a:spLocks noGrp="1"/>
+          </p:cNvSpPr>
+          <p:nvPr>
+            <p:ph type="body" idx="1"/>
           </p:nvPr>
         </p:nvSpPr>
         <p:spPr>
@@ -1111,7 +1269,7 @@
           </a:prstGeom>
         </p:spPr>
         <p:txBody>
-          <a:bodyPr anchorCtr="0" anchor="t" bIns="91425" lIns="91425" rIns="91425" tIns="91425">
+          <a:bodyPr lIns="91425" tIns="91425" rIns="91425" bIns="91425" anchor="t" anchorCtr="0">
             <a:noAutofit/>
           </a:bodyPr>
           <a:lstStyle/>
@@ -1122,9 +1280,6 @@
               </a:spcBef>
               <a:buNone/>
             </a:pPr>
-            <a:r>
-              <a:t/>
-            </a:r>
             <a:endParaRPr/>
           </a:p>
         </p:txBody>
@@ -1137,12 +1292,12 @@
 </p:notes>
 </file>
 
-<file path=ppt/notesSlides/notesSlide6.xml><?xml version="1.0" encoding="utf-8"?>
-<p:notes xmlns:a="http://schemas.openxmlformats.org/drawingml/2006/main" xmlns:r="http://schemas.openxmlformats.org/officeDocument/2006/relationships" xmlns:mc="http://schemas.openxmlformats.org/markup-compatibility/2006" xmlns:mv="urn:schemas-microsoft-com:mac:vml" xmlns:p="http://schemas.openxmlformats.org/presentationml/2006/main" xmlns:c="http://schemas.openxmlformats.org/drawingml/2006/chart" xmlns:dgm="http://schemas.openxmlformats.org/drawingml/2006/diagram" xmlns:o="urn:schemas-microsoft-com:office:office" xmlns:v="urn:schemas-microsoft-com:vml" xmlns:pvml="urn:schemas-microsoft-com:office:powerpoint" xmlns:com="http://schemas.openxmlformats.org/drawingml/2006/compatibility" xmlns:p14="http://schemas.microsoft.com/office/powerpoint/2010/main" showMasterPhAnim="0" showMasterSp="0">
+<file path=ppt/notesSlides/notesSlide7.xml><?xml version="1.0" encoding="utf-8"?>
+<p:notes xmlns:a="http://schemas.openxmlformats.org/drawingml/2006/main" xmlns:r="http://schemas.openxmlformats.org/officeDocument/2006/relationships" xmlns:p="http://schemas.openxmlformats.org/presentationml/2006/main" showMasterSp="0" showMasterPhAnim="0">
   <p:cSld>
     <p:spTree>
       <p:nvGrpSpPr>
-        <p:cNvPr id="80" name="Shape 80"/>
+        <p:cNvPr id="1" name="Shape 125"/>
         <p:cNvGrpSpPr/>
         <p:nvPr/>
       </p:nvGrpSpPr>
@@ -1156,10 +1311,12 @@
       </p:grpSpPr>
       <p:sp>
         <p:nvSpPr>
-          <p:cNvPr id="81" name="Shape 81"/>
-          <p:cNvSpPr/>
-          <p:nvPr>
-            <p:ph idx="2" type="sldImg"/>
+          <p:cNvPr id="126" name="Shape 126"/>
+          <p:cNvSpPr>
+            <a:spLocks noGrp="1" noRot="1" noChangeAspect="1"/>
+          </p:cNvSpPr>
+          <p:nvPr>
+            <p:ph type="sldImg" idx="2"/>
           </p:nvPr>
         </p:nvSpPr>
         <p:spPr>
@@ -1168,8 +1325,13 @@
             <a:ext cx="6096000" cy="3429000"/>
           </a:xfrm>
           <a:custGeom>
+            <a:avLst/>
+            <a:gdLst/>
+            <a:ahLst/>
+            <a:cxnLst/>
+            <a:rect l="0" t="0" r="0" b="0"/>
             <a:pathLst>
-              <a:path extrusionOk="0" h="120000" w="120000">
+              <a:path w="120000" h="120000" extrusionOk="0">
                 <a:moveTo>
                   <a:pt x="0" y="0"/>
                 </a:moveTo>
@@ -1190,10 +1352,12 @@
       </p:sp>
       <p:sp>
         <p:nvSpPr>
-          <p:cNvPr id="82" name="Shape 82"/>
-          <p:cNvSpPr txBox="1"/>
-          <p:nvPr>
-            <p:ph idx="1" type="body"/>
+          <p:cNvPr id="127" name="Shape 127"/>
+          <p:cNvSpPr txBox="1">
+            <a:spLocks noGrp="1"/>
+          </p:cNvSpPr>
+          <p:nvPr>
+            <p:ph type="body" idx="1"/>
           </p:nvPr>
         </p:nvSpPr>
         <p:spPr>
@@ -1206,7 +1370,7 @@
           </a:prstGeom>
         </p:spPr>
         <p:txBody>
-          <a:bodyPr anchorCtr="0" anchor="t" bIns="91425" lIns="91425" rIns="91425" tIns="91425">
+          <a:bodyPr lIns="91425" tIns="91425" rIns="91425" bIns="91425" anchor="t" anchorCtr="0">
             <a:noAutofit/>
           </a:bodyPr>
           <a:lstStyle/>
@@ -1217,9 +1381,6 @@
               </a:spcBef>
               <a:buNone/>
             </a:pPr>
-            <a:r>
-              <a:t/>
-            </a:r>
             <a:endParaRPr/>
           </a:p>
         </p:txBody>
@@ -1232,12 +1393,12 @@
 </p:notes>
 </file>
 
-<file path=ppt/notesSlides/notesSlide7.xml><?xml version="1.0" encoding="utf-8"?>
-<p:notes xmlns:a="http://schemas.openxmlformats.org/drawingml/2006/main" xmlns:r="http://schemas.openxmlformats.org/officeDocument/2006/relationships" xmlns:mc="http://schemas.openxmlformats.org/markup-compatibility/2006" xmlns:mv="urn:schemas-microsoft-com:mac:vml" xmlns:p="http://schemas.openxmlformats.org/presentationml/2006/main" xmlns:c="http://schemas.openxmlformats.org/drawingml/2006/chart" xmlns:dgm="http://schemas.openxmlformats.org/drawingml/2006/diagram" xmlns:o="urn:schemas-microsoft-com:office:office" xmlns:v="urn:schemas-microsoft-com:vml" xmlns:pvml="urn:schemas-microsoft-com:office:powerpoint" xmlns:com="http://schemas.openxmlformats.org/drawingml/2006/compatibility" xmlns:p14="http://schemas.microsoft.com/office/powerpoint/2010/main" showMasterPhAnim="0" showMasterSp="0">
+<file path=ppt/notesSlides/notesSlide8.xml><?xml version="1.0" encoding="utf-8"?>
+<p:notes xmlns:a="http://schemas.openxmlformats.org/drawingml/2006/main" xmlns:r="http://schemas.openxmlformats.org/officeDocument/2006/relationships" xmlns:p="http://schemas.openxmlformats.org/presentationml/2006/main" showMasterSp="0" showMasterPhAnim="0">
   <p:cSld>
     <p:spTree>
       <p:nvGrpSpPr>
-        <p:cNvPr id="86" name="Shape 86"/>
+        <p:cNvPr id="1" name="Shape 92"/>
         <p:cNvGrpSpPr/>
         <p:nvPr/>
       </p:nvGrpSpPr>
@@ -1251,10 +1412,12 @@
       </p:grpSpPr>
       <p:sp>
         <p:nvSpPr>
-          <p:cNvPr id="87" name="Shape 87"/>
-          <p:cNvSpPr/>
-          <p:nvPr>
-            <p:ph idx="2" type="sldImg"/>
+          <p:cNvPr id="93" name="Shape 93"/>
+          <p:cNvSpPr>
+            <a:spLocks noGrp="1" noRot="1" noChangeAspect="1"/>
+          </p:cNvSpPr>
+          <p:nvPr>
+            <p:ph type="sldImg" idx="2"/>
           </p:nvPr>
         </p:nvSpPr>
         <p:spPr>
@@ -1263,8 +1426,13 @@
             <a:ext cx="6096000" cy="3429000"/>
           </a:xfrm>
           <a:custGeom>
+            <a:avLst/>
+            <a:gdLst/>
+            <a:ahLst/>
+            <a:cxnLst/>
+            <a:rect l="0" t="0" r="0" b="0"/>
             <a:pathLst>
-              <a:path extrusionOk="0" h="120000" w="120000">
+              <a:path w="120000" h="120000" extrusionOk="0">
                 <a:moveTo>
                   <a:pt x="0" y="0"/>
                 </a:moveTo>
@@ -1285,10 +1453,12 @@
       </p:sp>
       <p:sp>
         <p:nvSpPr>
-          <p:cNvPr id="88" name="Shape 88"/>
-          <p:cNvSpPr txBox="1"/>
-          <p:nvPr>
-            <p:ph idx="1" type="body"/>
+          <p:cNvPr id="94" name="Shape 94"/>
+          <p:cNvSpPr txBox="1">
+            <a:spLocks noGrp="1"/>
+          </p:cNvSpPr>
+          <p:nvPr>
+            <p:ph type="body" idx="1"/>
           </p:nvPr>
         </p:nvSpPr>
         <p:spPr>
@@ -1301,7 +1471,7 @@
           </a:prstGeom>
         </p:spPr>
         <p:txBody>
-          <a:bodyPr anchorCtr="0" anchor="t" bIns="91425" lIns="91425" rIns="91425" tIns="91425">
+          <a:bodyPr lIns="91425" tIns="91425" rIns="91425" bIns="91425" anchor="t" anchorCtr="0">
             <a:noAutofit/>
           </a:bodyPr>
           <a:lstStyle/>
@@ -1312,9 +1482,6 @@
               </a:spcBef>
               <a:buNone/>
             </a:pPr>
-            <a:r>
-              <a:t/>
-            </a:r>
             <a:endParaRPr/>
           </a:p>
         </p:txBody>
@@ -1327,12 +1494,12 @@
 </p:notes>
 </file>
 
-<file path=ppt/notesSlides/notesSlide8.xml><?xml version="1.0" encoding="utf-8"?>
-<p:notes xmlns:a="http://schemas.openxmlformats.org/drawingml/2006/main" xmlns:r="http://schemas.openxmlformats.org/officeDocument/2006/relationships" xmlns:mc="http://schemas.openxmlformats.org/markup-compatibility/2006" xmlns:mv="urn:schemas-microsoft-com:mac:vml" xmlns:p="http://schemas.openxmlformats.org/presentationml/2006/main" xmlns:c="http://schemas.openxmlformats.org/drawingml/2006/chart" xmlns:dgm="http://schemas.openxmlformats.org/drawingml/2006/diagram" xmlns:o="urn:schemas-microsoft-com:office:office" xmlns:v="urn:schemas-microsoft-com:vml" xmlns:pvml="urn:schemas-microsoft-com:office:powerpoint" xmlns:com="http://schemas.openxmlformats.org/drawingml/2006/compatibility" xmlns:p14="http://schemas.microsoft.com/office/powerpoint/2010/main" showMasterPhAnim="0" showMasterSp="0">
+<file path=ppt/notesSlides/notesSlide9.xml><?xml version="1.0" encoding="utf-8"?>
+<p:notes xmlns:a="http://schemas.openxmlformats.org/drawingml/2006/main" xmlns:r="http://schemas.openxmlformats.org/officeDocument/2006/relationships" xmlns:p="http://schemas.openxmlformats.org/presentationml/2006/main" showMasterSp="0" showMasterPhAnim="0">
   <p:cSld>
     <p:spTree>
       <p:nvGrpSpPr>
-        <p:cNvPr id="92" name="Shape 92"/>
+        <p:cNvPr id="1" name="Shape 100"/>
         <p:cNvGrpSpPr/>
         <p:nvPr/>
       </p:nvGrpSpPr>
@@ -1346,20 +1513,27 @@
       </p:grpSpPr>
       <p:sp>
         <p:nvSpPr>
-          <p:cNvPr id="93" name="Shape 93"/>
-          <p:cNvSpPr/>
-          <p:nvPr>
-            <p:ph idx="2" type="sldImg"/>
-          </p:nvPr>
-        </p:nvSpPr>
-        <p:spPr>
-          <a:xfrm>
-            <a:off x="381300" y="685800"/>
+          <p:cNvPr id="101" name="Shape 101"/>
+          <p:cNvSpPr>
+            <a:spLocks noGrp="1" noRot="1" noChangeAspect="1"/>
+          </p:cNvSpPr>
+          <p:nvPr>
+            <p:ph type="sldImg" idx="2"/>
+          </p:nvPr>
+        </p:nvSpPr>
+        <p:spPr>
+          <a:xfrm>
+            <a:off x="381000" y="685800"/>
             <a:ext cx="6096000" cy="3429000"/>
           </a:xfrm>
           <a:custGeom>
+            <a:avLst/>
+            <a:gdLst/>
+            <a:ahLst/>
+            <a:cxnLst/>
+            <a:rect l="0" t="0" r="0" b="0"/>
             <a:pathLst>
-              <a:path extrusionOk="0" h="120000" w="120000">
+              <a:path w="120000" h="120000" extrusionOk="0">
                 <a:moveTo>
                   <a:pt x="0" y="0"/>
                 </a:moveTo>
@@ -1380,10 +1554,12 @@
       </p:sp>
       <p:sp>
         <p:nvSpPr>
-          <p:cNvPr id="94" name="Shape 94"/>
-          <p:cNvSpPr txBox="1"/>
-          <p:nvPr>
-            <p:ph idx="1" type="body"/>
+          <p:cNvPr id="102" name="Shape 102"/>
+          <p:cNvSpPr txBox="1">
+            <a:spLocks noGrp="1"/>
+          </p:cNvSpPr>
+          <p:nvPr>
+            <p:ph type="body" idx="1"/>
           </p:nvPr>
         </p:nvSpPr>
         <p:spPr>
@@ -1396,7 +1572,7 @@
           </a:prstGeom>
         </p:spPr>
         <p:txBody>
-          <a:bodyPr anchorCtr="0" anchor="t" bIns="91425" lIns="91425" rIns="91425" tIns="91425">
+          <a:bodyPr lIns="91425" tIns="91425" rIns="91425" bIns="91425" anchor="t" anchorCtr="0">
             <a:noAutofit/>
           </a:bodyPr>
           <a:lstStyle/>
@@ -1407,9 +1583,6 @@
               </a:spcBef>
               <a:buNone/>
             </a:pPr>
-            <a:r>
-              <a:t/>
-            </a:r>
             <a:endParaRPr/>
           </a:p>
         </p:txBody>
@@ -1422,12 +1595,12 @@
 </p:notes>
 </file>
 
-<file path=ppt/notesSlides/notesSlide9.xml><?xml version="1.0" encoding="utf-8"?>
-<p:notes xmlns:a="http://schemas.openxmlformats.org/drawingml/2006/main" xmlns:r="http://schemas.openxmlformats.org/officeDocument/2006/relationships" xmlns:mc="http://schemas.openxmlformats.org/markup-compatibility/2006" xmlns:mv="urn:schemas-microsoft-com:mac:vml" xmlns:p="http://schemas.openxmlformats.org/presentationml/2006/main" xmlns:c="http://schemas.openxmlformats.org/drawingml/2006/chart" xmlns:dgm="http://schemas.openxmlformats.org/drawingml/2006/diagram" xmlns:o="urn:schemas-microsoft-com:office:office" xmlns:v="urn:schemas-microsoft-com:vml" xmlns:pvml="urn:schemas-microsoft-com:office:powerpoint" xmlns:com="http://schemas.openxmlformats.org/drawingml/2006/compatibility" xmlns:p14="http://schemas.microsoft.com/office/powerpoint/2010/main" showMasterPhAnim="0" showMasterSp="0">
-  <p:cSld>
+<file path=ppt/slideLayouts/slideLayout1.xml><?xml version="1.0" encoding="utf-8"?>
+<p:sldLayout xmlns:a="http://schemas.openxmlformats.org/drawingml/2006/main" xmlns:r="http://schemas.openxmlformats.org/officeDocument/2006/relationships" xmlns:p="http://schemas.openxmlformats.org/presentationml/2006/main" type="title">
+  <p:cSld name="Title slide">
     <p:spTree>
       <p:nvGrpSpPr>
-        <p:cNvPr id="100" name="Shape 100"/>
+        <p:cNvPr id="1" name="Shape 9"/>
         <p:cNvGrpSpPr/>
         <p:nvPr/>
       </p:nvGrpSpPr>
@@ -1441,57 +1614,270 @@
       </p:grpSpPr>
       <p:sp>
         <p:nvSpPr>
-          <p:cNvPr id="101" name="Shape 101"/>
-          <p:cNvSpPr/>
-          <p:nvPr>
-            <p:ph idx="2" type="sldImg"/>
-          </p:nvPr>
-        </p:nvSpPr>
-        <p:spPr>
-          <a:xfrm>
-            <a:off x="381300" y="685800"/>
-            <a:ext cx="6096000" cy="3429000"/>
-          </a:xfrm>
-          <a:custGeom>
-            <a:pathLst>
-              <a:path extrusionOk="0" h="120000" w="120000">
-                <a:moveTo>
-                  <a:pt x="0" y="0"/>
-                </a:moveTo>
-                <a:lnTo>
-                  <a:pt x="120000" y="0"/>
-                </a:lnTo>
-                <a:lnTo>
-                  <a:pt x="120000" y="120000"/>
-                </a:lnTo>
-                <a:lnTo>
-                  <a:pt x="0" y="120000"/>
-                </a:lnTo>
-                <a:close/>
-              </a:path>
-            </a:pathLst>
-          </a:custGeom>
-        </p:spPr>
-      </p:sp>
-      <p:sp>
-        <p:nvSpPr>
-          <p:cNvPr id="102" name="Shape 102"/>
-          <p:cNvSpPr txBox="1"/>
-          <p:nvPr>
-            <p:ph idx="1" type="body"/>
-          </p:nvPr>
-        </p:nvSpPr>
-        <p:spPr>
-          <a:xfrm>
-            <a:off x="685800" y="4343400"/>
-            <a:ext cx="5486400" cy="4114800"/>
+          <p:cNvPr id="10" name="Shape 10"/>
+          <p:cNvSpPr txBox="1">
+            <a:spLocks noGrp="1"/>
+          </p:cNvSpPr>
+          <p:nvPr>
+            <p:ph type="ctrTitle"/>
+          </p:nvPr>
+        </p:nvSpPr>
+        <p:spPr>
+          <a:xfrm>
+            <a:off x="311708" y="744575"/>
+            <a:ext cx="8520600" cy="2052600"/>
           </a:xfrm>
           <a:prstGeom prst="rect">
             <a:avLst/>
           </a:prstGeom>
         </p:spPr>
         <p:txBody>
-          <a:bodyPr anchorCtr="0" anchor="t" bIns="91425" lIns="91425" rIns="91425" tIns="91425">
+          <a:bodyPr lIns="91425" tIns="91425" rIns="91425" bIns="91425" anchor="b" anchorCtr="0"/>
+          <a:lstStyle>
+            <a:lvl1pPr lvl="0" algn="ctr">
+              <a:spcBef>
+                <a:spcPts val="0"/>
+              </a:spcBef>
+              <a:buSzPct val="100000"/>
+              <a:defRPr sz="5200"/>
+            </a:lvl1pPr>
+            <a:lvl2pPr lvl="1" algn="ctr">
+              <a:spcBef>
+                <a:spcPts val="0"/>
+              </a:spcBef>
+              <a:buSzPct val="100000"/>
+              <a:defRPr sz="5200"/>
+            </a:lvl2pPr>
+            <a:lvl3pPr lvl="2" algn="ctr">
+              <a:spcBef>
+                <a:spcPts val="0"/>
+              </a:spcBef>
+              <a:buSzPct val="100000"/>
+              <a:defRPr sz="5200"/>
+            </a:lvl3pPr>
+            <a:lvl4pPr lvl="3" algn="ctr">
+              <a:spcBef>
+                <a:spcPts val="0"/>
+              </a:spcBef>
+              <a:buSzPct val="100000"/>
+              <a:defRPr sz="5200"/>
+            </a:lvl4pPr>
+            <a:lvl5pPr lvl="4" algn="ctr">
+              <a:spcBef>
+                <a:spcPts val="0"/>
+              </a:spcBef>
+              <a:buSzPct val="100000"/>
+              <a:defRPr sz="5200"/>
+            </a:lvl5pPr>
+            <a:lvl6pPr lvl="5" algn="ctr">
+              <a:spcBef>
+                <a:spcPts val="0"/>
+              </a:spcBef>
+              <a:buSzPct val="100000"/>
+              <a:defRPr sz="5200"/>
+            </a:lvl6pPr>
+            <a:lvl7pPr lvl="6" algn="ctr">
+              <a:spcBef>
+                <a:spcPts val="0"/>
+              </a:spcBef>
+              <a:buSzPct val="100000"/>
+              <a:defRPr sz="5200"/>
+            </a:lvl7pPr>
+            <a:lvl8pPr lvl="7" algn="ctr">
+              <a:spcBef>
+                <a:spcPts val="0"/>
+              </a:spcBef>
+              <a:buSzPct val="100000"/>
+              <a:defRPr sz="5200"/>
+            </a:lvl8pPr>
+            <a:lvl9pPr lvl="8" algn="ctr">
+              <a:spcBef>
+                <a:spcPts val="0"/>
+              </a:spcBef>
+              <a:buSzPct val="100000"/>
+              <a:defRPr sz="5200"/>
+            </a:lvl9pPr>
+          </a:lstStyle>
+          <a:p>
+            <a:endParaRPr/>
+          </a:p>
+        </p:txBody>
+      </p:sp>
+      <p:sp>
+        <p:nvSpPr>
+          <p:cNvPr id="11" name="Shape 11"/>
+          <p:cNvSpPr txBox="1">
+            <a:spLocks noGrp="1"/>
+          </p:cNvSpPr>
+          <p:nvPr>
+            <p:ph type="subTitle" idx="1"/>
+          </p:nvPr>
+        </p:nvSpPr>
+        <p:spPr>
+          <a:xfrm>
+            <a:off x="311700" y="2834125"/>
+            <a:ext cx="8520600" cy="792600"/>
+          </a:xfrm>
+          <a:prstGeom prst="rect">
+            <a:avLst/>
+          </a:prstGeom>
+        </p:spPr>
+        <p:txBody>
+          <a:bodyPr lIns="91425" tIns="91425" rIns="91425" bIns="91425" anchor="t" anchorCtr="0"/>
+          <a:lstStyle>
+            <a:lvl1pPr lvl="0" algn="ctr">
+              <a:lnSpc>
+                <a:spcPct val="100000"/>
+              </a:lnSpc>
+              <a:spcBef>
+                <a:spcPts val="0"/>
+              </a:spcBef>
+              <a:spcAft>
+                <a:spcPts val="0"/>
+              </a:spcAft>
+              <a:buSzPct val="100000"/>
+              <a:buNone/>
+              <a:defRPr sz="2800"/>
+            </a:lvl1pPr>
+            <a:lvl2pPr lvl="1" algn="ctr">
+              <a:lnSpc>
+                <a:spcPct val="100000"/>
+              </a:lnSpc>
+              <a:spcBef>
+                <a:spcPts val="0"/>
+              </a:spcBef>
+              <a:spcAft>
+                <a:spcPts val="0"/>
+              </a:spcAft>
+              <a:buSzPct val="100000"/>
+              <a:buNone/>
+              <a:defRPr sz="2800"/>
+            </a:lvl2pPr>
+            <a:lvl3pPr lvl="2" algn="ctr">
+              <a:lnSpc>
+                <a:spcPct val="100000"/>
+              </a:lnSpc>
+              <a:spcBef>
+                <a:spcPts val="0"/>
+              </a:spcBef>
+              <a:spcAft>
+                <a:spcPts val="0"/>
+              </a:spcAft>
+              <a:buSzPct val="100000"/>
+              <a:buNone/>
+              <a:defRPr sz="2800"/>
+            </a:lvl3pPr>
+            <a:lvl4pPr lvl="3" algn="ctr">
+              <a:lnSpc>
+                <a:spcPct val="100000"/>
+              </a:lnSpc>
+              <a:spcBef>
+                <a:spcPts val="0"/>
+              </a:spcBef>
+              <a:spcAft>
+                <a:spcPts val="0"/>
+              </a:spcAft>
+              <a:buSzPct val="100000"/>
+              <a:buNone/>
+              <a:defRPr sz="2800"/>
+            </a:lvl4pPr>
+            <a:lvl5pPr lvl="4" algn="ctr">
+              <a:lnSpc>
+                <a:spcPct val="100000"/>
+              </a:lnSpc>
+              <a:spcBef>
+                <a:spcPts val="0"/>
+              </a:spcBef>
+              <a:spcAft>
+                <a:spcPts val="0"/>
+              </a:spcAft>
+              <a:buSzPct val="100000"/>
+              <a:buNone/>
+              <a:defRPr sz="2800"/>
+            </a:lvl5pPr>
+            <a:lvl6pPr lvl="5" algn="ctr">
+              <a:lnSpc>
+                <a:spcPct val="100000"/>
+              </a:lnSpc>
+              <a:spcBef>
+                <a:spcPts val="0"/>
+              </a:spcBef>
+              <a:spcAft>
+                <a:spcPts val="0"/>
+              </a:spcAft>
+              <a:buSzPct val="100000"/>
+              <a:buNone/>
+              <a:defRPr sz="2800"/>
+            </a:lvl6pPr>
+            <a:lvl7pPr lvl="6" algn="ctr">
+              <a:lnSpc>
+                <a:spcPct val="100000"/>
+              </a:lnSpc>
+              <a:spcBef>
+                <a:spcPts val="0"/>
+              </a:spcBef>
+              <a:spcAft>
+                <a:spcPts val="0"/>
+              </a:spcAft>
+              <a:buSzPct val="100000"/>
+              <a:buNone/>
+              <a:defRPr sz="2800"/>
+            </a:lvl7pPr>
+            <a:lvl8pPr lvl="7" algn="ctr">
+              <a:lnSpc>
+                <a:spcPct val="100000"/>
+              </a:lnSpc>
+              <a:spcBef>
+                <a:spcPts val="0"/>
+              </a:spcBef>
+              <a:spcAft>
+                <a:spcPts val="0"/>
+              </a:spcAft>
+              <a:buSzPct val="100000"/>
+              <a:buNone/>
+              <a:defRPr sz="2800"/>
+            </a:lvl8pPr>
+            <a:lvl9pPr lvl="8" algn="ctr">
+              <a:lnSpc>
+                <a:spcPct val="100000"/>
+              </a:lnSpc>
+              <a:spcBef>
+                <a:spcPts val="0"/>
+              </a:spcBef>
+              <a:spcAft>
+                <a:spcPts val="0"/>
+              </a:spcAft>
+              <a:buSzPct val="100000"/>
+              <a:buNone/>
+              <a:defRPr sz="2800"/>
+            </a:lvl9pPr>
+          </a:lstStyle>
+          <a:p>
+            <a:endParaRPr/>
+          </a:p>
+        </p:txBody>
+      </p:sp>
+      <p:sp>
+        <p:nvSpPr>
+          <p:cNvPr id="12" name="Shape 12"/>
+          <p:cNvSpPr txBox="1">
+            <a:spLocks noGrp="1"/>
+          </p:cNvSpPr>
+          <p:nvPr>
+            <p:ph type="sldNum" idx="12"/>
+          </p:nvPr>
+        </p:nvSpPr>
+        <p:spPr>
+          <a:xfrm>
+            <a:off x="8472457" y="4663216"/>
+            <a:ext cx="548700" cy="393600"/>
+          </a:xfrm>
+          <a:prstGeom prst="rect">
+            <a:avLst/>
+          </a:prstGeom>
+        </p:spPr>
+        <p:txBody>
+          <a:bodyPr lIns="91425" tIns="91425" rIns="91425" bIns="91425" anchor="ctr" anchorCtr="0">
             <a:noAutofit/>
           </a:bodyPr>
           <a:lstStyle/>
@@ -1502,10 +1888,11 @@
               </a:spcBef>
               <a:buNone/>
             </a:pPr>
-            <a:r>
-              <a:t/>
-            </a:r>
-            <a:endParaRPr/>
+            <a:fld id="{00000000-1234-1234-1234-123412341234}" type="slidenum">
+              <a:rPr lang="en"/>
+              <a:t>‹#›</a:t>
+            </a:fld>
+            <a:endParaRPr lang="en"/>
           </a:p>
         </p:txBody>
       </p:sp>
@@ -1514,15 +1901,15 @@
   <p:clrMapOvr>
     <a:masterClrMapping/>
   </p:clrMapOvr>
-</p:notes>
+</p:sldLayout>
 </file>
 
-<file path=ppt/slideLayouts/slideLayout1.xml><?xml version="1.0" encoding="utf-8"?>
-<p:sldLayout xmlns:a="http://schemas.openxmlformats.org/drawingml/2006/main" xmlns:r="http://schemas.openxmlformats.org/officeDocument/2006/relationships" xmlns:mc="http://schemas.openxmlformats.org/markup-compatibility/2006" xmlns:mv="urn:schemas-microsoft-com:mac:vml" xmlns:p="http://schemas.openxmlformats.org/presentationml/2006/main" xmlns:c="http://schemas.openxmlformats.org/drawingml/2006/chart" xmlns:dgm="http://schemas.openxmlformats.org/drawingml/2006/diagram" xmlns:o="urn:schemas-microsoft-com:office:office" xmlns:v="urn:schemas-microsoft-com:vml" xmlns:pvml="urn:schemas-microsoft-com:office:powerpoint" xmlns:com="http://schemas.openxmlformats.org/drawingml/2006/compatibility" xmlns:p14="http://schemas.microsoft.com/office/powerpoint/2010/main" type="title">
-  <p:cSld name="Title slide">
+<file path=ppt/slideLayouts/slideLayout10.xml><?xml version="1.0" encoding="utf-8"?>
+<p:sldLayout xmlns:a="http://schemas.openxmlformats.org/drawingml/2006/main" xmlns:r="http://schemas.openxmlformats.org/officeDocument/2006/relationships" xmlns:p="http://schemas.openxmlformats.org/presentationml/2006/main">
+  <p:cSld name="Big number">
     <p:spTree>
       <p:nvGrpSpPr>
-        <p:cNvPr id="9" name="Shape 9"/>
+        <p:cNvPr id="1" name="Shape 44"/>
         <p:cNvGrpSpPr/>
         <p:nvPr/>
       </p:nvGrpSpPr>
@@ -1536,247 +1923,185 @@
       </p:grpSpPr>
       <p:sp>
         <p:nvSpPr>
-          <p:cNvPr id="10" name="Shape 10"/>
-          <p:cNvSpPr txBox="1"/>
-          <p:nvPr>
-            <p:ph type="ctrTitle"/>
-          </p:nvPr>
-        </p:nvSpPr>
-        <p:spPr>
-          <a:xfrm>
-            <a:off x="311708" y="744575"/>
-            <a:ext cx="8520600" cy="2052600"/>
+          <p:cNvPr id="45" name="Shape 45"/>
+          <p:cNvSpPr txBox="1">
+            <a:spLocks noGrp="1"/>
+          </p:cNvSpPr>
+          <p:nvPr>
+            <p:ph type="title"/>
+          </p:nvPr>
+        </p:nvSpPr>
+        <p:spPr>
+          <a:xfrm>
+            <a:off x="311700" y="1106125"/>
+            <a:ext cx="8520600" cy="1963500"/>
           </a:xfrm>
           <a:prstGeom prst="rect">
             <a:avLst/>
           </a:prstGeom>
         </p:spPr>
         <p:txBody>
-          <a:bodyPr anchorCtr="0" anchor="b" bIns="91425" lIns="91425" rIns="91425" tIns="91425"/>
+          <a:bodyPr lIns="91425" tIns="91425" rIns="91425" bIns="91425" anchor="b" anchorCtr="0"/>
           <a:lstStyle>
             <a:lvl1pPr lvl="0" algn="ctr">
               <a:spcBef>
                 <a:spcPts val="0"/>
               </a:spcBef>
               <a:buSzPct val="100000"/>
-              <a:defRPr sz="5200"/>
+              <a:defRPr sz="12000"/>
             </a:lvl1pPr>
             <a:lvl2pPr lvl="1" algn="ctr">
               <a:spcBef>
                 <a:spcPts val="0"/>
               </a:spcBef>
               <a:buSzPct val="100000"/>
-              <a:defRPr sz="5200"/>
+              <a:defRPr sz="12000"/>
             </a:lvl2pPr>
             <a:lvl3pPr lvl="2" algn="ctr">
               <a:spcBef>
                 <a:spcPts val="0"/>
               </a:spcBef>
               <a:buSzPct val="100000"/>
-              <a:defRPr sz="5200"/>
+              <a:defRPr sz="12000"/>
             </a:lvl3pPr>
             <a:lvl4pPr lvl="3" algn="ctr">
               <a:spcBef>
                 <a:spcPts val="0"/>
               </a:spcBef>
               <a:buSzPct val="100000"/>
-              <a:defRPr sz="5200"/>
+              <a:defRPr sz="12000"/>
             </a:lvl4pPr>
             <a:lvl5pPr lvl="4" algn="ctr">
               <a:spcBef>
                 <a:spcPts val="0"/>
               </a:spcBef>
               <a:buSzPct val="100000"/>
-              <a:defRPr sz="5200"/>
+              <a:defRPr sz="12000"/>
             </a:lvl5pPr>
             <a:lvl6pPr lvl="5" algn="ctr">
               <a:spcBef>
                 <a:spcPts val="0"/>
               </a:spcBef>
               <a:buSzPct val="100000"/>
-              <a:defRPr sz="5200"/>
+              <a:defRPr sz="12000"/>
             </a:lvl6pPr>
             <a:lvl7pPr lvl="6" algn="ctr">
               <a:spcBef>
                 <a:spcPts val="0"/>
               </a:spcBef>
               <a:buSzPct val="100000"/>
-              <a:defRPr sz="5200"/>
+              <a:defRPr sz="12000"/>
             </a:lvl7pPr>
             <a:lvl8pPr lvl="7" algn="ctr">
               <a:spcBef>
                 <a:spcPts val="0"/>
               </a:spcBef>
               <a:buSzPct val="100000"/>
-              <a:defRPr sz="5200"/>
+              <a:defRPr sz="12000"/>
             </a:lvl8pPr>
             <a:lvl9pPr lvl="8" algn="ctr">
               <a:spcBef>
                 <a:spcPts val="0"/>
               </a:spcBef>
               <a:buSzPct val="100000"/>
-              <a:defRPr sz="5200"/>
+              <a:defRPr sz="12000"/>
             </a:lvl9pPr>
           </a:lstStyle>
-          <a:p/>
+          <a:p>
+            <a:endParaRPr/>
+          </a:p>
         </p:txBody>
       </p:sp>
       <p:sp>
         <p:nvSpPr>
-          <p:cNvPr id="11" name="Shape 11"/>
-          <p:cNvSpPr txBox="1"/>
-          <p:nvPr>
-            <p:ph idx="1" type="subTitle"/>
-          </p:nvPr>
-        </p:nvSpPr>
-        <p:spPr>
-          <a:xfrm>
-            <a:off x="311700" y="2834125"/>
-            <a:ext cx="8520600" cy="792600"/>
+          <p:cNvPr id="46" name="Shape 46"/>
+          <p:cNvSpPr txBox="1">
+            <a:spLocks noGrp="1"/>
+          </p:cNvSpPr>
+          <p:nvPr>
+            <p:ph type="body" idx="1"/>
+          </p:nvPr>
+        </p:nvSpPr>
+        <p:spPr>
+          <a:xfrm>
+            <a:off x="311700" y="3152225"/>
+            <a:ext cx="8520600" cy="1300800"/>
           </a:xfrm>
           <a:prstGeom prst="rect">
             <a:avLst/>
           </a:prstGeom>
         </p:spPr>
         <p:txBody>
-          <a:bodyPr anchorCtr="0" anchor="t" bIns="91425" lIns="91425" rIns="91425" tIns="91425"/>
+          <a:bodyPr lIns="91425" tIns="91425" rIns="91425" bIns="91425" anchor="t" anchorCtr="0"/>
           <a:lstStyle>
             <a:lvl1pPr lvl="0" algn="ctr">
-              <a:lnSpc>
-                <a:spcPct val="100000"/>
-              </a:lnSpc>
-              <a:spcBef>
-                <a:spcPts val="0"/>
-              </a:spcBef>
-              <a:spcAft>
-                <a:spcPts val="0"/>
-              </a:spcAft>
-              <a:buSzPct val="100000"/>
-              <a:buNone/>
-              <a:defRPr sz="2800"/>
+              <a:spcBef>
+                <a:spcPts val="0"/>
+              </a:spcBef>
+              <a:defRPr/>
             </a:lvl1pPr>
             <a:lvl2pPr lvl="1" algn="ctr">
-              <a:lnSpc>
-                <a:spcPct val="100000"/>
-              </a:lnSpc>
-              <a:spcBef>
-                <a:spcPts val="0"/>
-              </a:spcBef>
-              <a:spcAft>
-                <a:spcPts val="0"/>
-              </a:spcAft>
-              <a:buSzPct val="100000"/>
-              <a:buNone/>
-              <a:defRPr sz="2800"/>
+              <a:spcBef>
+                <a:spcPts val="0"/>
+              </a:spcBef>
+              <a:defRPr/>
             </a:lvl2pPr>
             <a:lvl3pPr lvl="2" algn="ctr">
-              <a:lnSpc>
-                <a:spcPct val="100000"/>
-              </a:lnSpc>
-              <a:spcBef>
-                <a:spcPts val="0"/>
-              </a:spcBef>
-              <a:spcAft>
-                <a:spcPts val="0"/>
-              </a:spcAft>
-              <a:buSzPct val="100000"/>
-              <a:buNone/>
-              <a:defRPr sz="2800"/>
+              <a:spcBef>
+                <a:spcPts val="0"/>
+              </a:spcBef>
+              <a:defRPr/>
             </a:lvl3pPr>
             <a:lvl4pPr lvl="3" algn="ctr">
-              <a:lnSpc>
-                <a:spcPct val="100000"/>
-              </a:lnSpc>
-              <a:spcBef>
-                <a:spcPts val="0"/>
-              </a:spcBef>
-              <a:spcAft>
-                <a:spcPts val="0"/>
-              </a:spcAft>
-              <a:buSzPct val="100000"/>
-              <a:buNone/>
-              <a:defRPr sz="2800"/>
+              <a:spcBef>
+                <a:spcPts val="0"/>
+              </a:spcBef>
+              <a:defRPr/>
             </a:lvl4pPr>
             <a:lvl5pPr lvl="4" algn="ctr">
-              <a:lnSpc>
-                <a:spcPct val="100000"/>
-              </a:lnSpc>
-              <a:spcBef>
-                <a:spcPts val="0"/>
-              </a:spcBef>
-              <a:spcAft>
-                <a:spcPts val="0"/>
-              </a:spcAft>
-              <a:buSzPct val="100000"/>
-              <a:buNone/>
-              <a:defRPr sz="2800"/>
+              <a:spcBef>
+                <a:spcPts val="0"/>
+              </a:spcBef>
+              <a:defRPr/>
             </a:lvl5pPr>
             <a:lvl6pPr lvl="5" algn="ctr">
-              <a:lnSpc>
-                <a:spcPct val="100000"/>
-              </a:lnSpc>
-              <a:spcBef>
-                <a:spcPts val="0"/>
-              </a:spcBef>
-              <a:spcAft>
-                <a:spcPts val="0"/>
-              </a:spcAft>
-              <a:buSzPct val="100000"/>
-              <a:buNone/>
-              <a:defRPr sz="2800"/>
+              <a:spcBef>
+                <a:spcPts val="0"/>
+              </a:spcBef>
+              <a:defRPr/>
             </a:lvl6pPr>
             <a:lvl7pPr lvl="6" algn="ctr">
-              <a:lnSpc>
-                <a:spcPct val="100000"/>
-              </a:lnSpc>
-              <a:spcBef>
-                <a:spcPts val="0"/>
-              </a:spcBef>
-              <a:spcAft>
-                <a:spcPts val="0"/>
-              </a:spcAft>
-              <a:buSzPct val="100000"/>
-              <a:buNone/>
-              <a:defRPr sz="2800"/>
+              <a:spcBef>
+                <a:spcPts val="0"/>
+              </a:spcBef>
+              <a:defRPr/>
             </a:lvl7pPr>
             <a:lvl8pPr lvl="7" algn="ctr">
-              <a:lnSpc>
-                <a:spcPct val="100000"/>
-              </a:lnSpc>
-              <a:spcBef>
-                <a:spcPts val="0"/>
-              </a:spcBef>
-              <a:spcAft>
-                <a:spcPts val="0"/>
-              </a:spcAft>
-              <a:buSzPct val="100000"/>
-              <a:buNone/>
-              <a:defRPr sz="2800"/>
+              <a:spcBef>
+                <a:spcPts val="0"/>
+              </a:spcBef>
+              <a:defRPr/>
             </a:lvl8pPr>
             <a:lvl9pPr lvl="8" algn="ctr">
-              <a:lnSpc>
-                <a:spcPct val="100000"/>
-              </a:lnSpc>
-              <a:spcBef>
-                <a:spcPts val="0"/>
-              </a:spcBef>
-              <a:spcAft>
-                <a:spcPts val="0"/>
-              </a:spcAft>
-              <a:buSzPct val="100000"/>
-              <a:buNone/>
-              <a:defRPr sz="2800"/>
+              <a:spcBef>
+                <a:spcPts val="0"/>
+              </a:spcBef>
+              <a:defRPr/>
             </a:lvl9pPr>
           </a:lstStyle>
-          <a:p/>
+          <a:p>
+            <a:endParaRPr/>
+          </a:p>
         </p:txBody>
       </p:sp>
       <p:sp>
         <p:nvSpPr>
-          <p:cNvPr id="12" name="Shape 12"/>
-          <p:cNvSpPr txBox="1"/>
-          <p:nvPr>
-            <p:ph idx="12" type="sldNum"/>
+          <p:cNvPr id="47" name="Shape 47"/>
+          <p:cNvSpPr txBox="1">
+            <a:spLocks noGrp="1"/>
+          </p:cNvSpPr>
+          <p:nvPr>
+            <p:ph type="sldNum" idx="12"/>
           </p:nvPr>
         </p:nvSpPr>
         <p:spPr>
@@ -1789,7 +2114,7 @@
           </a:prstGeom>
         </p:spPr>
         <p:txBody>
-          <a:bodyPr anchorCtr="0" anchor="ctr" bIns="91425" lIns="91425" rIns="91425" tIns="91425">
+          <a:bodyPr lIns="91425" tIns="91425" rIns="91425" bIns="91425" anchor="ctr" anchorCtr="0">
             <a:noAutofit/>
           </a:bodyPr>
           <a:lstStyle/>
@@ -1804,6 +2129,7 @@
               <a:rPr lang="en"/>
               <a:t>‹#›</a:t>
             </a:fld>
+            <a:endParaRPr lang="en"/>
           </a:p>
         </p:txBody>
       </p:sp>
@@ -1815,12 +2141,12 @@
 </p:sldLayout>
 </file>
 
-<file path=ppt/slideLayouts/slideLayout10.xml><?xml version="1.0" encoding="utf-8"?>
-<p:sldLayout xmlns:a="http://schemas.openxmlformats.org/drawingml/2006/main" xmlns:r="http://schemas.openxmlformats.org/officeDocument/2006/relationships" xmlns:mc="http://schemas.openxmlformats.org/markup-compatibility/2006" xmlns:mv="urn:schemas-microsoft-com:mac:vml" xmlns:p="http://schemas.openxmlformats.org/presentationml/2006/main" xmlns:c="http://schemas.openxmlformats.org/drawingml/2006/chart" xmlns:dgm="http://schemas.openxmlformats.org/drawingml/2006/diagram" xmlns:o="urn:schemas-microsoft-com:office:office" xmlns:v="urn:schemas-microsoft-com:vml" xmlns:pvml="urn:schemas-microsoft-com:office:powerpoint" xmlns:com="http://schemas.openxmlformats.org/drawingml/2006/compatibility" xmlns:p14="http://schemas.microsoft.com/office/powerpoint/2010/main">
-  <p:cSld name="Big number">
+<file path=ppt/slideLayouts/slideLayout11.xml><?xml version="1.0" encoding="utf-8"?>
+<p:sldLayout xmlns:a="http://schemas.openxmlformats.org/drawingml/2006/main" xmlns:r="http://schemas.openxmlformats.org/officeDocument/2006/relationships" xmlns:p="http://schemas.openxmlformats.org/presentationml/2006/main" type="blank">
+  <p:cSld name="Blank">
     <p:spTree>
       <p:nvGrpSpPr>
-        <p:cNvPr id="44" name="Shape 44"/>
+        <p:cNvPr id="1" name="Shape 48"/>
         <p:cNvGrpSpPr/>
         <p:nvPr/>
       </p:nvGrpSpPr>
@@ -1834,175 +2160,12 @@
       </p:grpSpPr>
       <p:sp>
         <p:nvSpPr>
-          <p:cNvPr id="45" name="Shape 45"/>
-          <p:cNvSpPr txBox="1"/>
-          <p:nvPr>
-            <p:ph type="title"/>
-          </p:nvPr>
-        </p:nvSpPr>
-        <p:spPr>
-          <a:xfrm>
-            <a:off x="311700" y="1106125"/>
-            <a:ext cx="8520600" cy="1963500"/>
-          </a:xfrm>
-          <a:prstGeom prst="rect">
-            <a:avLst/>
-          </a:prstGeom>
-        </p:spPr>
-        <p:txBody>
-          <a:bodyPr anchorCtr="0" anchor="b" bIns="91425" lIns="91425" rIns="91425" tIns="91425"/>
-          <a:lstStyle>
-            <a:lvl1pPr lvl="0" algn="ctr">
-              <a:spcBef>
-                <a:spcPts val="0"/>
-              </a:spcBef>
-              <a:buSzPct val="100000"/>
-              <a:defRPr sz="12000"/>
-            </a:lvl1pPr>
-            <a:lvl2pPr lvl="1" algn="ctr">
-              <a:spcBef>
-                <a:spcPts val="0"/>
-              </a:spcBef>
-              <a:buSzPct val="100000"/>
-              <a:defRPr sz="12000"/>
-            </a:lvl2pPr>
-            <a:lvl3pPr lvl="2" algn="ctr">
-              <a:spcBef>
-                <a:spcPts val="0"/>
-              </a:spcBef>
-              <a:buSzPct val="100000"/>
-              <a:defRPr sz="12000"/>
-            </a:lvl3pPr>
-            <a:lvl4pPr lvl="3" algn="ctr">
-              <a:spcBef>
-                <a:spcPts val="0"/>
-              </a:spcBef>
-              <a:buSzPct val="100000"/>
-              <a:defRPr sz="12000"/>
-            </a:lvl4pPr>
-            <a:lvl5pPr lvl="4" algn="ctr">
-              <a:spcBef>
-                <a:spcPts val="0"/>
-              </a:spcBef>
-              <a:buSzPct val="100000"/>
-              <a:defRPr sz="12000"/>
-            </a:lvl5pPr>
-            <a:lvl6pPr lvl="5" algn="ctr">
-              <a:spcBef>
-                <a:spcPts val="0"/>
-              </a:spcBef>
-              <a:buSzPct val="100000"/>
-              <a:defRPr sz="12000"/>
-            </a:lvl6pPr>
-            <a:lvl7pPr lvl="6" algn="ctr">
-              <a:spcBef>
-                <a:spcPts val="0"/>
-              </a:spcBef>
-              <a:buSzPct val="100000"/>
-              <a:defRPr sz="12000"/>
-            </a:lvl7pPr>
-            <a:lvl8pPr lvl="7" algn="ctr">
-              <a:spcBef>
-                <a:spcPts val="0"/>
-              </a:spcBef>
-              <a:buSzPct val="100000"/>
-              <a:defRPr sz="12000"/>
-            </a:lvl8pPr>
-            <a:lvl9pPr lvl="8" algn="ctr">
-              <a:spcBef>
-                <a:spcPts val="0"/>
-              </a:spcBef>
-              <a:buSzPct val="100000"/>
-              <a:defRPr sz="12000"/>
-            </a:lvl9pPr>
-          </a:lstStyle>
-          <a:p/>
-        </p:txBody>
-      </p:sp>
-      <p:sp>
-        <p:nvSpPr>
-          <p:cNvPr id="46" name="Shape 46"/>
-          <p:cNvSpPr txBox="1"/>
-          <p:nvPr>
-            <p:ph idx="1" type="body"/>
-          </p:nvPr>
-        </p:nvSpPr>
-        <p:spPr>
-          <a:xfrm>
-            <a:off x="311700" y="3152225"/>
-            <a:ext cx="8520600" cy="1300800"/>
-          </a:xfrm>
-          <a:prstGeom prst="rect">
-            <a:avLst/>
-          </a:prstGeom>
-        </p:spPr>
-        <p:txBody>
-          <a:bodyPr anchorCtr="0" anchor="t" bIns="91425" lIns="91425" rIns="91425" tIns="91425"/>
-          <a:lstStyle>
-            <a:lvl1pPr lvl="0" algn="ctr">
-              <a:spcBef>
-                <a:spcPts val="0"/>
-              </a:spcBef>
-              <a:defRPr/>
-            </a:lvl1pPr>
-            <a:lvl2pPr lvl="1" algn="ctr">
-              <a:spcBef>
-                <a:spcPts val="0"/>
-              </a:spcBef>
-              <a:defRPr/>
-            </a:lvl2pPr>
-            <a:lvl3pPr lvl="2" algn="ctr">
-              <a:spcBef>
-                <a:spcPts val="0"/>
-              </a:spcBef>
-              <a:defRPr/>
-            </a:lvl3pPr>
-            <a:lvl4pPr lvl="3" algn="ctr">
-              <a:spcBef>
-                <a:spcPts val="0"/>
-              </a:spcBef>
-              <a:defRPr/>
-            </a:lvl4pPr>
-            <a:lvl5pPr lvl="4" algn="ctr">
-              <a:spcBef>
-                <a:spcPts val="0"/>
-              </a:spcBef>
-              <a:defRPr/>
-            </a:lvl5pPr>
-            <a:lvl6pPr lvl="5" algn="ctr">
-              <a:spcBef>
-                <a:spcPts val="0"/>
-              </a:spcBef>
-              <a:defRPr/>
-            </a:lvl6pPr>
-            <a:lvl7pPr lvl="6" algn="ctr">
-              <a:spcBef>
-                <a:spcPts val="0"/>
-              </a:spcBef>
-              <a:defRPr/>
-            </a:lvl7pPr>
-            <a:lvl8pPr lvl="7" algn="ctr">
-              <a:spcBef>
-                <a:spcPts val="0"/>
-              </a:spcBef>
-              <a:defRPr/>
-            </a:lvl8pPr>
-            <a:lvl9pPr lvl="8" algn="ctr">
-              <a:spcBef>
-                <a:spcPts val="0"/>
-              </a:spcBef>
-              <a:defRPr/>
-            </a:lvl9pPr>
-          </a:lstStyle>
-          <a:p/>
-        </p:txBody>
-      </p:sp>
-      <p:sp>
-        <p:nvSpPr>
-          <p:cNvPr id="47" name="Shape 47"/>
-          <p:cNvSpPr txBox="1"/>
-          <p:nvPr>
-            <p:ph idx="12" type="sldNum"/>
+          <p:cNvPr id="49" name="Shape 49"/>
+          <p:cNvSpPr txBox="1">
+            <a:spLocks noGrp="1"/>
+          </p:cNvSpPr>
+          <p:nvPr>
+            <p:ph type="sldNum" idx="12"/>
           </p:nvPr>
         </p:nvSpPr>
         <p:spPr>
@@ -2015,7 +2178,7 @@
           </a:prstGeom>
         </p:spPr>
         <p:txBody>
-          <a:bodyPr anchorCtr="0" anchor="ctr" bIns="91425" lIns="91425" rIns="91425" tIns="91425">
+          <a:bodyPr lIns="91425" tIns="91425" rIns="91425" bIns="91425" anchor="ctr" anchorCtr="0">
             <a:noAutofit/>
           </a:bodyPr>
           <a:lstStyle/>
@@ -2030,6 +2193,7 @@
               <a:rPr lang="en"/>
               <a:t>‹#›</a:t>
             </a:fld>
+            <a:endParaRPr lang="en"/>
           </a:p>
         </p:txBody>
       </p:sp>
@@ -2041,12 +2205,12 @@
 </p:sldLayout>
 </file>
 
-<file path=ppt/slideLayouts/slideLayout11.xml><?xml version="1.0" encoding="utf-8"?>
-<p:sldLayout xmlns:a="http://schemas.openxmlformats.org/drawingml/2006/main" xmlns:r="http://schemas.openxmlformats.org/officeDocument/2006/relationships" xmlns:mc="http://schemas.openxmlformats.org/markup-compatibility/2006" xmlns:mv="urn:schemas-microsoft-com:mac:vml" xmlns:p="http://schemas.openxmlformats.org/presentationml/2006/main" xmlns:c="http://schemas.openxmlformats.org/drawingml/2006/chart" xmlns:dgm="http://schemas.openxmlformats.org/drawingml/2006/diagram" xmlns:o="urn:schemas-microsoft-com:office:office" xmlns:v="urn:schemas-microsoft-com:vml" xmlns:pvml="urn:schemas-microsoft-com:office:powerpoint" xmlns:com="http://schemas.openxmlformats.org/drawingml/2006/compatibility" xmlns:p14="http://schemas.microsoft.com/office/powerpoint/2010/main" type="blank">
-  <p:cSld name="Blank">
+<file path=ppt/slideLayouts/slideLayout2.xml><?xml version="1.0" encoding="utf-8"?>
+<p:sldLayout xmlns:a="http://schemas.openxmlformats.org/drawingml/2006/main" xmlns:r="http://schemas.openxmlformats.org/officeDocument/2006/relationships" xmlns:p="http://schemas.openxmlformats.org/presentationml/2006/main" type="secHead">
+  <p:cSld name="Section header">
     <p:spTree>
       <p:nvGrpSpPr>
-        <p:cNvPr id="48" name="Shape 48"/>
+        <p:cNvPr id="1" name="Shape 13"/>
         <p:cNvGrpSpPr/>
         <p:nvPr/>
       </p:nvGrpSpPr>
@@ -2060,10 +2224,103 @@
       </p:grpSpPr>
       <p:sp>
         <p:nvSpPr>
-          <p:cNvPr id="49" name="Shape 49"/>
-          <p:cNvSpPr txBox="1"/>
-          <p:nvPr>
-            <p:ph idx="12" type="sldNum"/>
+          <p:cNvPr id="14" name="Shape 14"/>
+          <p:cNvSpPr txBox="1">
+            <a:spLocks noGrp="1"/>
+          </p:cNvSpPr>
+          <p:nvPr>
+            <p:ph type="title"/>
+          </p:nvPr>
+        </p:nvSpPr>
+        <p:spPr>
+          <a:xfrm>
+            <a:off x="311700" y="2150850"/>
+            <a:ext cx="8520600" cy="841800"/>
+          </a:xfrm>
+          <a:prstGeom prst="rect">
+            <a:avLst/>
+          </a:prstGeom>
+        </p:spPr>
+        <p:txBody>
+          <a:bodyPr lIns="91425" tIns="91425" rIns="91425" bIns="91425" anchor="ctr" anchorCtr="0"/>
+          <a:lstStyle>
+            <a:lvl1pPr lvl="0" algn="ctr">
+              <a:spcBef>
+                <a:spcPts val="0"/>
+              </a:spcBef>
+              <a:buSzPct val="100000"/>
+              <a:defRPr sz="3600"/>
+            </a:lvl1pPr>
+            <a:lvl2pPr lvl="1" algn="ctr">
+              <a:spcBef>
+                <a:spcPts val="0"/>
+              </a:spcBef>
+              <a:buSzPct val="100000"/>
+              <a:defRPr sz="3600"/>
+            </a:lvl2pPr>
+            <a:lvl3pPr lvl="2" algn="ctr">
+              <a:spcBef>
+                <a:spcPts val="0"/>
+              </a:spcBef>
+              <a:buSzPct val="100000"/>
+              <a:defRPr sz="3600"/>
+            </a:lvl3pPr>
+            <a:lvl4pPr lvl="3" algn="ctr">
+              <a:spcBef>
+                <a:spcPts val="0"/>
+              </a:spcBef>
+              <a:buSzPct val="100000"/>
+              <a:defRPr sz="3600"/>
+            </a:lvl4pPr>
+            <a:lvl5pPr lvl="4" algn="ctr">
+              <a:spcBef>
+                <a:spcPts val="0"/>
+              </a:spcBef>
+              <a:buSzPct val="100000"/>
+              <a:defRPr sz="3600"/>
+            </a:lvl5pPr>
+            <a:lvl6pPr lvl="5" algn="ctr">
+              <a:spcBef>
+                <a:spcPts val="0"/>
+              </a:spcBef>
+              <a:buSzPct val="100000"/>
+              <a:defRPr sz="3600"/>
+            </a:lvl6pPr>
+            <a:lvl7pPr lvl="6" algn="ctr">
+              <a:spcBef>
+                <a:spcPts val="0"/>
+              </a:spcBef>
+              <a:buSzPct val="100000"/>
+              <a:defRPr sz="3600"/>
+            </a:lvl7pPr>
+            <a:lvl8pPr lvl="7" algn="ctr">
+              <a:spcBef>
+                <a:spcPts val="0"/>
+              </a:spcBef>
+              <a:buSzPct val="100000"/>
+              <a:defRPr sz="3600"/>
+            </a:lvl8pPr>
+            <a:lvl9pPr lvl="8" algn="ctr">
+              <a:spcBef>
+                <a:spcPts val="0"/>
+              </a:spcBef>
+              <a:buSzPct val="100000"/>
+              <a:defRPr sz="3600"/>
+            </a:lvl9pPr>
+          </a:lstStyle>
+          <a:p>
+            <a:endParaRPr/>
+          </a:p>
+        </p:txBody>
+      </p:sp>
+      <p:sp>
+        <p:nvSpPr>
+          <p:cNvPr id="15" name="Shape 15"/>
+          <p:cNvSpPr txBox="1">
+            <a:spLocks noGrp="1"/>
+          </p:cNvSpPr>
+          <p:nvPr>
+            <p:ph type="sldNum" idx="12"/>
           </p:nvPr>
         </p:nvSpPr>
         <p:spPr>
@@ -2076,7 +2333,7 @@
           </a:prstGeom>
         </p:spPr>
         <p:txBody>
-          <a:bodyPr anchorCtr="0" anchor="ctr" bIns="91425" lIns="91425" rIns="91425" tIns="91425">
+          <a:bodyPr lIns="91425" tIns="91425" rIns="91425" bIns="91425" anchor="ctr" anchorCtr="0">
             <a:noAutofit/>
           </a:bodyPr>
           <a:lstStyle/>
@@ -2091,6 +2348,7 @@
               <a:rPr lang="en"/>
               <a:t>‹#›</a:t>
             </a:fld>
+            <a:endParaRPr lang="en"/>
           </a:p>
         </p:txBody>
       </p:sp>
@@ -2102,12 +2360,12 @@
 </p:sldLayout>
 </file>
 
-<file path=ppt/slideLayouts/slideLayout2.xml><?xml version="1.0" encoding="utf-8"?>
-<p:sldLayout xmlns:a="http://schemas.openxmlformats.org/drawingml/2006/main" xmlns:r="http://schemas.openxmlformats.org/officeDocument/2006/relationships" xmlns:mc="http://schemas.openxmlformats.org/markup-compatibility/2006" xmlns:mv="urn:schemas-microsoft-com:mac:vml" xmlns:p="http://schemas.openxmlformats.org/presentationml/2006/main" xmlns:c="http://schemas.openxmlformats.org/drawingml/2006/chart" xmlns:dgm="http://schemas.openxmlformats.org/drawingml/2006/diagram" xmlns:o="urn:schemas-microsoft-com:office:office" xmlns:v="urn:schemas-microsoft-com:vml" xmlns:pvml="urn:schemas-microsoft-com:office:powerpoint" xmlns:com="http://schemas.openxmlformats.org/drawingml/2006/compatibility" xmlns:p14="http://schemas.microsoft.com/office/powerpoint/2010/main" type="secHead">
-  <p:cSld name="Section header">
+<file path=ppt/slideLayouts/slideLayout3.xml><?xml version="1.0" encoding="utf-8"?>
+<p:sldLayout xmlns:a="http://schemas.openxmlformats.org/drawingml/2006/main" xmlns:r="http://schemas.openxmlformats.org/officeDocument/2006/relationships" xmlns:p="http://schemas.openxmlformats.org/presentationml/2006/main" type="tx">
+  <p:cSld name="Title and body">
     <p:spTree>
       <p:nvGrpSpPr>
-        <p:cNvPr id="13" name="Shape 13"/>
+        <p:cNvPr id="1" name="Shape 16"/>
         <p:cNvGrpSpPr/>
         <p:nvPr/>
       </p:nvGrpSpPr>
@@ -2121,97 +2379,176 @@
       </p:grpSpPr>
       <p:sp>
         <p:nvSpPr>
-          <p:cNvPr id="14" name="Shape 14"/>
-          <p:cNvSpPr txBox="1"/>
+          <p:cNvPr id="17" name="Shape 17"/>
+          <p:cNvSpPr txBox="1">
+            <a:spLocks noGrp="1"/>
+          </p:cNvSpPr>
           <p:nvPr>
             <p:ph type="title"/>
           </p:nvPr>
         </p:nvSpPr>
         <p:spPr>
           <a:xfrm>
-            <a:off x="311700" y="2150850"/>
-            <a:ext cx="8520600" cy="841800"/>
+            <a:off x="311700" y="445025"/>
+            <a:ext cx="8520600" cy="572700"/>
           </a:xfrm>
           <a:prstGeom prst="rect">
             <a:avLst/>
           </a:prstGeom>
         </p:spPr>
         <p:txBody>
-          <a:bodyPr anchorCtr="0" anchor="ctr" bIns="91425" lIns="91425" rIns="91425" tIns="91425"/>
+          <a:bodyPr lIns="91425" tIns="91425" rIns="91425" bIns="91425" anchor="t" anchorCtr="0"/>
           <a:lstStyle>
-            <a:lvl1pPr lvl="0" algn="ctr">
-              <a:spcBef>
-                <a:spcPts val="0"/>
-              </a:spcBef>
-              <a:buSzPct val="100000"/>
-              <a:defRPr sz="3600"/>
+            <a:lvl1pPr lvl="0">
+              <a:spcBef>
+                <a:spcPts val="0"/>
+              </a:spcBef>
+              <a:defRPr/>
             </a:lvl1pPr>
-            <a:lvl2pPr lvl="1" algn="ctr">
-              <a:spcBef>
-                <a:spcPts val="0"/>
-              </a:spcBef>
-              <a:buSzPct val="100000"/>
-              <a:defRPr sz="3600"/>
+            <a:lvl2pPr lvl="1">
+              <a:spcBef>
+                <a:spcPts val="0"/>
+              </a:spcBef>
+              <a:defRPr/>
             </a:lvl2pPr>
-            <a:lvl3pPr lvl="2" algn="ctr">
-              <a:spcBef>
-                <a:spcPts val="0"/>
-              </a:spcBef>
-              <a:buSzPct val="100000"/>
-              <a:defRPr sz="3600"/>
+            <a:lvl3pPr lvl="2">
+              <a:spcBef>
+                <a:spcPts val="0"/>
+              </a:spcBef>
+              <a:defRPr/>
             </a:lvl3pPr>
-            <a:lvl4pPr lvl="3" algn="ctr">
-              <a:spcBef>
-                <a:spcPts val="0"/>
-              </a:spcBef>
-              <a:buSzPct val="100000"/>
-              <a:defRPr sz="3600"/>
+            <a:lvl4pPr lvl="3">
+              <a:spcBef>
+                <a:spcPts val="0"/>
+              </a:spcBef>
+              <a:defRPr/>
             </a:lvl4pPr>
-            <a:lvl5pPr lvl="4" algn="ctr">
-              <a:spcBef>
-                <a:spcPts val="0"/>
-              </a:spcBef>
-              <a:buSzPct val="100000"/>
-              <a:defRPr sz="3600"/>
+            <a:lvl5pPr lvl="4">
+              <a:spcBef>
+                <a:spcPts val="0"/>
+              </a:spcBef>
+              <a:defRPr/>
             </a:lvl5pPr>
-            <a:lvl6pPr lvl="5" algn="ctr">
-              <a:spcBef>
-                <a:spcPts val="0"/>
-              </a:spcBef>
-              <a:buSzPct val="100000"/>
-              <a:defRPr sz="3600"/>
+            <a:lvl6pPr lvl="5">
+              <a:spcBef>
+                <a:spcPts val="0"/>
+              </a:spcBef>
+              <a:defRPr/>
             </a:lvl6pPr>
-            <a:lvl7pPr lvl="6" algn="ctr">
-              <a:spcBef>
-                <a:spcPts val="0"/>
-              </a:spcBef>
-              <a:buSzPct val="100000"/>
-              <a:defRPr sz="3600"/>
+            <a:lvl7pPr lvl="6">
+              <a:spcBef>
+                <a:spcPts val="0"/>
+              </a:spcBef>
+              <a:defRPr/>
             </a:lvl7pPr>
-            <a:lvl8pPr lvl="7" algn="ctr">
-              <a:spcBef>
-                <a:spcPts val="0"/>
-              </a:spcBef>
-              <a:buSzPct val="100000"/>
-              <a:defRPr sz="3600"/>
+            <a:lvl8pPr lvl="7">
+              <a:spcBef>
+                <a:spcPts val="0"/>
+              </a:spcBef>
+              <a:defRPr/>
             </a:lvl8pPr>
-            <a:lvl9pPr lvl="8" algn="ctr">
-              <a:spcBef>
-                <a:spcPts val="0"/>
-              </a:spcBef>
-              <a:buSzPct val="100000"/>
-              <a:defRPr sz="3600"/>
+            <a:lvl9pPr lvl="8">
+              <a:spcBef>
+                <a:spcPts val="0"/>
+              </a:spcBef>
+              <a:defRPr/>
             </a:lvl9pPr>
           </a:lstStyle>
-          <a:p/>
+          <a:p>
+            <a:endParaRPr/>
+          </a:p>
         </p:txBody>
       </p:sp>
       <p:sp>
         <p:nvSpPr>
-          <p:cNvPr id="15" name="Shape 15"/>
-          <p:cNvSpPr txBox="1"/>
-          <p:nvPr>
-            <p:ph idx="12" type="sldNum"/>
+          <p:cNvPr id="18" name="Shape 18"/>
+          <p:cNvSpPr txBox="1">
+            <a:spLocks noGrp="1"/>
+          </p:cNvSpPr>
+          <p:nvPr>
+            <p:ph type="body" idx="1"/>
+          </p:nvPr>
+        </p:nvSpPr>
+        <p:spPr>
+          <a:xfrm>
+            <a:off x="311700" y="1152475"/>
+            <a:ext cx="8520600" cy="3416400"/>
+          </a:xfrm>
+          <a:prstGeom prst="rect">
+            <a:avLst/>
+          </a:prstGeom>
+        </p:spPr>
+        <p:txBody>
+          <a:bodyPr lIns="91425" tIns="91425" rIns="91425" bIns="91425" anchor="t" anchorCtr="0"/>
+          <a:lstStyle>
+            <a:lvl1pPr lvl="0">
+              <a:spcBef>
+                <a:spcPts val="0"/>
+              </a:spcBef>
+              <a:defRPr/>
+            </a:lvl1pPr>
+            <a:lvl2pPr lvl="1">
+              <a:spcBef>
+                <a:spcPts val="0"/>
+              </a:spcBef>
+              <a:defRPr/>
+            </a:lvl2pPr>
+            <a:lvl3pPr lvl="2">
+              <a:spcBef>
+                <a:spcPts val="0"/>
+              </a:spcBef>
+              <a:defRPr/>
+            </a:lvl3pPr>
+            <a:lvl4pPr lvl="3">
+              <a:spcBef>
+                <a:spcPts val="0"/>
+              </a:spcBef>
+              <a:defRPr/>
+            </a:lvl4pPr>
+            <a:lvl5pPr lvl="4">
+              <a:spcBef>
+                <a:spcPts val="0"/>
+              </a:spcBef>
+              <a:defRPr/>
+            </a:lvl5pPr>
+            <a:lvl6pPr lvl="5">
+              <a:spcBef>
+                <a:spcPts val="0"/>
+              </a:spcBef>
+              <a:defRPr/>
+            </a:lvl6pPr>
+            <a:lvl7pPr lvl="6">
+              <a:spcBef>
+                <a:spcPts val="0"/>
+              </a:spcBef>
+              <a:defRPr/>
+            </a:lvl7pPr>
+            <a:lvl8pPr lvl="7">
+              <a:spcBef>
+                <a:spcPts val="0"/>
+              </a:spcBef>
+              <a:defRPr/>
+            </a:lvl8pPr>
+            <a:lvl9pPr lvl="8">
+              <a:spcBef>
+                <a:spcPts val="0"/>
+              </a:spcBef>
+              <a:defRPr/>
+            </a:lvl9pPr>
+          </a:lstStyle>
+          <a:p>
+            <a:endParaRPr/>
+          </a:p>
+        </p:txBody>
+      </p:sp>
+      <p:sp>
+        <p:nvSpPr>
+          <p:cNvPr id="19" name="Shape 19"/>
+          <p:cNvSpPr txBox="1">
+            <a:spLocks noGrp="1"/>
+          </p:cNvSpPr>
+          <p:nvPr>
+            <p:ph type="sldNum" idx="12"/>
           </p:nvPr>
         </p:nvSpPr>
         <p:spPr>
@@ -2224,7 +2561,7 @@
           </a:prstGeom>
         </p:spPr>
         <p:txBody>
-          <a:bodyPr anchorCtr="0" anchor="ctr" bIns="91425" lIns="91425" rIns="91425" tIns="91425">
+          <a:bodyPr lIns="91425" tIns="91425" rIns="91425" bIns="91425" anchor="ctr" anchorCtr="0">
             <a:noAutofit/>
           </a:bodyPr>
           <a:lstStyle/>
@@ -2239,6 +2576,7 @@
               <a:rPr lang="en"/>
               <a:t>‹#›</a:t>
             </a:fld>
+            <a:endParaRPr lang="en"/>
           </a:p>
         </p:txBody>
       </p:sp>
@@ -2250,12 +2588,12 @@
 </p:sldLayout>
 </file>
 
-<file path=ppt/slideLayouts/slideLayout3.xml><?xml version="1.0" encoding="utf-8"?>
-<p:sldLayout xmlns:a="http://schemas.openxmlformats.org/drawingml/2006/main" xmlns:r="http://schemas.openxmlformats.org/officeDocument/2006/relationships" xmlns:mc="http://schemas.openxmlformats.org/markup-compatibility/2006" xmlns:mv="urn:schemas-microsoft-com:mac:vml" xmlns:p="http://schemas.openxmlformats.org/presentationml/2006/main" xmlns:c="http://schemas.openxmlformats.org/drawingml/2006/chart" xmlns:dgm="http://schemas.openxmlformats.org/drawingml/2006/diagram" xmlns:o="urn:schemas-microsoft-com:office:office" xmlns:v="urn:schemas-microsoft-com:vml" xmlns:pvml="urn:schemas-microsoft-com:office:powerpoint" xmlns:com="http://schemas.openxmlformats.org/drawingml/2006/compatibility" xmlns:p14="http://schemas.microsoft.com/office/powerpoint/2010/main" type="tx">
-  <p:cSld name="Title and body">
+<file path=ppt/slideLayouts/slideLayout4.xml><?xml version="1.0" encoding="utf-8"?>
+<p:sldLayout xmlns:a="http://schemas.openxmlformats.org/drawingml/2006/main" xmlns:r="http://schemas.openxmlformats.org/officeDocument/2006/relationships" xmlns:p="http://schemas.openxmlformats.org/presentationml/2006/main" type="twoColTx">
+  <p:cSld name="Title and two columns">
     <p:spTree>
       <p:nvGrpSpPr>
-        <p:cNvPr id="16" name="Shape 16"/>
+        <p:cNvPr id="1" name="Shape 20"/>
         <p:cNvGrpSpPr/>
         <p:nvPr/>
       </p:nvGrpSpPr>
@@ -2269,8 +2607,10 @@
       </p:grpSpPr>
       <p:sp>
         <p:nvSpPr>
-          <p:cNvPr id="17" name="Shape 17"/>
-          <p:cNvSpPr txBox="1"/>
+          <p:cNvPr id="21" name="Shape 21"/>
+          <p:cNvSpPr txBox="1">
+            <a:spLocks noGrp="1"/>
+          </p:cNvSpPr>
           <p:nvPr>
             <p:ph type="title"/>
           </p:nvPr>
@@ -2285,7 +2625,7 @@
           </a:prstGeom>
         </p:spPr>
         <p:txBody>
-          <a:bodyPr anchorCtr="0" anchor="t" bIns="91425" lIns="91425" rIns="91425" tIns="91425"/>
+          <a:bodyPr lIns="91425" tIns="91425" rIns="91425" bIns="91425" anchor="t" anchorCtr="0"/>
           <a:lstStyle>
             <a:lvl1pPr lvl="0">
               <a:spcBef>
@@ -2342,93 +2682,201 @@
               <a:defRPr/>
             </a:lvl9pPr>
           </a:lstStyle>
-          <a:p/>
+          <a:p>
+            <a:endParaRPr/>
+          </a:p>
         </p:txBody>
       </p:sp>
       <p:sp>
         <p:nvSpPr>
-          <p:cNvPr id="18" name="Shape 18"/>
-          <p:cNvSpPr txBox="1"/>
-          <p:nvPr>
-            <p:ph idx="1" type="body"/>
+          <p:cNvPr id="22" name="Shape 22"/>
+          <p:cNvSpPr txBox="1">
+            <a:spLocks noGrp="1"/>
+          </p:cNvSpPr>
+          <p:nvPr>
+            <p:ph type="body" idx="1"/>
           </p:nvPr>
         </p:nvSpPr>
         <p:spPr>
           <a:xfrm>
             <a:off x="311700" y="1152475"/>
-            <a:ext cx="8520600" cy="3416400"/>
+            <a:ext cx="3999900" cy="3416400"/>
           </a:xfrm>
           <a:prstGeom prst="rect">
             <a:avLst/>
           </a:prstGeom>
         </p:spPr>
         <p:txBody>
-          <a:bodyPr anchorCtr="0" anchor="t" bIns="91425" lIns="91425" rIns="91425" tIns="91425"/>
+          <a:bodyPr lIns="91425" tIns="91425" rIns="91425" bIns="91425" anchor="t" anchorCtr="0"/>
           <a:lstStyle>
             <a:lvl1pPr lvl="0">
               <a:spcBef>
                 <a:spcPts val="0"/>
               </a:spcBef>
-              <a:defRPr/>
+              <a:buSzPct val="100000"/>
+              <a:defRPr sz="1400"/>
             </a:lvl1pPr>
             <a:lvl2pPr lvl="1">
               <a:spcBef>
                 <a:spcPts val="0"/>
               </a:spcBef>
-              <a:defRPr/>
+              <a:buSzPct val="100000"/>
+              <a:defRPr sz="1200"/>
             </a:lvl2pPr>
             <a:lvl3pPr lvl="2">
               <a:spcBef>
                 <a:spcPts val="0"/>
               </a:spcBef>
-              <a:defRPr/>
+              <a:buSzPct val="100000"/>
+              <a:defRPr sz="1200"/>
             </a:lvl3pPr>
             <a:lvl4pPr lvl="3">
               <a:spcBef>
                 <a:spcPts val="0"/>
               </a:spcBef>
-              <a:defRPr/>
+              <a:buSzPct val="100000"/>
+              <a:defRPr sz="1200"/>
             </a:lvl4pPr>
             <a:lvl5pPr lvl="4">
               <a:spcBef>
                 <a:spcPts val="0"/>
               </a:spcBef>
-              <a:defRPr/>
+              <a:buSzPct val="100000"/>
+              <a:defRPr sz="1200"/>
             </a:lvl5pPr>
             <a:lvl6pPr lvl="5">
               <a:spcBef>
                 <a:spcPts val="0"/>
               </a:spcBef>
-              <a:defRPr/>
+              <a:buSzPct val="100000"/>
+              <a:defRPr sz="1200"/>
             </a:lvl6pPr>
             <a:lvl7pPr lvl="6">
               <a:spcBef>
                 <a:spcPts val="0"/>
               </a:spcBef>
-              <a:defRPr/>
+              <a:buSzPct val="100000"/>
+              <a:defRPr sz="1200"/>
             </a:lvl7pPr>
             <a:lvl8pPr lvl="7">
               <a:spcBef>
                 <a:spcPts val="0"/>
               </a:spcBef>
-              <a:defRPr/>
+              <a:buSzPct val="100000"/>
+              <a:defRPr sz="1200"/>
             </a:lvl8pPr>
             <a:lvl9pPr lvl="8">
               <a:spcBef>
                 <a:spcPts val="0"/>
               </a:spcBef>
-              <a:defRPr/>
+              <a:buSzPct val="100000"/>
+              <a:defRPr sz="1200"/>
             </a:lvl9pPr>
           </a:lstStyle>
-          <a:p/>
+          <a:p>
+            <a:endParaRPr/>
+          </a:p>
         </p:txBody>
       </p:sp>
       <p:sp>
         <p:nvSpPr>
-          <p:cNvPr id="19" name="Shape 19"/>
-          <p:cNvSpPr txBox="1"/>
-          <p:nvPr>
-            <p:ph idx="12" type="sldNum"/>
+          <p:cNvPr id="23" name="Shape 23"/>
+          <p:cNvSpPr txBox="1">
+            <a:spLocks noGrp="1"/>
+          </p:cNvSpPr>
+          <p:nvPr>
+            <p:ph type="body" idx="2"/>
+          </p:nvPr>
+        </p:nvSpPr>
+        <p:spPr>
+          <a:xfrm>
+            <a:off x="4832400" y="1152475"/>
+            <a:ext cx="3999900" cy="3416400"/>
+          </a:xfrm>
+          <a:prstGeom prst="rect">
+            <a:avLst/>
+          </a:prstGeom>
+        </p:spPr>
+        <p:txBody>
+          <a:bodyPr lIns="91425" tIns="91425" rIns="91425" bIns="91425" anchor="t" anchorCtr="0"/>
+          <a:lstStyle>
+            <a:lvl1pPr lvl="0">
+              <a:spcBef>
+                <a:spcPts val="0"/>
+              </a:spcBef>
+              <a:buSzPct val="100000"/>
+              <a:defRPr sz="1400"/>
+            </a:lvl1pPr>
+            <a:lvl2pPr lvl="1">
+              <a:spcBef>
+                <a:spcPts val="0"/>
+              </a:spcBef>
+              <a:buSzPct val="100000"/>
+              <a:defRPr sz="1200"/>
+            </a:lvl2pPr>
+            <a:lvl3pPr lvl="2">
+              <a:spcBef>
+                <a:spcPts val="0"/>
+              </a:spcBef>
+              <a:buSzPct val="100000"/>
+              <a:defRPr sz="1200"/>
+            </a:lvl3pPr>
+            <a:lvl4pPr lvl="3">
+              <a:spcBef>
+                <a:spcPts val="0"/>
+              </a:spcBef>
+              <a:buSzPct val="100000"/>
+              <a:defRPr sz="1200"/>
+            </a:lvl4pPr>
+            <a:lvl5pPr lvl="4">
+              <a:spcBef>
+                <a:spcPts val="0"/>
+              </a:spcBef>
+              <a:buSzPct val="100000"/>
+              <a:defRPr sz="1200"/>
+            </a:lvl5pPr>
+            <a:lvl6pPr lvl="5">
+              <a:spcBef>
+                <a:spcPts val="0"/>
+              </a:spcBef>
+              <a:buSzPct val="100000"/>
+              <a:defRPr sz="1200"/>
+            </a:lvl6pPr>
+            <a:lvl7pPr lvl="6">
+              <a:spcBef>
+                <a:spcPts val="0"/>
+              </a:spcBef>
+              <a:buSzPct val="100000"/>
+              <a:defRPr sz="1200"/>
+            </a:lvl7pPr>
+            <a:lvl8pPr lvl="7">
+              <a:spcBef>
+                <a:spcPts val="0"/>
+              </a:spcBef>
+              <a:buSzPct val="100000"/>
+              <a:defRPr sz="1200"/>
+            </a:lvl8pPr>
+            <a:lvl9pPr lvl="8">
+              <a:spcBef>
+                <a:spcPts val="0"/>
+              </a:spcBef>
+              <a:buSzPct val="100000"/>
+              <a:defRPr sz="1200"/>
+            </a:lvl9pPr>
+          </a:lstStyle>
+          <a:p>
+            <a:endParaRPr/>
+          </a:p>
+        </p:txBody>
+      </p:sp>
+      <p:sp>
+        <p:nvSpPr>
+          <p:cNvPr id="24" name="Shape 24"/>
+          <p:cNvSpPr txBox="1">
+            <a:spLocks noGrp="1"/>
+          </p:cNvSpPr>
+          <p:nvPr>
+            <p:ph type="sldNum" idx="12"/>
           </p:nvPr>
         </p:nvSpPr>
         <p:spPr>
@@ -2441,7 +2889,7 @@
           </a:prstGeom>
         </p:spPr>
         <p:txBody>
-          <a:bodyPr anchorCtr="0" anchor="ctr" bIns="91425" lIns="91425" rIns="91425" tIns="91425">
+          <a:bodyPr lIns="91425" tIns="91425" rIns="91425" bIns="91425" anchor="ctr" anchorCtr="0">
             <a:noAutofit/>
           </a:bodyPr>
           <a:lstStyle/>
@@ -2456,6 +2904,7 @@
               <a:rPr lang="en"/>
               <a:t>‹#›</a:t>
             </a:fld>
+            <a:endParaRPr lang="en"/>
           </a:p>
         </p:txBody>
       </p:sp>
@@ -2467,12 +2916,12 @@
 </p:sldLayout>
 </file>
 
-<file path=ppt/slideLayouts/slideLayout4.xml><?xml version="1.0" encoding="utf-8"?>
-<p:sldLayout xmlns:a="http://schemas.openxmlformats.org/drawingml/2006/main" xmlns:r="http://schemas.openxmlformats.org/officeDocument/2006/relationships" xmlns:mc="http://schemas.openxmlformats.org/markup-compatibility/2006" xmlns:mv="urn:schemas-microsoft-com:mac:vml" xmlns:p="http://schemas.openxmlformats.org/presentationml/2006/main" xmlns:c="http://schemas.openxmlformats.org/drawingml/2006/chart" xmlns:dgm="http://schemas.openxmlformats.org/drawingml/2006/diagram" xmlns:o="urn:schemas-microsoft-com:office:office" xmlns:v="urn:schemas-microsoft-com:vml" xmlns:pvml="urn:schemas-microsoft-com:office:powerpoint" xmlns:com="http://schemas.openxmlformats.org/drawingml/2006/compatibility" xmlns:p14="http://schemas.microsoft.com/office/powerpoint/2010/main" type="twoColTx">
-  <p:cSld name="Title and two columns">
+<file path=ppt/slideLayouts/slideLayout5.xml><?xml version="1.0" encoding="utf-8"?>
+<p:sldLayout xmlns:a="http://schemas.openxmlformats.org/drawingml/2006/main" xmlns:r="http://schemas.openxmlformats.org/officeDocument/2006/relationships" xmlns:p="http://schemas.openxmlformats.org/presentationml/2006/main" type="titleOnly">
+  <p:cSld name="Title only">
     <p:spTree>
       <p:nvGrpSpPr>
-        <p:cNvPr id="20" name="Shape 20"/>
+        <p:cNvPr id="1" name="Shape 25"/>
         <p:cNvGrpSpPr/>
         <p:nvPr/>
       </p:nvGrpSpPr>
@@ -2486,8 +2935,10 @@
       </p:grpSpPr>
       <p:sp>
         <p:nvSpPr>
-          <p:cNvPr id="21" name="Shape 21"/>
-          <p:cNvSpPr txBox="1"/>
+          <p:cNvPr id="26" name="Shape 26"/>
+          <p:cNvSpPr txBox="1">
+            <a:spLocks noGrp="1"/>
+          </p:cNvSpPr>
           <p:nvPr>
             <p:ph type="title"/>
           </p:nvPr>
@@ -2502,7 +2953,7 @@
           </a:prstGeom>
         </p:spPr>
         <p:txBody>
-          <a:bodyPr anchorCtr="0" anchor="t" bIns="91425" lIns="91425" rIns="91425" tIns="91425"/>
+          <a:bodyPr lIns="91425" tIns="91425" rIns="91425" bIns="91425" anchor="t" anchorCtr="0"/>
           <a:lstStyle>
             <a:lvl1pPr lvl="0">
               <a:spcBef>
@@ -2559,189 +3010,19 @@
               <a:defRPr/>
             </a:lvl9pPr>
           </a:lstStyle>
-          <a:p/>
+          <a:p>
+            <a:endParaRPr/>
+          </a:p>
         </p:txBody>
       </p:sp>
       <p:sp>
         <p:nvSpPr>
-          <p:cNvPr id="22" name="Shape 22"/>
-          <p:cNvSpPr txBox="1"/>
-          <p:nvPr>
-            <p:ph idx="1" type="body"/>
-          </p:nvPr>
-        </p:nvSpPr>
-        <p:spPr>
-          <a:xfrm>
-            <a:off x="311700" y="1152475"/>
-            <a:ext cx="3999900" cy="3416400"/>
-          </a:xfrm>
-          <a:prstGeom prst="rect">
-            <a:avLst/>
-          </a:prstGeom>
-        </p:spPr>
-        <p:txBody>
-          <a:bodyPr anchorCtr="0" anchor="t" bIns="91425" lIns="91425" rIns="91425" tIns="91425"/>
-          <a:lstStyle>
-            <a:lvl1pPr lvl="0">
-              <a:spcBef>
-                <a:spcPts val="0"/>
-              </a:spcBef>
-              <a:buSzPct val="100000"/>
-              <a:defRPr sz="1400"/>
-            </a:lvl1pPr>
-            <a:lvl2pPr lvl="1">
-              <a:spcBef>
-                <a:spcPts val="0"/>
-              </a:spcBef>
-              <a:buSzPct val="100000"/>
-              <a:defRPr sz="1200"/>
-            </a:lvl2pPr>
-            <a:lvl3pPr lvl="2">
-              <a:spcBef>
-                <a:spcPts val="0"/>
-              </a:spcBef>
-              <a:buSzPct val="100000"/>
-              <a:defRPr sz="1200"/>
-            </a:lvl3pPr>
-            <a:lvl4pPr lvl="3">
-              <a:spcBef>
-                <a:spcPts val="0"/>
-              </a:spcBef>
-              <a:buSzPct val="100000"/>
-              <a:defRPr sz="1200"/>
-            </a:lvl4pPr>
-            <a:lvl5pPr lvl="4">
-              <a:spcBef>
-                <a:spcPts val="0"/>
-              </a:spcBef>
-              <a:buSzPct val="100000"/>
-              <a:defRPr sz="1200"/>
-            </a:lvl5pPr>
-            <a:lvl6pPr lvl="5">
-              <a:spcBef>
-                <a:spcPts val="0"/>
-              </a:spcBef>
-              <a:buSzPct val="100000"/>
-              <a:defRPr sz="1200"/>
-            </a:lvl6pPr>
-            <a:lvl7pPr lvl="6">
-              <a:spcBef>
-                <a:spcPts val="0"/>
-              </a:spcBef>
-              <a:buSzPct val="100000"/>
-              <a:defRPr sz="1200"/>
-            </a:lvl7pPr>
-            <a:lvl8pPr lvl="7">
-              <a:spcBef>
-                <a:spcPts val="0"/>
-              </a:spcBef>
-              <a:buSzPct val="100000"/>
-              <a:defRPr sz="1200"/>
-            </a:lvl8pPr>
-            <a:lvl9pPr lvl="8">
-              <a:spcBef>
-                <a:spcPts val="0"/>
-              </a:spcBef>
-              <a:buSzPct val="100000"/>
-              <a:defRPr sz="1200"/>
-            </a:lvl9pPr>
-          </a:lstStyle>
-          <a:p/>
-        </p:txBody>
-      </p:sp>
-      <p:sp>
-        <p:nvSpPr>
-          <p:cNvPr id="23" name="Shape 23"/>
-          <p:cNvSpPr txBox="1"/>
-          <p:nvPr>
-            <p:ph idx="2" type="body"/>
-          </p:nvPr>
-        </p:nvSpPr>
-        <p:spPr>
-          <a:xfrm>
-            <a:off x="4832400" y="1152475"/>
-            <a:ext cx="3999900" cy="3416400"/>
-          </a:xfrm>
-          <a:prstGeom prst="rect">
-            <a:avLst/>
-          </a:prstGeom>
-        </p:spPr>
-        <p:txBody>
-          <a:bodyPr anchorCtr="0" anchor="t" bIns="91425" lIns="91425" rIns="91425" tIns="91425"/>
-          <a:lstStyle>
-            <a:lvl1pPr lvl="0">
-              <a:spcBef>
-                <a:spcPts val="0"/>
-              </a:spcBef>
-              <a:buSzPct val="100000"/>
-              <a:defRPr sz="1400"/>
-            </a:lvl1pPr>
-            <a:lvl2pPr lvl="1">
-              <a:spcBef>
-                <a:spcPts val="0"/>
-              </a:spcBef>
-              <a:buSzPct val="100000"/>
-              <a:defRPr sz="1200"/>
-            </a:lvl2pPr>
-            <a:lvl3pPr lvl="2">
-              <a:spcBef>
-                <a:spcPts val="0"/>
-              </a:spcBef>
-              <a:buSzPct val="100000"/>
-              <a:defRPr sz="1200"/>
-            </a:lvl3pPr>
-            <a:lvl4pPr lvl="3">
-              <a:spcBef>
-                <a:spcPts val="0"/>
-              </a:spcBef>
-              <a:buSzPct val="100000"/>
-              <a:defRPr sz="1200"/>
-            </a:lvl4pPr>
-            <a:lvl5pPr lvl="4">
-              <a:spcBef>
-                <a:spcPts val="0"/>
-              </a:spcBef>
-              <a:buSzPct val="100000"/>
-              <a:defRPr sz="1200"/>
-            </a:lvl5pPr>
-            <a:lvl6pPr lvl="5">
-              <a:spcBef>
-                <a:spcPts val="0"/>
-              </a:spcBef>
-              <a:buSzPct val="100000"/>
-              <a:defRPr sz="1200"/>
-            </a:lvl6pPr>
-            <a:lvl7pPr lvl="6">
-              <a:spcBef>
-                <a:spcPts val="0"/>
-              </a:spcBef>
-              <a:buSzPct val="100000"/>
-              <a:defRPr sz="1200"/>
-            </a:lvl7pPr>
-            <a:lvl8pPr lvl="7">
-              <a:spcBef>
-                <a:spcPts val="0"/>
-              </a:spcBef>
-              <a:buSzPct val="100000"/>
-              <a:defRPr sz="1200"/>
-            </a:lvl8pPr>
-            <a:lvl9pPr lvl="8">
-              <a:spcBef>
-                <a:spcPts val="0"/>
-              </a:spcBef>
-              <a:buSzPct val="100000"/>
-              <a:defRPr sz="1200"/>
-            </a:lvl9pPr>
-          </a:lstStyle>
-          <a:p/>
-        </p:txBody>
-      </p:sp>
-      <p:sp>
-        <p:nvSpPr>
-          <p:cNvPr id="24" name="Shape 24"/>
-          <p:cNvSpPr txBox="1"/>
-          <p:nvPr>
-            <p:ph idx="12" type="sldNum"/>
+          <p:cNvPr id="27" name="Shape 27"/>
+          <p:cNvSpPr txBox="1">
+            <a:spLocks noGrp="1"/>
+          </p:cNvSpPr>
+          <p:nvPr>
+            <p:ph type="sldNum" idx="12"/>
           </p:nvPr>
         </p:nvSpPr>
         <p:spPr>
@@ -2754,7 +3035,7 @@
           </a:prstGeom>
         </p:spPr>
         <p:txBody>
-          <a:bodyPr anchorCtr="0" anchor="ctr" bIns="91425" lIns="91425" rIns="91425" tIns="91425">
+          <a:bodyPr lIns="91425" tIns="91425" rIns="91425" bIns="91425" anchor="ctr" anchorCtr="0">
             <a:noAutofit/>
           </a:bodyPr>
           <a:lstStyle/>
@@ -2769,6 +3050,7 @@
               <a:rPr lang="en"/>
               <a:t>‹#›</a:t>
             </a:fld>
+            <a:endParaRPr lang="en"/>
           </a:p>
         </p:txBody>
       </p:sp>
@@ -2780,12 +3062,12 @@
 </p:sldLayout>
 </file>
 
-<file path=ppt/slideLayouts/slideLayout5.xml><?xml version="1.0" encoding="utf-8"?>
-<p:sldLayout xmlns:a="http://schemas.openxmlformats.org/drawingml/2006/main" xmlns:r="http://schemas.openxmlformats.org/officeDocument/2006/relationships" xmlns:mc="http://schemas.openxmlformats.org/markup-compatibility/2006" xmlns:mv="urn:schemas-microsoft-com:mac:vml" xmlns:p="http://schemas.openxmlformats.org/presentationml/2006/main" xmlns:c="http://schemas.openxmlformats.org/drawingml/2006/chart" xmlns:dgm="http://schemas.openxmlformats.org/drawingml/2006/diagram" xmlns:o="urn:schemas-microsoft-com:office:office" xmlns:v="urn:schemas-microsoft-com:vml" xmlns:pvml="urn:schemas-microsoft-com:office:powerpoint" xmlns:com="http://schemas.openxmlformats.org/drawingml/2006/compatibility" xmlns:p14="http://schemas.microsoft.com/office/powerpoint/2010/main" type="titleOnly">
-  <p:cSld name="Title only">
+<file path=ppt/slideLayouts/slideLayout6.xml><?xml version="1.0" encoding="utf-8"?>
+<p:sldLayout xmlns:a="http://schemas.openxmlformats.org/drawingml/2006/main" xmlns:r="http://schemas.openxmlformats.org/officeDocument/2006/relationships" xmlns:p="http://schemas.openxmlformats.org/presentationml/2006/main">
+  <p:cSld name="One column text">
     <p:spTree>
       <p:nvGrpSpPr>
-        <p:cNvPr id="25" name="Shape 25"/>
+        <p:cNvPr id="1" name="Shape 28"/>
         <p:cNvGrpSpPr/>
         <p:nvPr/>
       </p:nvGrpSpPr>
@@ -2799,88 +3081,194 @@
       </p:grpSpPr>
       <p:sp>
         <p:nvSpPr>
-          <p:cNvPr id="26" name="Shape 26"/>
-          <p:cNvSpPr txBox="1"/>
+          <p:cNvPr id="29" name="Shape 29"/>
+          <p:cNvSpPr txBox="1">
+            <a:spLocks noGrp="1"/>
+          </p:cNvSpPr>
           <p:nvPr>
             <p:ph type="title"/>
           </p:nvPr>
         </p:nvSpPr>
         <p:spPr>
           <a:xfrm>
-            <a:off x="311700" y="445025"/>
-            <a:ext cx="8520600" cy="572700"/>
+            <a:off x="311700" y="555600"/>
+            <a:ext cx="2808000" cy="755700"/>
           </a:xfrm>
           <a:prstGeom prst="rect">
             <a:avLst/>
           </a:prstGeom>
         </p:spPr>
         <p:txBody>
-          <a:bodyPr anchorCtr="0" anchor="t" bIns="91425" lIns="91425" rIns="91425" tIns="91425"/>
+          <a:bodyPr lIns="91425" tIns="91425" rIns="91425" bIns="91425" anchor="b" anchorCtr="0"/>
           <a:lstStyle>
             <a:lvl1pPr lvl="0">
               <a:spcBef>
                 <a:spcPts val="0"/>
               </a:spcBef>
-              <a:defRPr/>
+              <a:buSzPct val="100000"/>
+              <a:defRPr sz="2400"/>
             </a:lvl1pPr>
             <a:lvl2pPr lvl="1">
               <a:spcBef>
                 <a:spcPts val="0"/>
               </a:spcBef>
-              <a:defRPr/>
+              <a:buSzPct val="100000"/>
+              <a:defRPr sz="2400"/>
             </a:lvl2pPr>
             <a:lvl3pPr lvl="2">
               <a:spcBef>
                 <a:spcPts val="0"/>
               </a:spcBef>
-              <a:defRPr/>
+              <a:buSzPct val="100000"/>
+              <a:defRPr sz="2400"/>
             </a:lvl3pPr>
             <a:lvl4pPr lvl="3">
               <a:spcBef>
                 <a:spcPts val="0"/>
               </a:spcBef>
-              <a:defRPr/>
+              <a:buSzPct val="100000"/>
+              <a:defRPr sz="2400"/>
             </a:lvl4pPr>
             <a:lvl5pPr lvl="4">
               <a:spcBef>
                 <a:spcPts val="0"/>
               </a:spcBef>
-              <a:defRPr/>
+              <a:buSzPct val="100000"/>
+              <a:defRPr sz="2400"/>
             </a:lvl5pPr>
             <a:lvl6pPr lvl="5">
               <a:spcBef>
                 <a:spcPts val="0"/>
               </a:spcBef>
-              <a:defRPr/>
+              <a:buSzPct val="100000"/>
+              <a:defRPr sz="2400"/>
             </a:lvl6pPr>
             <a:lvl7pPr lvl="6">
               <a:spcBef>
                 <a:spcPts val="0"/>
               </a:spcBef>
-              <a:defRPr/>
+              <a:buSzPct val="100000"/>
+              <a:defRPr sz="2400"/>
             </a:lvl7pPr>
             <a:lvl8pPr lvl="7">
               <a:spcBef>
                 <a:spcPts val="0"/>
               </a:spcBef>
-              <a:defRPr/>
+              <a:buSzPct val="100000"/>
+              <a:defRPr sz="2400"/>
             </a:lvl8pPr>
             <a:lvl9pPr lvl="8">
               <a:spcBef>
                 <a:spcPts val="0"/>
               </a:spcBef>
-              <a:defRPr/>
+              <a:buSzPct val="100000"/>
+              <a:defRPr sz="2400"/>
             </a:lvl9pPr>
           </a:lstStyle>
-          <a:p/>
+          <a:p>
+            <a:endParaRPr/>
+          </a:p>
         </p:txBody>
       </p:sp>
       <p:sp>
         <p:nvSpPr>
-          <p:cNvPr id="27" name="Shape 27"/>
-          <p:cNvSpPr txBox="1"/>
-          <p:nvPr>
-            <p:ph idx="12" type="sldNum"/>
+          <p:cNvPr id="30" name="Shape 30"/>
+          <p:cNvSpPr txBox="1">
+            <a:spLocks noGrp="1"/>
+          </p:cNvSpPr>
+          <p:nvPr>
+            <p:ph type="body" idx="1"/>
+          </p:nvPr>
+        </p:nvSpPr>
+        <p:spPr>
+          <a:xfrm>
+            <a:off x="311700" y="1389600"/>
+            <a:ext cx="2808000" cy="3179400"/>
+          </a:xfrm>
+          <a:prstGeom prst="rect">
+            <a:avLst/>
+          </a:prstGeom>
+        </p:spPr>
+        <p:txBody>
+          <a:bodyPr lIns="91425" tIns="91425" rIns="91425" bIns="91425" anchor="t" anchorCtr="0"/>
+          <a:lstStyle>
+            <a:lvl1pPr lvl="0">
+              <a:spcBef>
+                <a:spcPts val="0"/>
+              </a:spcBef>
+              <a:buSzPct val="100000"/>
+              <a:defRPr sz="1200"/>
+            </a:lvl1pPr>
+            <a:lvl2pPr lvl="1">
+              <a:spcBef>
+                <a:spcPts val="0"/>
+              </a:spcBef>
+              <a:buSzPct val="100000"/>
+              <a:defRPr sz="1200"/>
+            </a:lvl2pPr>
+            <a:lvl3pPr lvl="2">
+              <a:spcBef>
+                <a:spcPts val="0"/>
+              </a:spcBef>
+              <a:buSzPct val="100000"/>
+              <a:defRPr sz="1200"/>
+            </a:lvl3pPr>
+            <a:lvl4pPr lvl="3">
+              <a:spcBef>
+                <a:spcPts val="0"/>
+              </a:spcBef>
+              <a:buSzPct val="100000"/>
+              <a:defRPr sz="1200"/>
+            </a:lvl4pPr>
+            <a:lvl5pPr lvl="4">
+              <a:spcBef>
+                <a:spcPts val="0"/>
+              </a:spcBef>
+              <a:buSzPct val="100000"/>
+              <a:defRPr sz="1200"/>
+            </a:lvl5pPr>
+            <a:lvl6pPr lvl="5">
+              <a:spcBef>
+                <a:spcPts val="0"/>
+              </a:spcBef>
+              <a:buSzPct val="100000"/>
+              <a:defRPr sz="1200"/>
+            </a:lvl6pPr>
+            <a:lvl7pPr lvl="6">
+              <a:spcBef>
+                <a:spcPts val="0"/>
+              </a:spcBef>
+              <a:buSzPct val="100000"/>
+              <a:defRPr sz="1200"/>
+            </a:lvl7pPr>
+            <a:lvl8pPr lvl="7">
+              <a:spcBef>
+                <a:spcPts val="0"/>
+              </a:spcBef>
+              <a:buSzPct val="100000"/>
+              <a:defRPr sz="1200"/>
+            </a:lvl8pPr>
+            <a:lvl9pPr lvl="8">
+              <a:spcBef>
+                <a:spcPts val="0"/>
+              </a:spcBef>
+              <a:buSzPct val="100000"/>
+              <a:defRPr sz="1200"/>
+            </a:lvl9pPr>
+          </a:lstStyle>
+          <a:p>
+            <a:endParaRPr/>
+          </a:p>
+        </p:txBody>
+      </p:sp>
+      <p:sp>
+        <p:nvSpPr>
+          <p:cNvPr id="31" name="Shape 31"/>
+          <p:cNvSpPr txBox="1">
+            <a:spLocks noGrp="1"/>
+          </p:cNvSpPr>
+          <p:nvPr>
+            <p:ph type="sldNum" idx="12"/>
           </p:nvPr>
         </p:nvSpPr>
         <p:spPr>
@@ -2893,7 +3281,7 @@
           </a:prstGeom>
         </p:spPr>
         <p:txBody>
-          <a:bodyPr anchorCtr="0" anchor="ctr" bIns="91425" lIns="91425" rIns="91425" tIns="91425">
+          <a:bodyPr lIns="91425" tIns="91425" rIns="91425" bIns="91425" anchor="ctr" anchorCtr="0">
             <a:noAutofit/>
           </a:bodyPr>
           <a:lstStyle/>
@@ -2908,6 +3296,7 @@
               <a:rPr lang="en"/>
               <a:t>‹#›</a:t>
             </a:fld>
+            <a:endParaRPr lang="en"/>
           </a:p>
         </p:txBody>
       </p:sp>
@@ -2919,12 +3308,12 @@
 </p:sldLayout>
 </file>
 
-<file path=ppt/slideLayouts/slideLayout6.xml><?xml version="1.0" encoding="utf-8"?>
-<p:sldLayout xmlns:a="http://schemas.openxmlformats.org/drawingml/2006/main" xmlns:r="http://schemas.openxmlformats.org/officeDocument/2006/relationships" xmlns:mc="http://schemas.openxmlformats.org/markup-compatibility/2006" xmlns:mv="urn:schemas-microsoft-com:mac:vml" xmlns:p="http://schemas.openxmlformats.org/presentationml/2006/main" xmlns:c="http://schemas.openxmlformats.org/drawingml/2006/chart" xmlns:dgm="http://schemas.openxmlformats.org/drawingml/2006/diagram" xmlns:o="urn:schemas-microsoft-com:office:office" xmlns:v="urn:schemas-microsoft-com:vml" xmlns:pvml="urn:schemas-microsoft-com:office:powerpoint" xmlns:com="http://schemas.openxmlformats.org/drawingml/2006/compatibility" xmlns:p14="http://schemas.microsoft.com/office/powerpoint/2010/main">
-  <p:cSld name="One column text">
+<file path=ppt/slideLayouts/slideLayout7.xml><?xml version="1.0" encoding="utf-8"?>
+<p:sldLayout xmlns:a="http://schemas.openxmlformats.org/drawingml/2006/main" xmlns:r="http://schemas.openxmlformats.org/officeDocument/2006/relationships" xmlns:p="http://schemas.openxmlformats.org/presentationml/2006/main">
+  <p:cSld name="Main point">
     <p:spTree>
       <p:nvGrpSpPr>
-        <p:cNvPr id="28" name="Shape 28"/>
+        <p:cNvPr id="1" name="Shape 32"/>
         <p:cNvGrpSpPr/>
         <p:nvPr/>
       </p:nvGrpSpPr>
@@ -2938,184 +3327,103 @@
       </p:grpSpPr>
       <p:sp>
         <p:nvSpPr>
-          <p:cNvPr id="29" name="Shape 29"/>
-          <p:cNvSpPr txBox="1"/>
+          <p:cNvPr id="33" name="Shape 33"/>
+          <p:cNvSpPr txBox="1">
+            <a:spLocks noGrp="1"/>
+          </p:cNvSpPr>
           <p:nvPr>
             <p:ph type="title"/>
           </p:nvPr>
         </p:nvSpPr>
         <p:spPr>
           <a:xfrm>
-            <a:off x="311700" y="555600"/>
-            <a:ext cx="2808000" cy="755700"/>
+            <a:off x="490250" y="450150"/>
+            <a:ext cx="6367800" cy="4090800"/>
           </a:xfrm>
           <a:prstGeom prst="rect">
             <a:avLst/>
           </a:prstGeom>
         </p:spPr>
         <p:txBody>
-          <a:bodyPr anchorCtr="0" anchor="b" bIns="91425" lIns="91425" rIns="91425" tIns="91425"/>
+          <a:bodyPr lIns="91425" tIns="91425" rIns="91425" bIns="91425" anchor="ctr" anchorCtr="0"/>
           <a:lstStyle>
             <a:lvl1pPr lvl="0">
               <a:spcBef>
                 <a:spcPts val="0"/>
               </a:spcBef>
               <a:buSzPct val="100000"/>
-              <a:defRPr sz="2400"/>
+              <a:defRPr sz="4800"/>
             </a:lvl1pPr>
             <a:lvl2pPr lvl="1">
               <a:spcBef>
                 <a:spcPts val="0"/>
               </a:spcBef>
               <a:buSzPct val="100000"/>
-              <a:defRPr sz="2400"/>
+              <a:defRPr sz="4800"/>
             </a:lvl2pPr>
             <a:lvl3pPr lvl="2">
               <a:spcBef>
                 <a:spcPts val="0"/>
               </a:spcBef>
               <a:buSzPct val="100000"/>
-              <a:defRPr sz="2400"/>
+              <a:defRPr sz="4800"/>
             </a:lvl3pPr>
             <a:lvl4pPr lvl="3">
               <a:spcBef>
                 <a:spcPts val="0"/>
               </a:spcBef>
               <a:buSzPct val="100000"/>
-              <a:defRPr sz="2400"/>
+              <a:defRPr sz="4800"/>
             </a:lvl4pPr>
             <a:lvl5pPr lvl="4">
               <a:spcBef>
                 <a:spcPts val="0"/>
               </a:spcBef>
               <a:buSzPct val="100000"/>
-              <a:defRPr sz="2400"/>
+              <a:defRPr sz="4800"/>
             </a:lvl5pPr>
             <a:lvl6pPr lvl="5">
               <a:spcBef>
                 <a:spcPts val="0"/>
               </a:spcBef>
               <a:buSzPct val="100000"/>
-              <a:defRPr sz="2400"/>
+              <a:defRPr sz="4800"/>
             </a:lvl6pPr>
             <a:lvl7pPr lvl="6">
               <a:spcBef>
                 <a:spcPts val="0"/>
               </a:spcBef>
               <a:buSzPct val="100000"/>
-              <a:defRPr sz="2400"/>
+              <a:defRPr sz="4800"/>
             </a:lvl7pPr>
             <a:lvl8pPr lvl="7">
               <a:spcBef>
                 <a:spcPts val="0"/>
               </a:spcBef>
               <a:buSzPct val="100000"/>
-              <a:defRPr sz="2400"/>
+              <a:defRPr sz="4800"/>
             </a:lvl8pPr>
             <a:lvl9pPr lvl="8">
               <a:spcBef>
                 <a:spcPts val="0"/>
               </a:spcBef>
               <a:buSzPct val="100000"/>
-              <a:defRPr sz="2400"/>
+              <a:defRPr sz="4800"/>
             </a:lvl9pPr>
           </a:lstStyle>
-          <a:p/>
+          <a:p>
+            <a:endParaRPr/>
+          </a:p>
         </p:txBody>
       </p:sp>
       <p:sp>
         <p:nvSpPr>
-          <p:cNvPr id="30" name="Shape 30"/>
-          <p:cNvSpPr txBox="1"/>
-          <p:nvPr>
-            <p:ph idx="1" type="body"/>
-          </p:nvPr>
-        </p:nvSpPr>
-        <p:spPr>
-          <a:xfrm>
-            <a:off x="311700" y="1389600"/>
-            <a:ext cx="2808000" cy="3179400"/>
-          </a:xfrm>
-          <a:prstGeom prst="rect">
-            <a:avLst/>
-          </a:prstGeom>
-        </p:spPr>
-        <p:txBody>
-          <a:bodyPr anchorCtr="0" anchor="t" bIns="91425" lIns="91425" rIns="91425" tIns="91425"/>
-          <a:lstStyle>
-            <a:lvl1pPr lvl="0">
-              <a:spcBef>
-                <a:spcPts val="0"/>
-              </a:spcBef>
-              <a:buSzPct val="100000"/>
-              <a:defRPr sz="1200"/>
-            </a:lvl1pPr>
-            <a:lvl2pPr lvl="1">
-              <a:spcBef>
-                <a:spcPts val="0"/>
-              </a:spcBef>
-              <a:buSzPct val="100000"/>
-              <a:defRPr sz="1200"/>
-            </a:lvl2pPr>
-            <a:lvl3pPr lvl="2">
-              <a:spcBef>
-                <a:spcPts val="0"/>
-              </a:spcBef>
-              <a:buSzPct val="100000"/>
-              <a:defRPr sz="1200"/>
-            </a:lvl3pPr>
-            <a:lvl4pPr lvl="3">
-              <a:spcBef>
-                <a:spcPts val="0"/>
-              </a:spcBef>
-              <a:buSzPct val="100000"/>
-              <a:defRPr sz="1200"/>
-            </a:lvl4pPr>
-            <a:lvl5pPr lvl="4">
-              <a:spcBef>
-                <a:spcPts val="0"/>
-              </a:spcBef>
-              <a:buSzPct val="100000"/>
-              <a:defRPr sz="1200"/>
-            </a:lvl5pPr>
-            <a:lvl6pPr lvl="5">
-              <a:spcBef>
-                <a:spcPts val="0"/>
-              </a:spcBef>
-              <a:buSzPct val="100000"/>
-              <a:defRPr sz="1200"/>
-            </a:lvl6pPr>
-            <a:lvl7pPr lvl="6">
-              <a:spcBef>
-                <a:spcPts val="0"/>
-              </a:spcBef>
-              <a:buSzPct val="100000"/>
-              <a:defRPr sz="1200"/>
-            </a:lvl7pPr>
-            <a:lvl8pPr lvl="7">
-              <a:spcBef>
-                <a:spcPts val="0"/>
-              </a:spcBef>
-              <a:buSzPct val="100000"/>
-              <a:defRPr sz="1200"/>
-            </a:lvl8pPr>
-            <a:lvl9pPr lvl="8">
-              <a:spcBef>
-                <a:spcPts val="0"/>
-              </a:spcBef>
-              <a:buSzPct val="100000"/>
-              <a:defRPr sz="1200"/>
-            </a:lvl9pPr>
-          </a:lstStyle>
-          <a:p/>
-        </p:txBody>
-      </p:sp>
-      <p:sp>
-        <p:nvSpPr>
-          <p:cNvPr id="31" name="Shape 31"/>
-          <p:cNvSpPr txBox="1"/>
-          <p:nvPr>
-            <p:ph idx="12" type="sldNum"/>
+          <p:cNvPr id="34" name="Shape 34"/>
+          <p:cNvSpPr txBox="1">
+            <a:spLocks noGrp="1"/>
+          </p:cNvSpPr>
+          <p:nvPr>
+            <p:ph type="sldNum" idx="12"/>
           </p:nvPr>
         </p:nvSpPr>
         <p:spPr>
@@ -3128,7 +3436,7 @@
           </a:prstGeom>
         </p:spPr>
         <p:txBody>
-          <a:bodyPr anchorCtr="0" anchor="ctr" bIns="91425" lIns="91425" rIns="91425" tIns="91425">
+          <a:bodyPr lIns="91425" tIns="91425" rIns="91425" bIns="91425" anchor="ctr" anchorCtr="0">
             <a:noAutofit/>
           </a:bodyPr>
           <a:lstStyle/>
@@ -3143,6 +3451,7 @@
               <a:rPr lang="en"/>
               <a:t>‹#›</a:t>
             </a:fld>
+            <a:endParaRPr lang="en"/>
           </a:p>
         </p:txBody>
       </p:sp>
@@ -3154,12 +3463,12 @@
 </p:sldLayout>
 </file>
 
-<file path=ppt/slideLayouts/slideLayout7.xml><?xml version="1.0" encoding="utf-8"?>
-<p:sldLayout xmlns:a="http://schemas.openxmlformats.org/drawingml/2006/main" xmlns:r="http://schemas.openxmlformats.org/officeDocument/2006/relationships" xmlns:mc="http://schemas.openxmlformats.org/markup-compatibility/2006" xmlns:mv="urn:schemas-microsoft-com:mac:vml" xmlns:p="http://schemas.openxmlformats.org/presentationml/2006/main" xmlns:c="http://schemas.openxmlformats.org/drawingml/2006/chart" xmlns:dgm="http://schemas.openxmlformats.org/drawingml/2006/diagram" xmlns:o="urn:schemas-microsoft-com:office:office" xmlns:v="urn:schemas-microsoft-com:vml" xmlns:pvml="urn:schemas-microsoft-com:office:powerpoint" xmlns:com="http://schemas.openxmlformats.org/drawingml/2006/compatibility" xmlns:p14="http://schemas.microsoft.com/office/powerpoint/2010/main">
-  <p:cSld name="Main point">
+<file path=ppt/slideLayouts/slideLayout8.xml><?xml version="1.0" encoding="utf-8"?>
+<p:sldLayout xmlns:a="http://schemas.openxmlformats.org/drawingml/2006/main" xmlns:r="http://schemas.openxmlformats.org/officeDocument/2006/relationships" xmlns:p="http://schemas.openxmlformats.org/presentationml/2006/main">
+  <p:cSld name="Section title and description">
     <p:spTree>
       <p:nvGrpSpPr>
-        <p:cNvPr id="32" name="Shape 32"/>
+        <p:cNvPr id="1" name="Shape 35"/>
         <p:cNvGrpSpPr/>
         <p:nvPr/>
       </p:nvGrpSpPr>
@@ -3173,97 +3482,376 @@
       </p:grpSpPr>
       <p:sp>
         <p:nvSpPr>
-          <p:cNvPr id="33" name="Shape 33"/>
-          <p:cNvSpPr txBox="1"/>
+          <p:cNvPr id="36" name="Shape 36"/>
+          <p:cNvSpPr/>
+          <p:nvPr/>
+        </p:nvSpPr>
+        <p:spPr>
+          <a:xfrm>
+            <a:off x="4572000" y="-125"/>
+            <a:ext cx="4572000" cy="5143500"/>
+          </a:xfrm>
+          <a:prstGeom prst="rect">
+            <a:avLst/>
+          </a:prstGeom>
+          <a:solidFill>
+            <a:schemeClr val="lt2"/>
+          </a:solidFill>
+          <a:ln>
+            <a:noFill/>
+          </a:ln>
+        </p:spPr>
+        <p:txBody>
+          <a:bodyPr lIns="91425" tIns="91425" rIns="91425" bIns="91425" anchor="ctr" anchorCtr="0">
+            <a:noAutofit/>
+          </a:bodyPr>
+          <a:lstStyle/>
+          <a:p>
+            <a:pPr lvl="0">
+              <a:spcBef>
+                <a:spcPts val="0"/>
+              </a:spcBef>
+              <a:buNone/>
+            </a:pPr>
+            <a:endParaRPr/>
+          </a:p>
+        </p:txBody>
+      </p:sp>
+      <p:sp>
+        <p:nvSpPr>
+          <p:cNvPr id="37" name="Shape 37"/>
+          <p:cNvSpPr txBox="1">
+            <a:spLocks noGrp="1"/>
+          </p:cNvSpPr>
           <p:nvPr>
             <p:ph type="title"/>
           </p:nvPr>
         </p:nvSpPr>
         <p:spPr>
           <a:xfrm>
-            <a:off x="490250" y="450150"/>
-            <a:ext cx="6367800" cy="4090800"/>
+            <a:off x="265500" y="1233175"/>
+            <a:ext cx="4045200" cy="1482300"/>
           </a:xfrm>
           <a:prstGeom prst="rect">
             <a:avLst/>
           </a:prstGeom>
         </p:spPr>
         <p:txBody>
-          <a:bodyPr anchorCtr="0" anchor="ctr" bIns="91425" lIns="91425" rIns="91425" tIns="91425"/>
+          <a:bodyPr lIns="91425" tIns="91425" rIns="91425" bIns="91425" anchor="b" anchorCtr="0"/>
+          <a:lstStyle>
+            <a:lvl1pPr lvl="0" algn="ctr">
+              <a:spcBef>
+                <a:spcPts val="0"/>
+              </a:spcBef>
+              <a:buSzPct val="100000"/>
+              <a:defRPr sz="4200"/>
+            </a:lvl1pPr>
+            <a:lvl2pPr lvl="1" algn="ctr">
+              <a:spcBef>
+                <a:spcPts val="0"/>
+              </a:spcBef>
+              <a:buSzPct val="100000"/>
+              <a:defRPr sz="4200"/>
+            </a:lvl2pPr>
+            <a:lvl3pPr lvl="2" algn="ctr">
+              <a:spcBef>
+                <a:spcPts val="0"/>
+              </a:spcBef>
+              <a:buSzPct val="100000"/>
+              <a:defRPr sz="4200"/>
+            </a:lvl3pPr>
+            <a:lvl4pPr lvl="3" algn="ctr">
+              <a:spcBef>
+                <a:spcPts val="0"/>
+              </a:spcBef>
+              <a:buSzPct val="100000"/>
+              <a:defRPr sz="4200"/>
+            </a:lvl4pPr>
+            <a:lvl5pPr lvl="4" algn="ctr">
+              <a:spcBef>
+                <a:spcPts val="0"/>
+              </a:spcBef>
+              <a:buSzPct val="100000"/>
+              <a:defRPr sz="4200"/>
+            </a:lvl5pPr>
+            <a:lvl6pPr lvl="5" algn="ctr">
+              <a:spcBef>
+                <a:spcPts val="0"/>
+              </a:spcBef>
+              <a:buSzPct val="100000"/>
+              <a:defRPr sz="4200"/>
+            </a:lvl6pPr>
+            <a:lvl7pPr lvl="6" algn="ctr">
+              <a:spcBef>
+                <a:spcPts val="0"/>
+              </a:spcBef>
+              <a:buSzPct val="100000"/>
+              <a:defRPr sz="4200"/>
+            </a:lvl7pPr>
+            <a:lvl8pPr lvl="7" algn="ctr">
+              <a:spcBef>
+                <a:spcPts val="0"/>
+              </a:spcBef>
+              <a:buSzPct val="100000"/>
+              <a:defRPr sz="4200"/>
+            </a:lvl8pPr>
+            <a:lvl9pPr lvl="8" algn="ctr">
+              <a:spcBef>
+                <a:spcPts val="0"/>
+              </a:spcBef>
+              <a:buSzPct val="100000"/>
+              <a:defRPr sz="4200"/>
+            </a:lvl9pPr>
+          </a:lstStyle>
+          <a:p>
+            <a:endParaRPr/>
+          </a:p>
+        </p:txBody>
+      </p:sp>
+      <p:sp>
+        <p:nvSpPr>
+          <p:cNvPr id="38" name="Shape 38"/>
+          <p:cNvSpPr txBox="1">
+            <a:spLocks noGrp="1"/>
+          </p:cNvSpPr>
+          <p:nvPr>
+            <p:ph type="subTitle" idx="1"/>
+          </p:nvPr>
+        </p:nvSpPr>
+        <p:spPr>
+          <a:xfrm>
+            <a:off x="265500" y="2803075"/>
+            <a:ext cx="4045200" cy="1235100"/>
+          </a:xfrm>
+          <a:prstGeom prst="rect">
+            <a:avLst/>
+          </a:prstGeom>
+        </p:spPr>
+        <p:txBody>
+          <a:bodyPr lIns="91425" tIns="91425" rIns="91425" bIns="91425" anchor="t" anchorCtr="0"/>
+          <a:lstStyle>
+            <a:lvl1pPr lvl="0" algn="ctr">
+              <a:lnSpc>
+                <a:spcPct val="100000"/>
+              </a:lnSpc>
+              <a:spcBef>
+                <a:spcPts val="0"/>
+              </a:spcBef>
+              <a:spcAft>
+                <a:spcPts val="0"/>
+              </a:spcAft>
+              <a:buSzPct val="100000"/>
+              <a:buNone/>
+              <a:defRPr sz="2100"/>
+            </a:lvl1pPr>
+            <a:lvl2pPr lvl="1" algn="ctr">
+              <a:lnSpc>
+                <a:spcPct val="100000"/>
+              </a:lnSpc>
+              <a:spcBef>
+                <a:spcPts val="0"/>
+              </a:spcBef>
+              <a:spcAft>
+                <a:spcPts val="0"/>
+              </a:spcAft>
+              <a:buSzPct val="100000"/>
+              <a:buNone/>
+              <a:defRPr sz="2100"/>
+            </a:lvl2pPr>
+            <a:lvl3pPr lvl="2" algn="ctr">
+              <a:lnSpc>
+                <a:spcPct val="100000"/>
+              </a:lnSpc>
+              <a:spcBef>
+                <a:spcPts val="0"/>
+              </a:spcBef>
+              <a:spcAft>
+                <a:spcPts val="0"/>
+              </a:spcAft>
+              <a:buSzPct val="100000"/>
+              <a:buNone/>
+              <a:defRPr sz="2100"/>
+            </a:lvl3pPr>
+            <a:lvl4pPr lvl="3" algn="ctr">
+              <a:lnSpc>
+                <a:spcPct val="100000"/>
+              </a:lnSpc>
+              <a:spcBef>
+                <a:spcPts val="0"/>
+              </a:spcBef>
+              <a:spcAft>
+                <a:spcPts val="0"/>
+              </a:spcAft>
+              <a:buSzPct val="100000"/>
+              <a:buNone/>
+              <a:defRPr sz="2100"/>
+            </a:lvl4pPr>
+            <a:lvl5pPr lvl="4" algn="ctr">
+              <a:lnSpc>
+                <a:spcPct val="100000"/>
+              </a:lnSpc>
+              <a:spcBef>
+                <a:spcPts val="0"/>
+              </a:spcBef>
+              <a:spcAft>
+                <a:spcPts val="0"/>
+              </a:spcAft>
+              <a:buSzPct val="100000"/>
+              <a:buNone/>
+              <a:defRPr sz="2100"/>
+            </a:lvl5pPr>
+            <a:lvl6pPr lvl="5" algn="ctr">
+              <a:lnSpc>
+                <a:spcPct val="100000"/>
+              </a:lnSpc>
+              <a:spcBef>
+                <a:spcPts val="0"/>
+              </a:spcBef>
+              <a:spcAft>
+                <a:spcPts val="0"/>
+              </a:spcAft>
+              <a:buSzPct val="100000"/>
+              <a:buNone/>
+              <a:defRPr sz="2100"/>
+            </a:lvl6pPr>
+            <a:lvl7pPr lvl="6" algn="ctr">
+              <a:lnSpc>
+                <a:spcPct val="100000"/>
+              </a:lnSpc>
+              <a:spcBef>
+                <a:spcPts val="0"/>
+              </a:spcBef>
+              <a:spcAft>
+                <a:spcPts val="0"/>
+              </a:spcAft>
+              <a:buSzPct val="100000"/>
+              <a:buNone/>
+              <a:defRPr sz="2100"/>
+            </a:lvl7pPr>
+            <a:lvl8pPr lvl="7" algn="ctr">
+              <a:lnSpc>
+                <a:spcPct val="100000"/>
+              </a:lnSpc>
+              <a:spcBef>
+                <a:spcPts val="0"/>
+              </a:spcBef>
+              <a:spcAft>
+                <a:spcPts val="0"/>
+              </a:spcAft>
+              <a:buSzPct val="100000"/>
+              <a:buNone/>
+              <a:defRPr sz="2100"/>
+            </a:lvl8pPr>
+            <a:lvl9pPr lvl="8" algn="ctr">
+              <a:lnSpc>
+                <a:spcPct val="100000"/>
+              </a:lnSpc>
+              <a:spcBef>
+                <a:spcPts val="0"/>
+              </a:spcBef>
+              <a:spcAft>
+                <a:spcPts val="0"/>
+              </a:spcAft>
+              <a:buSzPct val="100000"/>
+              <a:buNone/>
+              <a:defRPr sz="2100"/>
+            </a:lvl9pPr>
+          </a:lstStyle>
+          <a:p>
+            <a:endParaRPr/>
+          </a:p>
+        </p:txBody>
+      </p:sp>
+      <p:sp>
+        <p:nvSpPr>
+          <p:cNvPr id="39" name="Shape 39"/>
+          <p:cNvSpPr txBox="1">
+            <a:spLocks noGrp="1"/>
+          </p:cNvSpPr>
+          <p:nvPr>
+            <p:ph type="body" idx="2"/>
+          </p:nvPr>
+        </p:nvSpPr>
+        <p:spPr>
+          <a:xfrm>
+            <a:off x="4939500" y="724075"/>
+            <a:ext cx="3837000" cy="3695100"/>
+          </a:xfrm>
+          <a:prstGeom prst="rect">
+            <a:avLst/>
+          </a:prstGeom>
+        </p:spPr>
+        <p:txBody>
+          <a:bodyPr lIns="91425" tIns="91425" rIns="91425" bIns="91425" anchor="ctr" anchorCtr="0"/>
           <a:lstStyle>
             <a:lvl1pPr lvl="0">
               <a:spcBef>
                 <a:spcPts val="0"/>
               </a:spcBef>
-              <a:buSzPct val="100000"/>
-              <a:defRPr sz="4800"/>
+              <a:defRPr/>
             </a:lvl1pPr>
             <a:lvl2pPr lvl="1">
               <a:spcBef>
                 <a:spcPts val="0"/>
               </a:spcBef>
-              <a:buSzPct val="100000"/>
-              <a:defRPr sz="4800"/>
+              <a:defRPr/>
             </a:lvl2pPr>
             <a:lvl3pPr lvl="2">
               <a:spcBef>
                 <a:spcPts val="0"/>
               </a:spcBef>
-              <a:buSzPct val="100000"/>
-              <a:defRPr sz="4800"/>
+              <a:defRPr/>
             </a:lvl3pPr>
             <a:lvl4pPr lvl="3">
               <a:spcBef>
                 <a:spcPts val="0"/>
               </a:spcBef>
-              <a:buSzPct val="100000"/>
-              <a:defRPr sz="4800"/>
+              <a:defRPr/>
             </a:lvl4pPr>
             <a:lvl5pPr lvl="4">
               <a:spcBef>
                 <a:spcPts val="0"/>
               </a:spcBef>
-              <a:buSzPct val="100000"/>
-              <a:defRPr sz="4800"/>
+              <a:defRPr/>
             </a:lvl5pPr>
             <a:lvl6pPr lvl="5">
               <a:spcBef>
                 <a:spcPts val="0"/>
               </a:spcBef>
-              <a:buSzPct val="100000"/>
-              <a:defRPr sz="4800"/>
+              <a:defRPr/>
             </a:lvl6pPr>
             <a:lvl7pPr lvl="6">
               <a:spcBef>
                 <a:spcPts val="0"/>
               </a:spcBef>
-              <a:buSzPct val="100000"/>
-              <a:defRPr sz="4800"/>
+              <a:defRPr/>
             </a:lvl7pPr>
             <a:lvl8pPr lvl="7">
               <a:spcBef>
                 <a:spcPts val="0"/>
               </a:spcBef>
-              <a:buSzPct val="100000"/>
-              <a:defRPr sz="4800"/>
+              <a:defRPr/>
             </a:lvl8pPr>
             <a:lvl9pPr lvl="8">
               <a:spcBef>
                 <a:spcPts val="0"/>
               </a:spcBef>
-              <a:buSzPct val="100000"/>
-              <a:defRPr sz="4800"/>
+              <a:defRPr/>
             </a:lvl9pPr>
           </a:lstStyle>
-          <a:p/>
+          <a:p>
+            <a:endParaRPr/>
+          </a:p>
         </p:txBody>
       </p:sp>
       <p:sp>
         <p:nvSpPr>
-          <p:cNvPr id="34" name="Shape 34"/>
-          <p:cNvSpPr txBox="1"/>
-          <p:nvPr>
-            <p:ph idx="12" type="sldNum"/>
+          <p:cNvPr id="40" name="Shape 40"/>
+          <p:cNvSpPr txBox="1">
+            <a:spLocks noGrp="1"/>
+          </p:cNvSpPr>
+          <p:nvPr>
+            <p:ph type="sldNum" idx="12"/>
           </p:nvPr>
         </p:nvSpPr>
         <p:spPr>
@@ -3276,7 +3864,7 @@
           </a:prstGeom>
         </p:spPr>
         <p:txBody>
-          <a:bodyPr anchorCtr="0" anchor="ctr" bIns="91425" lIns="91425" rIns="91425" tIns="91425">
+          <a:bodyPr lIns="91425" tIns="91425" rIns="91425" bIns="91425" anchor="ctr" anchorCtr="0">
             <a:noAutofit/>
           </a:bodyPr>
           <a:lstStyle/>
@@ -3291,6 +3879,7 @@
               <a:rPr lang="en"/>
               <a:t>‹#›</a:t>
             </a:fld>
+            <a:endParaRPr lang="en"/>
           </a:p>
         </p:txBody>
       </p:sp>
@@ -3302,12 +3891,12 @@
 </p:sldLayout>
 </file>
 
-<file path=ppt/slideLayouts/slideLayout8.xml><?xml version="1.0" encoding="utf-8"?>
-<p:sldLayout xmlns:a="http://schemas.openxmlformats.org/drawingml/2006/main" xmlns:r="http://schemas.openxmlformats.org/officeDocument/2006/relationships" xmlns:mc="http://schemas.openxmlformats.org/markup-compatibility/2006" xmlns:mv="urn:schemas-microsoft-com:mac:vml" xmlns:p="http://schemas.openxmlformats.org/presentationml/2006/main" xmlns:c="http://schemas.openxmlformats.org/drawingml/2006/chart" xmlns:dgm="http://schemas.openxmlformats.org/drawingml/2006/diagram" xmlns:o="urn:schemas-microsoft-com:office:office" xmlns:v="urn:schemas-microsoft-com:vml" xmlns:pvml="urn:schemas-microsoft-com:office:powerpoint" xmlns:com="http://schemas.openxmlformats.org/drawingml/2006/compatibility" xmlns:p14="http://schemas.microsoft.com/office/powerpoint/2010/main">
-  <p:cSld name="Section title and description">
+<file path=ppt/slideLayouts/slideLayout9.xml><?xml version="1.0" encoding="utf-8"?>
+<p:sldLayout xmlns:a="http://schemas.openxmlformats.org/drawingml/2006/main" xmlns:r="http://schemas.openxmlformats.org/officeDocument/2006/relationships" xmlns:p="http://schemas.openxmlformats.org/presentationml/2006/main">
+  <p:cSld name="Caption">
     <p:spTree>
       <p:nvGrpSpPr>
-        <p:cNvPr id="35" name="Shape 35"/>
+        <p:cNvPr id="1" name="Shape 41"/>
         <p:cNvGrpSpPr/>
         <p:nvPr/>
       </p:nvGrpSpPr>
@@ -3321,152 +3910,27 @@
       </p:grpSpPr>
       <p:sp>
         <p:nvSpPr>
-          <p:cNvPr id="36" name="Shape 36"/>
-          <p:cNvSpPr/>
-          <p:nvPr/>
-        </p:nvSpPr>
-        <p:spPr>
-          <a:xfrm>
-            <a:off x="4572000" y="-125"/>
-            <a:ext cx="4572000" cy="5143500"/>
-          </a:xfrm>
-          <a:prstGeom prst="rect">
-            <a:avLst/>
-          </a:prstGeom>
-          <a:solidFill>
-            <a:schemeClr val="lt2"/>
-          </a:solidFill>
-          <a:ln>
-            <a:noFill/>
-          </a:ln>
+          <p:cNvPr id="42" name="Shape 42"/>
+          <p:cNvSpPr txBox="1">
+            <a:spLocks noGrp="1"/>
+          </p:cNvSpPr>
+          <p:nvPr>
+            <p:ph type="body" idx="1"/>
+          </p:nvPr>
+        </p:nvSpPr>
+        <p:spPr>
+          <a:xfrm>
+            <a:off x="311700" y="4230575"/>
+            <a:ext cx="5998800" cy="605100"/>
+          </a:xfrm>
+          <a:prstGeom prst="rect">
+            <a:avLst/>
+          </a:prstGeom>
         </p:spPr>
         <p:txBody>
-          <a:bodyPr anchorCtr="0" anchor="ctr" bIns="91425" lIns="91425" rIns="91425" tIns="91425">
-            <a:noAutofit/>
-          </a:bodyPr>
-          <a:lstStyle/>
-          <a:p>
-            <a:pPr lvl="0">
-              <a:spcBef>
-                <a:spcPts val="0"/>
-              </a:spcBef>
-              <a:buNone/>
-            </a:pPr>
-            <a:r>
-              <a:t/>
-            </a:r>
-            <a:endParaRPr/>
-          </a:p>
-        </p:txBody>
-      </p:sp>
-      <p:sp>
-        <p:nvSpPr>
-          <p:cNvPr id="37" name="Shape 37"/>
-          <p:cNvSpPr txBox="1"/>
-          <p:nvPr>
-            <p:ph type="title"/>
-          </p:nvPr>
-        </p:nvSpPr>
-        <p:spPr>
-          <a:xfrm>
-            <a:off x="265500" y="1233175"/>
-            <a:ext cx="4045200" cy="1482300"/>
-          </a:xfrm>
-          <a:prstGeom prst="rect">
-            <a:avLst/>
-          </a:prstGeom>
-        </p:spPr>
-        <p:txBody>
-          <a:bodyPr anchorCtr="0" anchor="b" bIns="91425" lIns="91425" rIns="91425" tIns="91425"/>
+          <a:bodyPr lIns="91425" tIns="91425" rIns="91425" bIns="91425" anchor="ctr" anchorCtr="0"/>
           <a:lstStyle>
-            <a:lvl1pPr lvl="0" algn="ctr">
-              <a:spcBef>
-                <a:spcPts val="0"/>
-              </a:spcBef>
-              <a:buSzPct val="100000"/>
-              <a:defRPr sz="4200"/>
-            </a:lvl1pPr>
-            <a:lvl2pPr lvl="1" algn="ctr">
-              <a:spcBef>
-                <a:spcPts val="0"/>
-              </a:spcBef>
-              <a:buSzPct val="100000"/>
-              <a:defRPr sz="4200"/>
-            </a:lvl2pPr>
-            <a:lvl3pPr lvl="2" algn="ctr">
-              <a:spcBef>
-                <a:spcPts val="0"/>
-              </a:spcBef>
-              <a:buSzPct val="100000"/>
-              <a:defRPr sz="4200"/>
-            </a:lvl3pPr>
-            <a:lvl4pPr lvl="3" algn="ctr">
-              <a:spcBef>
-                <a:spcPts val="0"/>
-              </a:spcBef>
-              <a:buSzPct val="100000"/>
-              <a:defRPr sz="4200"/>
-            </a:lvl4pPr>
-            <a:lvl5pPr lvl="4" algn="ctr">
-              <a:spcBef>
-                <a:spcPts val="0"/>
-              </a:spcBef>
-              <a:buSzPct val="100000"/>
-              <a:defRPr sz="4200"/>
-            </a:lvl5pPr>
-            <a:lvl6pPr lvl="5" algn="ctr">
-              <a:spcBef>
-                <a:spcPts val="0"/>
-              </a:spcBef>
-              <a:buSzPct val="100000"/>
-              <a:defRPr sz="4200"/>
-            </a:lvl6pPr>
-            <a:lvl7pPr lvl="6" algn="ctr">
-              <a:spcBef>
-                <a:spcPts val="0"/>
-              </a:spcBef>
-              <a:buSzPct val="100000"/>
-              <a:defRPr sz="4200"/>
-            </a:lvl7pPr>
-            <a:lvl8pPr lvl="7" algn="ctr">
-              <a:spcBef>
-                <a:spcPts val="0"/>
-              </a:spcBef>
-              <a:buSzPct val="100000"/>
-              <a:defRPr sz="4200"/>
-            </a:lvl8pPr>
-            <a:lvl9pPr lvl="8" algn="ctr">
-              <a:spcBef>
-                <a:spcPts val="0"/>
-              </a:spcBef>
-              <a:buSzPct val="100000"/>
-              <a:defRPr sz="4200"/>
-            </a:lvl9pPr>
-          </a:lstStyle>
-          <a:p/>
-        </p:txBody>
-      </p:sp>
-      <p:sp>
-        <p:nvSpPr>
-          <p:cNvPr id="38" name="Shape 38"/>
-          <p:cNvSpPr txBox="1"/>
-          <p:nvPr>
-            <p:ph idx="1" type="subTitle"/>
-          </p:nvPr>
-        </p:nvSpPr>
-        <p:spPr>
-          <a:xfrm>
-            <a:off x="265500" y="2803075"/>
-            <a:ext cx="4045200" cy="1235100"/>
-          </a:xfrm>
-          <a:prstGeom prst="rect">
-            <a:avLst/>
-          </a:prstGeom>
-        </p:spPr>
-        <p:txBody>
-          <a:bodyPr anchorCtr="0" anchor="t" bIns="91425" lIns="91425" rIns="91425" tIns="91425"/>
-          <a:lstStyle>
-            <a:lvl1pPr lvl="0" algn="ctr">
+            <a:lvl1pPr lvl="0">
               <a:lnSpc>
                 <a:spcPct val="100000"/>
               </a:lnSpc>
@@ -3476,210 +3940,23 @@
               <a:spcAft>
                 <a:spcPts val="0"/>
               </a:spcAft>
-              <a:buSzPct val="100000"/>
-              <a:buNone/>
-              <a:defRPr sz="2100"/>
-            </a:lvl1pPr>
-            <a:lvl2pPr lvl="1" algn="ctr">
-              <a:lnSpc>
-                <a:spcPct val="100000"/>
-              </a:lnSpc>
-              <a:spcBef>
-                <a:spcPts val="0"/>
-              </a:spcBef>
-              <a:spcAft>
-                <a:spcPts val="0"/>
-              </a:spcAft>
-              <a:buSzPct val="100000"/>
-              <a:buNone/>
-              <a:defRPr sz="2100"/>
-            </a:lvl2pPr>
-            <a:lvl3pPr lvl="2" algn="ctr">
-              <a:lnSpc>
-                <a:spcPct val="100000"/>
-              </a:lnSpc>
-              <a:spcBef>
-                <a:spcPts val="0"/>
-              </a:spcBef>
-              <a:spcAft>
-                <a:spcPts val="0"/>
-              </a:spcAft>
-              <a:buSzPct val="100000"/>
-              <a:buNone/>
-              <a:defRPr sz="2100"/>
-            </a:lvl3pPr>
-            <a:lvl4pPr lvl="3" algn="ctr">
-              <a:lnSpc>
-                <a:spcPct val="100000"/>
-              </a:lnSpc>
-              <a:spcBef>
-                <a:spcPts val="0"/>
-              </a:spcBef>
-              <a:spcAft>
-                <a:spcPts val="0"/>
-              </a:spcAft>
-              <a:buSzPct val="100000"/>
-              <a:buNone/>
-              <a:defRPr sz="2100"/>
-            </a:lvl4pPr>
-            <a:lvl5pPr lvl="4" algn="ctr">
-              <a:lnSpc>
-                <a:spcPct val="100000"/>
-              </a:lnSpc>
-              <a:spcBef>
-                <a:spcPts val="0"/>
-              </a:spcBef>
-              <a:spcAft>
-                <a:spcPts val="0"/>
-              </a:spcAft>
-              <a:buSzPct val="100000"/>
-              <a:buNone/>
-              <a:defRPr sz="2100"/>
-            </a:lvl5pPr>
-            <a:lvl6pPr lvl="5" algn="ctr">
-              <a:lnSpc>
-                <a:spcPct val="100000"/>
-              </a:lnSpc>
-              <a:spcBef>
-                <a:spcPts val="0"/>
-              </a:spcBef>
-              <a:spcAft>
-                <a:spcPts val="0"/>
-              </a:spcAft>
-              <a:buSzPct val="100000"/>
-              <a:buNone/>
-              <a:defRPr sz="2100"/>
-            </a:lvl6pPr>
-            <a:lvl7pPr lvl="6" algn="ctr">
-              <a:lnSpc>
-                <a:spcPct val="100000"/>
-              </a:lnSpc>
-              <a:spcBef>
-                <a:spcPts val="0"/>
-              </a:spcBef>
-              <a:spcAft>
-                <a:spcPts val="0"/>
-              </a:spcAft>
-              <a:buSzPct val="100000"/>
-              <a:buNone/>
-              <a:defRPr sz="2100"/>
-            </a:lvl7pPr>
-            <a:lvl8pPr lvl="7" algn="ctr">
-              <a:lnSpc>
-                <a:spcPct val="100000"/>
-              </a:lnSpc>
-              <a:spcBef>
-                <a:spcPts val="0"/>
-              </a:spcBef>
-              <a:spcAft>
-                <a:spcPts val="0"/>
-              </a:spcAft>
-              <a:buSzPct val="100000"/>
-              <a:buNone/>
-              <a:defRPr sz="2100"/>
-            </a:lvl8pPr>
-            <a:lvl9pPr lvl="8" algn="ctr">
-              <a:lnSpc>
-                <a:spcPct val="100000"/>
-              </a:lnSpc>
-              <a:spcBef>
-                <a:spcPts val="0"/>
-              </a:spcBef>
-              <a:spcAft>
-                <a:spcPts val="0"/>
-              </a:spcAft>
-              <a:buSzPct val="100000"/>
-              <a:buNone/>
-              <a:defRPr sz="2100"/>
-            </a:lvl9pPr>
-          </a:lstStyle>
-          <a:p/>
-        </p:txBody>
-      </p:sp>
-      <p:sp>
-        <p:nvSpPr>
-          <p:cNvPr id="39" name="Shape 39"/>
-          <p:cNvSpPr txBox="1"/>
-          <p:nvPr>
-            <p:ph idx="2" type="body"/>
-          </p:nvPr>
-        </p:nvSpPr>
-        <p:spPr>
-          <a:xfrm>
-            <a:off x="4939500" y="724075"/>
-            <a:ext cx="3837000" cy="3695100"/>
-          </a:xfrm>
-          <a:prstGeom prst="rect">
-            <a:avLst/>
-          </a:prstGeom>
-        </p:spPr>
-        <p:txBody>
-          <a:bodyPr anchorCtr="0" anchor="ctr" bIns="91425" lIns="91425" rIns="91425" tIns="91425"/>
-          <a:lstStyle>
-            <a:lvl1pPr lvl="0">
-              <a:spcBef>
-                <a:spcPts val="0"/>
-              </a:spcBef>
+              <a:buNone/>
               <a:defRPr/>
             </a:lvl1pPr>
-            <a:lvl2pPr lvl="1">
-              <a:spcBef>
-                <a:spcPts val="0"/>
-              </a:spcBef>
-              <a:defRPr/>
-            </a:lvl2pPr>
-            <a:lvl3pPr lvl="2">
-              <a:spcBef>
-                <a:spcPts val="0"/>
-              </a:spcBef>
-              <a:defRPr/>
-            </a:lvl3pPr>
-            <a:lvl4pPr lvl="3">
-              <a:spcBef>
-                <a:spcPts val="0"/>
-              </a:spcBef>
-              <a:defRPr/>
-            </a:lvl4pPr>
-            <a:lvl5pPr lvl="4">
-              <a:spcBef>
-                <a:spcPts val="0"/>
-              </a:spcBef>
-              <a:defRPr/>
-            </a:lvl5pPr>
-            <a:lvl6pPr lvl="5">
-              <a:spcBef>
-                <a:spcPts val="0"/>
-              </a:spcBef>
-              <a:defRPr/>
-            </a:lvl6pPr>
-            <a:lvl7pPr lvl="6">
-              <a:spcBef>
-                <a:spcPts val="0"/>
-              </a:spcBef>
-              <a:defRPr/>
-            </a:lvl7pPr>
-            <a:lvl8pPr lvl="7">
-              <a:spcBef>
-                <a:spcPts val="0"/>
-              </a:spcBef>
-              <a:defRPr/>
-            </a:lvl8pPr>
-            <a:lvl9pPr lvl="8">
-              <a:spcBef>
-                <a:spcPts val="0"/>
-              </a:spcBef>
-              <a:defRPr/>
-            </a:lvl9pPr>
           </a:lstStyle>
-          <a:p/>
+          <a:p>
+            <a:endParaRPr/>
+          </a:p>
         </p:txBody>
       </p:sp>
       <p:sp>
         <p:nvSpPr>
-          <p:cNvPr id="40" name="Shape 40"/>
-          <p:cNvSpPr txBox="1"/>
-          <p:nvPr>
-            <p:ph idx="12" type="sldNum"/>
+          <p:cNvPr id="43" name="Shape 43"/>
+          <p:cNvSpPr txBox="1">
+            <a:spLocks noGrp="1"/>
+          </p:cNvSpPr>
+          <p:nvPr>
+            <p:ph type="sldNum" idx="12"/>
           </p:nvPr>
         </p:nvSpPr>
         <p:spPr>
@@ -3692,7 +3969,7 @@
           </a:prstGeom>
         </p:spPr>
         <p:txBody>
-          <a:bodyPr anchorCtr="0" anchor="ctr" bIns="91425" lIns="91425" rIns="91425" tIns="91425">
+          <a:bodyPr lIns="91425" tIns="91425" rIns="91425" bIns="91425" anchor="ctr" anchorCtr="0">
             <a:noAutofit/>
           </a:bodyPr>
           <a:lstStyle/>
@@ -3707,6 +3984,7 @@
               <a:rPr lang="en"/>
               <a:t>‹#›</a:t>
             </a:fld>
+            <a:endParaRPr lang="en"/>
           </a:p>
         </p:txBody>
       </p:sp>
@@ -3718,12 +3996,20 @@
 </p:sldLayout>
 </file>
 
-<file path=ppt/slideLayouts/slideLayout9.xml><?xml version="1.0" encoding="utf-8"?>
-<p:sldLayout xmlns:a="http://schemas.openxmlformats.org/drawingml/2006/main" xmlns:r="http://schemas.openxmlformats.org/officeDocument/2006/relationships" xmlns:mc="http://schemas.openxmlformats.org/markup-compatibility/2006" xmlns:mv="urn:schemas-microsoft-com:mac:vml" xmlns:p="http://schemas.openxmlformats.org/presentationml/2006/main" xmlns:c="http://schemas.openxmlformats.org/drawingml/2006/chart" xmlns:dgm="http://schemas.openxmlformats.org/drawingml/2006/diagram" xmlns:o="urn:schemas-microsoft-com:office:office" xmlns:v="urn:schemas-microsoft-com:vml" xmlns:pvml="urn:schemas-microsoft-com:office:powerpoint" xmlns:com="http://schemas.openxmlformats.org/drawingml/2006/compatibility" xmlns:p14="http://schemas.microsoft.com/office/powerpoint/2010/main">
-  <p:cSld name="Caption">
+<file path=ppt/slideMasters/slideMaster1.xml><?xml version="1.0" encoding="utf-8"?>
+<p:sldMaster xmlns:a="http://schemas.openxmlformats.org/drawingml/2006/main" xmlns:r="http://schemas.openxmlformats.org/officeDocument/2006/relationships" xmlns:p="http://schemas.openxmlformats.org/presentationml/2006/main">
+  <p:cSld>
+    <p:bg>
+      <p:bgPr>
+        <a:solidFill>
+          <a:schemeClr val="lt1"/>
+        </a:solidFill>
+        <a:effectLst/>
+      </p:bgPr>
+    </p:bg>
     <p:spTree>
       <p:nvGrpSpPr>
-        <p:cNvPr id="41" name="Shape 41"/>
+        <p:cNvPr id="1" name="Shape 5"/>
         <p:cNvGrpSpPr/>
         <p:nvPr/>
       </p:nvGrpSpPr>
@@ -3737,113 +4023,10 @@
       </p:grpSpPr>
       <p:sp>
         <p:nvSpPr>
-          <p:cNvPr id="42" name="Shape 42"/>
-          <p:cNvSpPr txBox="1"/>
-          <p:nvPr>
-            <p:ph idx="1" type="body"/>
-          </p:nvPr>
-        </p:nvSpPr>
-        <p:spPr>
-          <a:xfrm>
-            <a:off x="311700" y="4230575"/>
-            <a:ext cx="5998800" cy="605100"/>
-          </a:xfrm>
-          <a:prstGeom prst="rect">
-            <a:avLst/>
-          </a:prstGeom>
-        </p:spPr>
-        <p:txBody>
-          <a:bodyPr anchorCtr="0" anchor="ctr" bIns="91425" lIns="91425" rIns="91425" tIns="91425"/>
-          <a:lstStyle>
-            <a:lvl1pPr lvl="0">
-              <a:lnSpc>
-                <a:spcPct val="100000"/>
-              </a:lnSpc>
-              <a:spcBef>
-                <a:spcPts val="0"/>
-              </a:spcBef>
-              <a:spcAft>
-                <a:spcPts val="0"/>
-              </a:spcAft>
-              <a:buNone/>
-              <a:defRPr/>
-            </a:lvl1pPr>
-          </a:lstStyle>
-          <a:p/>
-        </p:txBody>
-      </p:sp>
-      <p:sp>
-        <p:nvSpPr>
-          <p:cNvPr id="43" name="Shape 43"/>
-          <p:cNvSpPr txBox="1"/>
-          <p:nvPr>
-            <p:ph idx="12" type="sldNum"/>
-          </p:nvPr>
-        </p:nvSpPr>
-        <p:spPr>
-          <a:xfrm>
-            <a:off x="8472457" y="4663216"/>
-            <a:ext cx="548700" cy="393600"/>
-          </a:xfrm>
-          <a:prstGeom prst="rect">
-            <a:avLst/>
-          </a:prstGeom>
-        </p:spPr>
-        <p:txBody>
-          <a:bodyPr anchorCtr="0" anchor="ctr" bIns="91425" lIns="91425" rIns="91425" tIns="91425">
-            <a:noAutofit/>
-          </a:bodyPr>
-          <a:lstStyle/>
-          <a:p>
-            <a:pPr lvl="0">
-              <a:spcBef>
-                <a:spcPts val="0"/>
-              </a:spcBef>
-              <a:buNone/>
-            </a:pPr>
-            <a:fld id="{00000000-1234-1234-1234-123412341234}" type="slidenum">
-              <a:rPr lang="en"/>
-              <a:t>‹#›</a:t>
-            </a:fld>
-          </a:p>
-        </p:txBody>
-      </p:sp>
-    </p:spTree>
-  </p:cSld>
-  <p:clrMapOvr>
-    <a:masterClrMapping/>
-  </p:clrMapOvr>
-</p:sldLayout>
-</file>
-
-<file path=ppt/slideMasters/slideMaster1.xml><?xml version="1.0" encoding="utf-8"?>
-<p:sldMaster xmlns:a="http://schemas.openxmlformats.org/drawingml/2006/main" xmlns:r="http://schemas.openxmlformats.org/officeDocument/2006/relationships" xmlns:mc="http://schemas.openxmlformats.org/markup-compatibility/2006" xmlns:mv="urn:schemas-microsoft-com:mac:vml" xmlns:p="http://schemas.openxmlformats.org/presentationml/2006/main" xmlns:c="http://schemas.openxmlformats.org/drawingml/2006/chart" xmlns:dgm="http://schemas.openxmlformats.org/drawingml/2006/diagram" xmlns:o="urn:schemas-microsoft-com:office:office" xmlns:v="urn:schemas-microsoft-com:vml" xmlns:pvml="urn:schemas-microsoft-com:office:powerpoint" xmlns:com="http://schemas.openxmlformats.org/drawingml/2006/compatibility" xmlns:p14="http://schemas.microsoft.com/office/powerpoint/2010/main">
-  <p:cSld>
-    <p:bg>
-      <p:bgPr>
-        <a:solidFill>
-          <a:schemeClr val="lt1"/>
-        </a:solidFill>
-      </p:bgPr>
-    </p:bg>
-    <p:spTree>
-      <p:nvGrpSpPr>
-        <p:cNvPr id="5" name="Shape 5"/>
-        <p:cNvGrpSpPr/>
-        <p:nvPr/>
-      </p:nvGrpSpPr>
-      <p:grpSpPr>
-        <a:xfrm>
-          <a:off x="0" y="0"/>
-          <a:ext cx="0" cy="0"/>
-          <a:chOff x="0" y="0"/>
-          <a:chExt cx="0" cy="0"/>
-        </a:xfrm>
-      </p:grpSpPr>
-      <p:sp>
-        <p:nvSpPr>
           <p:cNvPr id="6" name="Shape 6"/>
-          <p:cNvSpPr txBox="1"/>
+          <p:cNvSpPr txBox="1">
+            <a:spLocks noGrp="1"/>
+          </p:cNvSpPr>
           <p:nvPr>
             <p:ph type="title"/>
           </p:nvPr>
@@ -3862,7 +4045,7 @@
           </a:ln>
         </p:spPr>
         <p:txBody>
-          <a:bodyPr anchorCtr="0" anchor="t" bIns="91425" lIns="91425" rIns="91425" tIns="91425"/>
+          <a:bodyPr lIns="91425" tIns="91425" rIns="91425" bIns="91425" anchor="t" anchorCtr="0"/>
           <a:lstStyle>
             <a:lvl1pPr lvl="0">
               <a:spcBef>
@@ -4000,15 +4183,19 @@
               </a:defRPr>
             </a:lvl9pPr>
           </a:lstStyle>
-          <a:p/>
+          <a:p>
+            <a:endParaRPr/>
+          </a:p>
         </p:txBody>
       </p:sp>
       <p:sp>
         <p:nvSpPr>
           <p:cNvPr id="7" name="Shape 7"/>
-          <p:cNvSpPr txBox="1"/>
-          <p:nvPr>
-            <p:ph idx="1" type="body"/>
+          <p:cNvSpPr txBox="1">
+            <a:spLocks noGrp="1"/>
+          </p:cNvSpPr>
+          <p:nvPr>
+            <p:ph type="body" idx="1"/>
           </p:nvPr>
         </p:nvSpPr>
         <p:spPr>
@@ -4025,7 +4212,7 @@
           </a:ln>
         </p:spPr>
         <p:txBody>
-          <a:bodyPr anchorCtr="0" anchor="t" bIns="91425" lIns="91425" rIns="91425" tIns="91425"/>
+          <a:bodyPr lIns="91425" tIns="91425" rIns="91425" bIns="91425" anchor="t" anchorCtr="0"/>
           <a:lstStyle>
             <a:lvl1pPr lvl="0">
               <a:lnSpc>
@@ -4200,15 +4387,19 @@
               </a:defRPr>
             </a:lvl9pPr>
           </a:lstStyle>
-          <a:p/>
+          <a:p>
+            <a:endParaRPr/>
+          </a:p>
         </p:txBody>
       </p:sp>
       <p:sp>
         <p:nvSpPr>
           <p:cNvPr id="8" name="Shape 8"/>
-          <p:cNvSpPr txBox="1"/>
-          <p:nvPr>
-            <p:ph idx="12" type="sldNum"/>
+          <p:cNvSpPr txBox="1">
+            <a:spLocks noGrp="1"/>
+          </p:cNvSpPr>
+          <p:nvPr>
+            <p:ph type="sldNum" idx="12"/>
           </p:nvPr>
         </p:nvSpPr>
         <p:spPr>
@@ -4225,7 +4416,7 @@
           </a:ln>
         </p:spPr>
         <p:txBody>
-          <a:bodyPr anchorCtr="0" anchor="ctr" bIns="91425" lIns="91425" rIns="91425" tIns="91425">
+          <a:bodyPr lIns="91425" tIns="91425" rIns="91425" bIns="91425" anchor="ctr" anchorCtr="0">
             <a:noAutofit/>
           </a:bodyPr>
           <a:lstStyle/>
@@ -4244,12 +4435,17 @@
               </a:rPr>
               <a:t>‹#›</a:t>
             </a:fld>
+            <a:endParaRPr lang="en" sz="1000">
+              <a:solidFill>
+                <a:schemeClr val="dk2"/>
+              </a:solidFill>
+            </a:endParaRPr>
           </a:p>
         </p:txBody>
       </p:sp>
     </p:spTree>
   </p:cSld>
-  <p:clrMap accent1="accent1" accent2="accent2" accent3="accent3" accent4="accent4" accent5="accent5" accent6="accent6" bg1="lt1" bg2="dk2" tx1="dk1" tx2="lt2" folHlink="folHlink" hlink="hlink"/>
+  <p:clrMap bg1="lt1" tx1="dk1" bg2="dk2" tx2="lt2" accent1="accent1" accent2="accent2" accent3="accent3" accent4="accent4" accent5="accent5" accent6="accent6" hlink="hlink" folHlink="folHlink"/>
   <p:sldLayoutIdLst>
     <p:sldLayoutId id="2147483648" r:id="rId1"/>
     <p:sldLayoutId id="2147483649" r:id="rId2"/>
@@ -4263,10 +4459,10 @@
     <p:sldLayoutId id="2147483657" r:id="rId10"/>
     <p:sldLayoutId id="2147483658" r:id="rId11"/>
   </p:sldLayoutIdLst>
-  <p:hf dt="0" ftr="0" hdr="0" sldNum="0"/>
+  <p:hf sldNum="0" hdr="0" ftr="0" dt="0"/>
   <p:txStyles>
     <p:titleStyle>
-      <a:defPPr lvl="0" marR="0" rtl="0" algn="l">
+      <a:defPPr marR="0" lvl="0" algn="l" rtl="0">
         <a:lnSpc>
           <a:spcPct val="100000"/>
         </a:lnSpc>
@@ -4277,7 +4473,7 @@
           <a:spcPts val="0"/>
         </a:spcAft>
       </a:defPPr>
-      <a:lvl1pPr lvl="0" marR="0" rtl="0" algn="l">
+      <a:lvl1pPr marR="0" lvl="0" algn="l" rtl="0">
         <a:lnSpc>
           <a:spcPct val="100000"/>
         </a:lnSpc>
@@ -4288,7 +4484,7 @@
           <a:spcPts val="0"/>
         </a:spcAft>
         <a:buNone/>
-        <a:defRPr b="0" i="0" sz="1400" u="none" cap="none" strike="noStrike">
+        <a:defRPr sz="1400" b="0" i="0" u="none" strike="noStrike" cap="none">
           <a:solidFill>
             <a:srgbClr val="000000"/>
           </a:solidFill>
@@ -4300,7 +4496,7 @@
       </a:lvl1pPr>
     </p:titleStyle>
     <p:bodyStyle>
-      <a:defPPr lvl="0" marR="0" rtl="0" algn="l">
+      <a:defPPr marR="0" lvl="0" algn="l" rtl="0">
         <a:lnSpc>
           <a:spcPct val="100000"/>
         </a:lnSpc>
@@ -4311,7 +4507,7 @@
           <a:spcPts val="0"/>
         </a:spcAft>
       </a:defPPr>
-      <a:lvl1pPr lvl="0" marR="0" rtl="0" algn="l">
+      <a:lvl1pPr marR="0" lvl="0" algn="l" rtl="0">
         <a:lnSpc>
           <a:spcPct val="100000"/>
         </a:lnSpc>
@@ -4322,7 +4518,7 @@
           <a:spcPts val="0"/>
         </a:spcAft>
         <a:buNone/>
-        <a:defRPr b="0" i="0" sz="1400" u="none" cap="none" strike="noStrike">
+        <a:defRPr sz="1400" b="0" i="0" u="none" strike="noStrike" cap="none">
           <a:solidFill>
             <a:srgbClr val="000000"/>
           </a:solidFill>
@@ -4332,7 +4528,7 @@
           <a:sym typeface="Arial"/>
         </a:defRPr>
       </a:lvl1pPr>
-      <a:lvl2pPr lvl="1" marR="0" rtl="0" algn="l">
+      <a:lvl2pPr marR="0" lvl="1" algn="l" rtl="0">
         <a:lnSpc>
           <a:spcPct val="100000"/>
         </a:lnSpc>
@@ -4343,7 +4539,7 @@
           <a:spcPts val="0"/>
         </a:spcAft>
         <a:buNone/>
-        <a:defRPr b="0" i="0" sz="1400" u="none" cap="none" strike="noStrike">
+        <a:defRPr sz="1400" b="0" i="0" u="none" strike="noStrike" cap="none">
           <a:solidFill>
             <a:srgbClr val="000000"/>
           </a:solidFill>
@@ -4353,7 +4549,7 @@
           <a:sym typeface="Arial"/>
         </a:defRPr>
       </a:lvl2pPr>
-      <a:lvl3pPr lvl="2" marR="0" rtl="0" algn="l">
+      <a:lvl3pPr marR="0" lvl="2" algn="l" rtl="0">
         <a:lnSpc>
           <a:spcPct val="100000"/>
         </a:lnSpc>
@@ -4364,7 +4560,7 @@
           <a:spcPts val="0"/>
         </a:spcAft>
         <a:buNone/>
-        <a:defRPr b="0" i="0" sz="1400" u="none" cap="none" strike="noStrike">
+        <a:defRPr sz="1400" b="0" i="0" u="none" strike="noStrike" cap="none">
           <a:solidFill>
             <a:srgbClr val="000000"/>
           </a:solidFill>
@@ -4374,7 +4570,7 @@
           <a:sym typeface="Arial"/>
         </a:defRPr>
       </a:lvl3pPr>
-      <a:lvl4pPr lvl="3" marR="0" rtl="0" algn="l">
+      <a:lvl4pPr marR="0" lvl="3" algn="l" rtl="0">
         <a:lnSpc>
           <a:spcPct val="100000"/>
         </a:lnSpc>
@@ -4385,7 +4581,7 @@
           <a:spcPts val="0"/>
         </a:spcAft>
         <a:buNone/>
-        <a:defRPr b="0" i="0" sz="1400" u="none" cap="none" strike="noStrike">
+        <a:defRPr sz="1400" b="0" i="0" u="none" strike="noStrike" cap="none">
           <a:solidFill>
             <a:srgbClr val="000000"/>
           </a:solidFill>
@@ -4395,7 +4591,7 @@
           <a:sym typeface="Arial"/>
         </a:defRPr>
       </a:lvl4pPr>
-      <a:lvl5pPr lvl="4" marR="0" rtl="0" algn="l">
+      <a:lvl5pPr marR="0" lvl="4" algn="l" rtl="0">
         <a:lnSpc>
           <a:spcPct val="100000"/>
         </a:lnSpc>
@@ -4406,7 +4602,7 @@
           <a:spcPts val="0"/>
         </a:spcAft>
         <a:buNone/>
-        <a:defRPr b="0" i="0" sz="1400" u="none" cap="none" strike="noStrike">
+        <a:defRPr sz="1400" b="0" i="0" u="none" strike="noStrike" cap="none">
           <a:solidFill>
             <a:srgbClr val="000000"/>
           </a:solidFill>
@@ -4416,7 +4612,7 @@
           <a:sym typeface="Arial"/>
         </a:defRPr>
       </a:lvl5pPr>
-      <a:lvl6pPr lvl="5" marR="0" rtl="0" algn="l">
+      <a:lvl6pPr marR="0" lvl="5" algn="l" rtl="0">
         <a:lnSpc>
           <a:spcPct val="100000"/>
         </a:lnSpc>
@@ -4427,7 +4623,7 @@
           <a:spcPts val="0"/>
         </a:spcAft>
         <a:buNone/>
-        <a:defRPr b="0" i="0" sz="1400" u="none" cap="none" strike="noStrike">
+        <a:defRPr sz="1400" b="0" i="0" u="none" strike="noStrike" cap="none">
           <a:solidFill>
             <a:srgbClr val="000000"/>
           </a:solidFill>
@@ -4437,7 +4633,7 @@
           <a:sym typeface="Arial"/>
         </a:defRPr>
       </a:lvl6pPr>
-      <a:lvl7pPr lvl="6" marR="0" rtl="0" algn="l">
+      <a:lvl7pPr marR="0" lvl="6" algn="l" rtl="0">
         <a:lnSpc>
           <a:spcPct val="100000"/>
         </a:lnSpc>
@@ -4448,7 +4644,7 @@
           <a:spcPts val="0"/>
         </a:spcAft>
         <a:buNone/>
-        <a:defRPr b="0" i="0" sz="1400" u="none" cap="none" strike="noStrike">
+        <a:defRPr sz="1400" b="0" i="0" u="none" strike="noStrike" cap="none">
           <a:solidFill>
             <a:srgbClr val="000000"/>
           </a:solidFill>
@@ -4458,7 +4654,7 @@
           <a:sym typeface="Arial"/>
         </a:defRPr>
       </a:lvl7pPr>
-      <a:lvl8pPr lvl="7" marR="0" rtl="0" algn="l">
+      <a:lvl8pPr marR="0" lvl="7" algn="l" rtl="0">
         <a:lnSpc>
           <a:spcPct val="100000"/>
         </a:lnSpc>
@@ -4469,7 +4665,7 @@
           <a:spcPts val="0"/>
         </a:spcAft>
         <a:buNone/>
-        <a:defRPr b="0" i="0" sz="1400" u="none" cap="none" strike="noStrike">
+        <a:defRPr sz="1400" b="0" i="0" u="none" strike="noStrike" cap="none">
           <a:solidFill>
             <a:srgbClr val="000000"/>
           </a:solidFill>
@@ -4479,7 +4675,7 @@
           <a:sym typeface="Arial"/>
         </a:defRPr>
       </a:lvl8pPr>
-      <a:lvl9pPr lvl="8" marR="0" rtl="0" algn="l">
+      <a:lvl9pPr marR="0" lvl="8" algn="l" rtl="0">
         <a:lnSpc>
           <a:spcPct val="100000"/>
         </a:lnSpc>
@@ -4490,7 +4686,7 @@
           <a:spcPts val="0"/>
         </a:spcAft>
         <a:buNone/>
-        <a:defRPr b="0" i="0" sz="1400" u="none" cap="none" strike="noStrike">
+        <a:defRPr sz="1400" b="0" i="0" u="none" strike="noStrike" cap="none">
           <a:solidFill>
             <a:srgbClr val="000000"/>
           </a:solidFill>
@@ -4502,7 +4698,7 @@
       </a:lvl9pPr>
     </p:bodyStyle>
     <p:otherStyle>
-      <a:defPPr lvl="0" marR="0" rtl="0" algn="l">
+      <a:defPPr marR="0" lvl="0" algn="l" rtl="0">
         <a:lnSpc>
           <a:spcPct val="100000"/>
         </a:lnSpc>
@@ -4513,7 +4709,7 @@
           <a:spcPts val="0"/>
         </a:spcAft>
       </a:defPPr>
-      <a:lvl1pPr lvl="0" marR="0" rtl="0" algn="l">
+      <a:lvl1pPr marR="0" lvl="0" algn="l" rtl="0">
         <a:lnSpc>
           <a:spcPct val="100000"/>
         </a:lnSpc>
@@ -4524,7 +4720,7 @@
           <a:spcPts val="0"/>
         </a:spcAft>
         <a:buNone/>
-        <a:defRPr b="0" i="0" sz="1400" u="none" cap="none" strike="noStrike">
+        <a:defRPr sz="1400" b="0" i="0" u="none" strike="noStrike" cap="none">
           <a:solidFill>
             <a:srgbClr val="000000"/>
           </a:solidFill>
@@ -4534,7 +4730,7 @@
           <a:sym typeface="Arial"/>
         </a:defRPr>
       </a:lvl1pPr>
-      <a:lvl2pPr lvl="1" marR="0" rtl="0" algn="l">
+      <a:lvl2pPr marR="0" lvl="1" algn="l" rtl="0">
         <a:lnSpc>
           <a:spcPct val="100000"/>
         </a:lnSpc>
@@ -4545,7 +4741,7 @@
           <a:spcPts val="0"/>
         </a:spcAft>
         <a:buNone/>
-        <a:defRPr b="0" i="0" sz="1400" u="none" cap="none" strike="noStrike">
+        <a:defRPr sz="1400" b="0" i="0" u="none" strike="noStrike" cap="none">
           <a:solidFill>
             <a:srgbClr val="000000"/>
           </a:solidFill>
@@ -4555,7 +4751,7 @@
           <a:sym typeface="Arial"/>
         </a:defRPr>
       </a:lvl2pPr>
-      <a:lvl3pPr lvl="2" marR="0" rtl="0" algn="l">
+      <a:lvl3pPr marR="0" lvl="2" algn="l" rtl="0">
         <a:lnSpc>
           <a:spcPct val="100000"/>
         </a:lnSpc>
@@ -4566,7 +4762,7 @@
           <a:spcPts val="0"/>
         </a:spcAft>
         <a:buNone/>
-        <a:defRPr b="0" i="0" sz="1400" u="none" cap="none" strike="noStrike">
+        <a:defRPr sz="1400" b="0" i="0" u="none" strike="noStrike" cap="none">
           <a:solidFill>
             <a:srgbClr val="000000"/>
           </a:solidFill>
@@ -4576,7 +4772,7 @@
           <a:sym typeface="Arial"/>
         </a:defRPr>
       </a:lvl3pPr>
-      <a:lvl4pPr lvl="3" marR="0" rtl="0" algn="l">
+      <a:lvl4pPr marR="0" lvl="3" algn="l" rtl="0">
         <a:lnSpc>
           <a:spcPct val="100000"/>
         </a:lnSpc>
@@ -4587,7 +4783,7 @@
           <a:spcPts val="0"/>
         </a:spcAft>
         <a:buNone/>
-        <a:defRPr b="0" i="0" sz="1400" u="none" cap="none" strike="noStrike">
+        <a:defRPr sz="1400" b="0" i="0" u="none" strike="noStrike" cap="none">
           <a:solidFill>
             <a:srgbClr val="000000"/>
           </a:solidFill>
@@ -4597,7 +4793,7 @@
           <a:sym typeface="Arial"/>
         </a:defRPr>
       </a:lvl4pPr>
-      <a:lvl5pPr lvl="4" marR="0" rtl="0" algn="l">
+      <a:lvl5pPr marR="0" lvl="4" algn="l" rtl="0">
         <a:lnSpc>
           <a:spcPct val="100000"/>
         </a:lnSpc>
@@ -4608,7 +4804,7 @@
           <a:spcPts val="0"/>
         </a:spcAft>
         <a:buNone/>
-        <a:defRPr b="0" i="0" sz="1400" u="none" cap="none" strike="noStrike">
+        <a:defRPr sz="1400" b="0" i="0" u="none" strike="noStrike" cap="none">
           <a:solidFill>
             <a:srgbClr val="000000"/>
           </a:solidFill>
@@ -4618,7 +4814,7 @@
           <a:sym typeface="Arial"/>
         </a:defRPr>
       </a:lvl5pPr>
-      <a:lvl6pPr lvl="5" marR="0" rtl="0" algn="l">
+      <a:lvl6pPr marR="0" lvl="5" algn="l" rtl="0">
         <a:lnSpc>
           <a:spcPct val="100000"/>
         </a:lnSpc>
@@ -4629,7 +4825,7 @@
           <a:spcPts val="0"/>
         </a:spcAft>
         <a:buNone/>
-        <a:defRPr b="0" i="0" sz="1400" u="none" cap="none" strike="noStrike">
+        <a:defRPr sz="1400" b="0" i="0" u="none" strike="noStrike" cap="none">
           <a:solidFill>
             <a:srgbClr val="000000"/>
           </a:solidFill>
@@ -4639,7 +4835,7 @@
           <a:sym typeface="Arial"/>
         </a:defRPr>
       </a:lvl6pPr>
-      <a:lvl7pPr lvl="6" marR="0" rtl="0" algn="l">
+      <a:lvl7pPr marR="0" lvl="6" algn="l" rtl="0">
         <a:lnSpc>
           <a:spcPct val="100000"/>
         </a:lnSpc>
@@ -4650,7 +4846,7 @@
           <a:spcPts val="0"/>
         </a:spcAft>
         <a:buNone/>
-        <a:defRPr b="0" i="0" sz="1400" u="none" cap="none" strike="noStrike">
+        <a:defRPr sz="1400" b="0" i="0" u="none" strike="noStrike" cap="none">
           <a:solidFill>
             <a:srgbClr val="000000"/>
           </a:solidFill>
@@ -4660,7 +4856,7 @@
           <a:sym typeface="Arial"/>
         </a:defRPr>
       </a:lvl7pPr>
-      <a:lvl8pPr lvl="7" marR="0" rtl="0" algn="l">
+      <a:lvl8pPr marR="0" lvl="7" algn="l" rtl="0">
         <a:lnSpc>
           <a:spcPct val="100000"/>
         </a:lnSpc>
@@ -4671,7 +4867,7 @@
           <a:spcPts val="0"/>
         </a:spcAft>
         <a:buNone/>
-        <a:defRPr b="0" i="0" sz="1400" u="none" cap="none" strike="noStrike">
+        <a:defRPr sz="1400" b="0" i="0" u="none" strike="noStrike" cap="none">
           <a:solidFill>
             <a:srgbClr val="000000"/>
           </a:solidFill>
@@ -4681,7 +4877,7 @@
           <a:sym typeface="Arial"/>
         </a:defRPr>
       </a:lvl8pPr>
-      <a:lvl9pPr lvl="8" marR="0" rtl="0" algn="l">
+      <a:lvl9pPr marR="0" lvl="8" algn="l" rtl="0">
         <a:lnSpc>
           <a:spcPct val="100000"/>
         </a:lnSpc>
@@ -4692,7 +4888,7 @@
           <a:spcPts val="0"/>
         </a:spcAft>
         <a:buNone/>
-        <a:defRPr b="0" i="0" sz="1400" u="none" cap="none" strike="noStrike">
+        <a:defRPr sz="1400" b="0" i="0" u="none" strike="noStrike" cap="none">
           <a:solidFill>
             <a:srgbClr val="000000"/>
           </a:solidFill>
@@ -4708,11 +4904,11 @@
 </file>
 
 <file path=ppt/slides/slide1.xml><?xml version="1.0" encoding="utf-8"?>
-<p:sld xmlns:a="http://schemas.openxmlformats.org/drawingml/2006/main" xmlns:r="http://schemas.openxmlformats.org/officeDocument/2006/relationships" xmlns:mc="http://schemas.openxmlformats.org/markup-compatibility/2006" xmlns:mv="urn:schemas-microsoft-com:mac:vml" xmlns:p="http://schemas.openxmlformats.org/presentationml/2006/main" xmlns:c="http://schemas.openxmlformats.org/drawingml/2006/chart" xmlns:dgm="http://schemas.openxmlformats.org/drawingml/2006/diagram" xmlns:o="urn:schemas-microsoft-com:office:office" xmlns:v="urn:schemas-microsoft-com:vml" xmlns:pvml="urn:schemas-microsoft-com:office:powerpoint" xmlns:com="http://schemas.openxmlformats.org/drawingml/2006/compatibility" xmlns:p14="http://schemas.microsoft.com/office/powerpoint/2010/main">
+<p:sld xmlns:a="http://schemas.openxmlformats.org/drawingml/2006/main" xmlns:r="http://schemas.openxmlformats.org/officeDocument/2006/relationships" xmlns:p="http://schemas.openxmlformats.org/presentationml/2006/main">
   <p:cSld>
     <p:spTree>
       <p:nvGrpSpPr>
-        <p:cNvPr id="53" name="Shape 53"/>
+        <p:cNvPr id="1" name="Shape 53"/>
         <p:cNvGrpSpPr/>
         <p:nvPr/>
       </p:nvGrpSpPr>
@@ -4727,7 +4923,9 @@
       <p:sp>
         <p:nvSpPr>
           <p:cNvPr id="54" name="Shape 54"/>
-          <p:cNvSpPr txBox="1"/>
+          <p:cNvSpPr txBox="1">
+            <a:spLocks noGrp="1"/>
+          </p:cNvSpPr>
           <p:nvPr>
             <p:ph type="ctrTitle"/>
           </p:nvPr>
@@ -4742,7 +4940,7 @@
           </a:prstGeom>
         </p:spPr>
         <p:txBody>
-          <a:bodyPr anchorCtr="0" anchor="b" bIns="91425" lIns="91425" rIns="91425" tIns="91425">
+          <a:bodyPr lIns="91425" tIns="91425" rIns="91425" bIns="91425" anchor="b" anchorCtr="0">
             <a:noAutofit/>
           </a:bodyPr>
           <a:lstStyle/>
@@ -4767,9 +4965,11 @@
       <p:sp>
         <p:nvSpPr>
           <p:cNvPr id="55" name="Shape 55"/>
-          <p:cNvSpPr txBox="1"/>
-          <p:nvPr>
-            <p:ph idx="1" type="subTitle"/>
+          <p:cNvSpPr txBox="1">
+            <a:spLocks noGrp="1"/>
+          </p:cNvSpPr>
+          <p:nvPr>
+            <p:ph type="subTitle" idx="1"/>
           </p:nvPr>
         </p:nvSpPr>
         <p:spPr>
@@ -4782,7 +4982,7 @@
           </a:prstGeom>
         </p:spPr>
         <p:txBody>
-          <a:bodyPr anchorCtr="0" anchor="t" bIns="91425" lIns="91425" rIns="91425" tIns="91425">
+          <a:bodyPr lIns="91425" tIns="91425" rIns="91425" bIns="91425" anchor="t" anchorCtr="0">
             <a:noAutofit/>
           </a:bodyPr>
           <a:lstStyle/>
@@ -4805,15 +5005,22 @@
   <p:clrMapOvr>
     <a:masterClrMapping/>
   </p:clrMapOvr>
+  <p:timing>
+    <p:tnLst>
+      <p:par>
+        <p:cTn id="1" dur="indefinite" restart="never" nodeType="tmRoot"/>
+      </p:par>
+    </p:tnLst>
+  </p:timing>
 </p:sld>
 </file>
 
 <file path=ppt/slides/slide10.xml><?xml version="1.0" encoding="utf-8"?>
-<p:sld xmlns:a="http://schemas.openxmlformats.org/drawingml/2006/main" xmlns:r="http://schemas.openxmlformats.org/officeDocument/2006/relationships" xmlns:mc="http://schemas.openxmlformats.org/markup-compatibility/2006" xmlns:mv="urn:schemas-microsoft-com:mac:vml" xmlns:p="http://schemas.openxmlformats.org/presentationml/2006/main" xmlns:c="http://schemas.openxmlformats.org/drawingml/2006/chart" xmlns:dgm="http://schemas.openxmlformats.org/drawingml/2006/diagram" xmlns:o="urn:schemas-microsoft-com:office:office" xmlns:v="urn:schemas-microsoft-com:vml" xmlns:pvml="urn:schemas-microsoft-com:office:powerpoint" xmlns:com="http://schemas.openxmlformats.org/drawingml/2006/compatibility" xmlns:p14="http://schemas.microsoft.com/office/powerpoint/2010/main">
+<p:sld xmlns:a="http://schemas.openxmlformats.org/drawingml/2006/main" xmlns:r="http://schemas.openxmlformats.org/officeDocument/2006/relationships" xmlns:p="http://schemas.openxmlformats.org/presentationml/2006/main">
   <p:cSld>
     <p:spTree>
       <p:nvGrpSpPr>
-        <p:cNvPr id="111" name="Shape 111"/>
+        <p:cNvPr id="1" name="Shape 111"/>
         <p:cNvGrpSpPr/>
         <p:nvPr/>
       </p:nvGrpSpPr>
@@ -4828,7 +5035,9 @@
       <p:sp>
         <p:nvSpPr>
           <p:cNvPr id="112" name="Shape 112"/>
-          <p:cNvSpPr txBox="1"/>
+          <p:cNvSpPr txBox="1">
+            <a:spLocks noGrp="1"/>
+          </p:cNvSpPr>
           <p:nvPr>
             <p:ph type="title"/>
           </p:nvPr>
@@ -4843,7 +5052,7 @@
           </a:prstGeom>
         </p:spPr>
         <p:txBody>
-          <a:bodyPr anchorCtr="0" anchor="t" bIns="91425" lIns="91425" rIns="91425" tIns="91425">
+          <a:bodyPr lIns="91425" tIns="91425" rIns="91425" bIns="91425" anchor="t" anchorCtr="0">
             <a:noAutofit/>
           </a:bodyPr>
           <a:lstStyle/>
@@ -4864,9 +5073,11 @@
       <p:sp>
         <p:nvSpPr>
           <p:cNvPr id="113" name="Shape 113"/>
-          <p:cNvSpPr txBox="1"/>
-          <p:nvPr>
-            <p:ph idx="1" type="body"/>
+          <p:cNvSpPr txBox="1">
+            <a:spLocks noGrp="1"/>
+          </p:cNvSpPr>
+          <p:nvPr>
+            <p:ph type="body" idx="1"/>
           </p:nvPr>
         </p:nvSpPr>
         <p:spPr>
@@ -4879,7 +5090,7 @@
           </a:prstGeom>
         </p:spPr>
         <p:txBody>
-          <a:bodyPr anchorCtr="0" anchor="t" bIns="91425" lIns="91425" rIns="91425" tIns="91425">
+          <a:bodyPr lIns="91425" tIns="91425" rIns="91425" bIns="91425" anchor="t" anchorCtr="0">
             <a:noAutofit/>
           </a:bodyPr>
           <a:lstStyle/>
@@ -4907,7 +5118,7 @@
               <a:t>Let x</a:t>
             </a:r>
             <a:r>
-              <a:rPr baseline="-25000" lang="en" sz="2400"/>
+              <a:rPr lang="en" sz="2400" baseline="-25000"/>
               <a:t>min</a:t>
             </a:r>
             <a:r>
@@ -4915,7 +5126,7 @@
               <a:t> and x</a:t>
             </a:r>
             <a:r>
-              <a:rPr baseline="-25000" lang="en" sz="2400"/>
+              <a:rPr lang="en" sz="2400" baseline="-25000"/>
               <a:t>max</a:t>
             </a:r>
             <a:r>
@@ -4935,7 +5146,7 @@
               <a:t>Same for y</a:t>
             </a:r>
             <a:r>
-              <a:rPr baseline="-25000" lang="en" sz="2400"/>
+              <a:rPr lang="en" sz="2400" baseline="-25000"/>
               <a:t>min</a:t>
             </a:r>
             <a:r>
@@ -4943,7 +5154,7 @@
               <a:t> and y</a:t>
             </a:r>
             <a:r>
-              <a:rPr baseline="-25000" lang="en" sz="2400"/>
+              <a:rPr lang="en" sz="2400" baseline="-25000"/>
               <a:t>max</a:t>
             </a:r>
             <a:r>
@@ -4962,11 +5173,11 @@
 </file>
 
 <file path=ppt/slides/slide11.xml><?xml version="1.0" encoding="utf-8"?>
-<p:sld xmlns:a="http://schemas.openxmlformats.org/drawingml/2006/main" xmlns:r="http://schemas.openxmlformats.org/officeDocument/2006/relationships" xmlns:mc="http://schemas.openxmlformats.org/markup-compatibility/2006" xmlns:mv="urn:schemas-microsoft-com:mac:vml" xmlns:p="http://schemas.openxmlformats.org/presentationml/2006/main" xmlns:c="http://schemas.openxmlformats.org/drawingml/2006/chart" xmlns:dgm="http://schemas.openxmlformats.org/drawingml/2006/diagram" xmlns:o="urn:schemas-microsoft-com:office:office" xmlns:v="urn:schemas-microsoft-com:vml" xmlns:pvml="urn:schemas-microsoft-com:office:powerpoint" xmlns:com="http://schemas.openxmlformats.org/drawingml/2006/compatibility" xmlns:p14="http://schemas.microsoft.com/office/powerpoint/2010/main">
+<p:sld xmlns:a="http://schemas.openxmlformats.org/drawingml/2006/main" xmlns:r="http://schemas.openxmlformats.org/officeDocument/2006/relationships" xmlns:p="http://schemas.openxmlformats.org/presentationml/2006/main">
   <p:cSld>
     <p:spTree>
       <p:nvGrpSpPr>
-        <p:cNvPr id="117" name="Shape 117"/>
+        <p:cNvPr id="1" name="Shape 117"/>
         <p:cNvGrpSpPr/>
         <p:nvPr/>
       </p:nvGrpSpPr>
@@ -4980,7 +5191,7 @@
       </p:grpSpPr>
       <p:pic>
         <p:nvPicPr>
-          <p:cNvPr descr="gp2_gfunc.JPG" id="118" name="Shape 118"/>
+          <p:cNvPr id="118" name="Shape 118" descr="gp2_gfunc.JPG"/>
           <p:cNvPicPr preferRelativeResize="0"/>
           <p:nvPr/>
         </p:nvPicPr>
@@ -5009,7 +5220,9 @@
       <p:sp>
         <p:nvSpPr>
           <p:cNvPr id="119" name="Shape 119"/>
-          <p:cNvSpPr txBox="1"/>
+          <p:cNvSpPr txBox="1">
+            <a:spLocks noGrp="1"/>
+          </p:cNvSpPr>
           <p:nvPr>
             <p:ph type="title"/>
           </p:nvPr>
@@ -5024,7 +5237,7 @@
           </a:prstGeom>
         </p:spPr>
         <p:txBody>
-          <a:bodyPr anchorCtr="0" anchor="t" bIns="91425" lIns="91425" rIns="91425" tIns="91425">
+          <a:bodyPr lIns="91425" tIns="91425" rIns="91425" bIns="91425" anchor="t" anchorCtr="0">
             <a:noAutofit/>
           </a:bodyPr>
           <a:lstStyle/>
@@ -5045,9 +5258,11 @@
       <p:sp>
         <p:nvSpPr>
           <p:cNvPr id="120" name="Shape 120"/>
-          <p:cNvSpPr txBox="1"/>
-          <p:nvPr>
-            <p:ph idx="1" type="body"/>
+          <p:cNvSpPr txBox="1">
+            <a:spLocks noGrp="1"/>
+          </p:cNvSpPr>
+          <p:nvPr>
+            <p:ph type="body" idx="1"/>
           </p:nvPr>
         </p:nvSpPr>
         <p:spPr>
@@ -5060,7 +5275,7 @@
           </a:prstGeom>
         </p:spPr>
         <p:txBody>
-          <a:bodyPr anchorCtr="0" anchor="t" bIns="91425" lIns="91425" rIns="91425" tIns="91425">
+          <a:bodyPr lIns="91425" tIns="91425" rIns="91425" bIns="91425" anchor="t" anchorCtr="0">
             <a:noAutofit/>
           </a:bodyPr>
           <a:lstStyle/>
@@ -5071,16 +5286,13 @@
               </a:spcBef>
               <a:buNone/>
             </a:pPr>
-            <a:r>
-              <a:t/>
-            </a:r>
             <a:endParaRPr/>
           </a:p>
         </p:txBody>
       </p:sp>
       <p:pic>
         <p:nvPicPr>
-          <p:cNvPr descr="gp2_parameters.JPG" id="121" name="Shape 121"/>
+          <p:cNvPr id="121" name="Shape 121" descr="gp2_parameters.JPG"/>
           <p:cNvPicPr preferRelativeResize="0"/>
           <p:nvPr/>
         </p:nvPicPr>
@@ -5126,7 +5338,7 @@
           </a:ln>
         </p:spPr>
         <p:txBody>
-          <a:bodyPr anchorCtr="0" anchor="t" bIns="91425" lIns="91425" rIns="91425" tIns="91425">
+          <a:bodyPr lIns="91425" tIns="91425" rIns="91425" bIns="91425" anchor="t" anchorCtr="0">
             <a:noAutofit/>
           </a:bodyPr>
           <a:lstStyle/>
@@ -5146,7 +5358,7 @@
       </p:sp>
       <p:pic>
         <p:nvPicPr>
-          <p:cNvPr descr="gp2_hfunc.JPG" id="123" name="Shape 123"/>
+          <p:cNvPr id="123" name="Shape 123" descr="gp2_hfunc.JPG"/>
           <p:cNvPicPr preferRelativeResize="0"/>
           <p:nvPr/>
         </p:nvPicPr>
@@ -5189,18 +5401,18 @@
           <a:solidFill>
             <a:srgbClr val="000000"/>
           </a:solidFill>
-          <a:ln cap="flat" cmpd="sng" w="9525">
+          <a:ln w="9525" cap="flat" cmpd="sng">
             <a:solidFill>
               <a:srgbClr val="000000"/>
             </a:solidFill>
             <a:prstDash val="solid"/>
             <a:round/>
-            <a:headEnd len="med" w="med" type="none"/>
-            <a:tailEnd len="med" w="med" type="none"/>
+            <a:headEnd type="none" w="med" len="med"/>
+            <a:tailEnd type="none" w="med" len="med"/>
           </a:ln>
         </p:spPr>
         <p:txBody>
-          <a:bodyPr anchorCtr="0" anchor="t" bIns="91425" lIns="91425" rIns="91425" tIns="91425">
+          <a:bodyPr lIns="91425" tIns="91425" rIns="91425" bIns="91425" anchor="t" anchorCtr="0">
             <a:noAutofit/>
           </a:bodyPr>
           <a:lstStyle/>
@@ -5211,9 +5423,6 @@
               </a:spcBef>
               <a:buNone/>
             </a:pPr>
-            <a:r>
-              <a:t/>
-            </a:r>
             <a:endParaRPr/>
           </a:p>
         </p:txBody>
@@ -5226,12 +5435,12 @@
 </p:sld>
 </file>
 
-<file path=ppt/slides/slide12.xml><?xml version="1.0" encoding="utf-8"?>
-<p:sld xmlns:a="http://schemas.openxmlformats.org/drawingml/2006/main" xmlns:r="http://schemas.openxmlformats.org/officeDocument/2006/relationships" xmlns:mc="http://schemas.openxmlformats.org/markup-compatibility/2006" xmlns:mv="urn:schemas-microsoft-com:mac:vml" xmlns:p="http://schemas.openxmlformats.org/presentationml/2006/main" xmlns:c="http://schemas.openxmlformats.org/drawingml/2006/chart" xmlns:dgm="http://schemas.openxmlformats.org/drawingml/2006/diagram" xmlns:o="urn:schemas-microsoft-com:office:office" xmlns:v="urn:schemas-microsoft-com:vml" xmlns:pvml="urn:schemas-microsoft-com:office:powerpoint" xmlns:com="http://schemas.openxmlformats.org/drawingml/2006/compatibility" xmlns:p14="http://schemas.microsoft.com/office/powerpoint/2010/main">
+<file path=ppt/slides/slide2.xml><?xml version="1.0" encoding="utf-8"?>
+<p:sld xmlns:a="http://schemas.openxmlformats.org/drawingml/2006/main" xmlns:r="http://schemas.openxmlformats.org/officeDocument/2006/relationships" xmlns:p="http://schemas.openxmlformats.org/presentationml/2006/main">
   <p:cSld>
     <p:spTree>
       <p:nvGrpSpPr>
-        <p:cNvPr id="128" name="Shape 128"/>
+        <p:cNvPr id="1" name="Shape 59"/>
         <p:cNvGrpSpPr/>
         <p:nvPr/>
       </p:nvGrpSpPr>
@@ -5245,8 +5454,10 @@
       </p:grpSpPr>
       <p:sp>
         <p:nvSpPr>
-          <p:cNvPr id="129" name="Shape 129"/>
-          <p:cNvSpPr txBox="1"/>
+          <p:cNvPr id="60" name="Shape 60"/>
+          <p:cNvSpPr txBox="1">
+            <a:spLocks noGrp="1"/>
+          </p:cNvSpPr>
           <p:nvPr>
             <p:ph type="title"/>
           </p:nvPr>
@@ -5261,7 +5472,7 @@
           </a:prstGeom>
         </p:spPr>
         <p:txBody>
-          <a:bodyPr anchorCtr="0" anchor="t" bIns="91425" lIns="91425" rIns="91425" tIns="91425">
+          <a:bodyPr lIns="91425" tIns="91425" rIns="91425" bIns="91425" anchor="t" anchorCtr="0">
             <a:noAutofit/>
           </a:bodyPr>
           <a:lstStyle/>
@@ -5274,17 +5485,19 @@
             </a:pPr>
             <a:r>
               <a:rPr lang="en"/>
-              <a:t>Video</a:t>
+              <a:t>Introduction</a:t>
             </a:r>
           </a:p>
         </p:txBody>
       </p:sp>
       <p:sp>
         <p:nvSpPr>
-          <p:cNvPr id="130" name="Shape 130"/>
-          <p:cNvSpPr txBox="1"/>
-          <p:nvPr>
-            <p:ph idx="1" type="body"/>
+          <p:cNvPr id="61" name="Shape 61"/>
+          <p:cNvSpPr txBox="1">
+            <a:spLocks noGrp="1"/>
+          </p:cNvSpPr>
+          <p:nvPr>
+            <p:ph type="body" idx="1"/>
           </p:nvPr>
         </p:nvSpPr>
         <p:spPr>
@@ -5295,9 +5508,13 @@
           <a:prstGeom prst="rect">
             <a:avLst/>
           </a:prstGeom>
+          <a:noFill/>
+          <a:ln>
+            <a:noFill/>
+          </a:ln>
         </p:spPr>
         <p:txBody>
-          <a:bodyPr anchorCtr="0" anchor="t" bIns="91425" lIns="91425" rIns="91425" tIns="91425">
+          <a:bodyPr lIns="91425" tIns="91425" rIns="91425" bIns="91425" anchor="t" anchorCtr="0">
             <a:noAutofit/>
           </a:bodyPr>
           <a:lstStyle/>
@@ -5309,13 +5526,100 @@
               <a:buNone/>
             </a:pPr>
             <a:r>
-              <a:rPr lang="en" sz="2400" u="sng">
-                <a:solidFill>
-                  <a:schemeClr val="hlink"/>
-                </a:solidFill>
-                <a:hlinkClick r:id="rId3"/>
-              </a:rPr>
-              <a:t>Here</a:t>
+              <a:rPr lang="en" sz="2400"/>
+              <a:t>Wrote a program that simulated a 2D predator-prey model</a:t>
+            </a:r>
+          </a:p>
+          <a:p>
+            <a:pPr lvl="0">
+              <a:spcBef>
+                <a:spcPts val="0"/>
+              </a:spcBef>
+              <a:buNone/>
+            </a:pPr>
+            <a:r>
+              <a:rPr lang="en" sz="2400"/>
+              <a:t>Parameters:</a:t>
+            </a:r>
+          </a:p>
+          <a:p>
+            <a:pPr marL="457200" lvl="0" indent="-381000">
+              <a:lnSpc>
+                <a:spcPct val="100000"/>
+              </a:lnSpc>
+              <a:spcBef>
+                <a:spcPts val="0"/>
+              </a:spcBef>
+              <a:buSzPct val="100000"/>
+              <a:buChar char="➔"/>
+            </a:pPr>
+            <a:r>
+              <a:rPr lang="en" sz="2400"/>
+              <a:t>Initial number of fish</a:t>
+            </a:r>
+          </a:p>
+          <a:p>
+            <a:pPr marL="457200" lvl="0" indent="-381000" rtl="0">
+              <a:lnSpc>
+                <a:spcPct val="100000"/>
+              </a:lnSpc>
+              <a:spcBef>
+                <a:spcPts val="0"/>
+              </a:spcBef>
+              <a:buSzPct val="100000"/>
+              <a:buChar char="➔"/>
+            </a:pPr>
+            <a:r>
+              <a:rPr lang="en" sz="2400"/>
+              <a:t>Initial number of sharks</a:t>
+            </a:r>
+          </a:p>
+          <a:p>
+            <a:pPr marL="457200" lvl="0" indent="-381000" rtl="0">
+              <a:lnSpc>
+                <a:spcPct val="100000"/>
+              </a:lnSpc>
+              <a:spcBef>
+                <a:spcPts val="0"/>
+              </a:spcBef>
+              <a:buSzPct val="100000"/>
+              <a:buChar char="➔"/>
+            </a:pPr>
+            <a:r>
+              <a:rPr lang="en" sz="2400"/>
+              <a:t>Number of timesteps for fish to procreate</a:t>
+            </a:r>
+          </a:p>
+          <a:p>
+            <a:pPr marL="457200" lvl="0" indent="-381000" rtl="0">
+              <a:lnSpc>
+                <a:spcPct val="100000"/>
+              </a:lnSpc>
+              <a:spcBef>
+                <a:spcPts val="0"/>
+              </a:spcBef>
+              <a:buSzPct val="100000"/>
+              <a:buChar char="➔"/>
+            </a:pPr>
+            <a:r>
+              <a:rPr lang="en" sz="2400"/>
+              <a:t>Number of timesteps for shark to procreate</a:t>
+            </a:r>
+          </a:p>
+          <a:p>
+            <a:pPr marL="457200" lvl="0" indent="-381000">
+              <a:lnSpc>
+                <a:spcPct val="100000"/>
+              </a:lnSpc>
+              <a:spcBef>
+                <a:spcPts val="0"/>
+              </a:spcBef>
+              <a:buSzPct val="100000"/>
+              <a:buChar char="➔"/>
+            </a:pPr>
+            <a:r>
+              <a:rPr lang="en" sz="2400"/>
+              <a:t>Number of timesteps for shark to starve to death</a:t>
             </a:r>
           </a:p>
         </p:txBody>
@@ -5325,15 +5629,22 @@
   <p:clrMapOvr>
     <a:masterClrMapping/>
   </p:clrMapOvr>
+  <p:timing>
+    <p:tnLst>
+      <p:par>
+        <p:cTn id="1" dur="indefinite" restart="never" nodeType="tmRoot"/>
+      </p:par>
+    </p:tnLst>
+  </p:timing>
 </p:sld>
 </file>
 
-<file path=ppt/slides/slide2.xml><?xml version="1.0" encoding="utf-8"?>
-<p:sld xmlns:a="http://schemas.openxmlformats.org/drawingml/2006/main" xmlns:r="http://schemas.openxmlformats.org/officeDocument/2006/relationships" xmlns:mc="http://schemas.openxmlformats.org/markup-compatibility/2006" xmlns:mv="urn:schemas-microsoft-com:mac:vml" xmlns:p="http://schemas.openxmlformats.org/presentationml/2006/main" xmlns:c="http://schemas.openxmlformats.org/drawingml/2006/chart" xmlns:dgm="http://schemas.openxmlformats.org/drawingml/2006/diagram" xmlns:o="urn:schemas-microsoft-com:office:office" xmlns:v="urn:schemas-microsoft-com:vml" xmlns:pvml="urn:schemas-microsoft-com:office:powerpoint" xmlns:com="http://schemas.openxmlformats.org/drawingml/2006/compatibility" xmlns:p14="http://schemas.microsoft.com/office/powerpoint/2010/main">
+<file path=ppt/slides/slide3.xml><?xml version="1.0" encoding="utf-8"?>
+<p:sld xmlns:a="http://schemas.openxmlformats.org/drawingml/2006/main" xmlns:r="http://schemas.openxmlformats.org/officeDocument/2006/relationships" xmlns:p="http://schemas.openxmlformats.org/presentationml/2006/main">
   <p:cSld>
     <p:spTree>
       <p:nvGrpSpPr>
-        <p:cNvPr id="59" name="Shape 59"/>
+        <p:cNvPr id="1" name="Shape 71"/>
         <p:cNvGrpSpPr/>
         <p:nvPr/>
       </p:nvGrpSpPr>
@@ -5347,23 +5658,25 @@
       </p:grpSpPr>
       <p:sp>
         <p:nvSpPr>
-          <p:cNvPr id="60" name="Shape 60"/>
-          <p:cNvSpPr txBox="1"/>
+          <p:cNvPr id="72" name="Shape 72"/>
+          <p:cNvSpPr txBox="1">
+            <a:spLocks noGrp="1"/>
+          </p:cNvSpPr>
           <p:nvPr>
             <p:ph type="title"/>
           </p:nvPr>
         </p:nvSpPr>
         <p:spPr>
           <a:xfrm>
-            <a:off x="311700" y="445025"/>
-            <a:ext cx="8520600" cy="572700"/>
+            <a:off x="311700" y="341563"/>
+            <a:ext cx="8520600" cy="572699"/>
           </a:xfrm>
           <a:prstGeom prst="rect">
             <a:avLst/>
           </a:prstGeom>
         </p:spPr>
         <p:txBody>
-          <a:bodyPr anchorCtr="0" anchor="t" bIns="91425" lIns="91425" rIns="91425" tIns="91425">
+          <a:bodyPr lIns="91425" tIns="91425" rIns="91425" bIns="91425" anchor="t" anchorCtr="0">
             <a:noAutofit/>
           </a:bodyPr>
           <a:lstStyle/>
@@ -5376,79 +5689,61 @@
             </a:pPr>
             <a:r>
               <a:rPr lang="en"/>
-              <a:t>Introduction</a:t>
+              <a:t>Our algorithm</a:t>
             </a:r>
           </a:p>
         </p:txBody>
       </p:sp>
       <p:sp>
         <p:nvSpPr>
-          <p:cNvPr id="61" name="Shape 61"/>
-          <p:cNvSpPr txBox="1"/>
-          <p:nvPr>
-            <p:ph idx="1" type="body"/>
-          </p:nvPr>
-        </p:nvSpPr>
-        <p:spPr>
-          <a:xfrm>
-            <a:off x="311700" y="1152475"/>
+          <p:cNvPr id="73" name="Shape 73"/>
+          <p:cNvSpPr txBox="1">
+            <a:spLocks noGrp="1"/>
+          </p:cNvSpPr>
+          <p:nvPr>
+            <p:ph type="body" idx="1"/>
+          </p:nvPr>
+        </p:nvSpPr>
+        <p:spPr>
+          <a:xfrm>
+            <a:off x="311700" y="1049013"/>
             <a:ext cx="8520600" cy="3416400"/>
           </a:xfrm>
           <a:prstGeom prst="rect">
             <a:avLst/>
           </a:prstGeom>
-          <a:noFill/>
-          <a:ln>
-            <a:noFill/>
-          </a:ln>
         </p:spPr>
         <p:txBody>
-          <a:bodyPr anchorCtr="0" anchor="t" bIns="91425" lIns="91425" rIns="91425" tIns="91425">
+          <a:bodyPr lIns="91425" tIns="91425" rIns="91425" bIns="91425" anchor="t" anchorCtr="0">
             <a:noAutofit/>
           </a:bodyPr>
           <a:lstStyle/>
           <a:p>
             <a:pPr lvl="0">
-              <a:spcBef>
-                <a:spcPts val="0"/>
-              </a:spcBef>
-              <a:buNone/>
-            </a:pPr>
-            <a:r>
-              <a:rPr lang="en" sz="2400"/>
-              <a:t>Wrote a program that simulated a 2D predator-prey model</a:t>
-            </a:r>
-          </a:p>
-          <a:p>
-            <a:pPr lvl="0">
-              <a:spcBef>
-                <a:spcPts val="0"/>
-              </a:spcBef>
-              <a:buNone/>
-            </a:pPr>
-            <a:r>
-              <a:rPr lang="en" sz="2400"/>
-              <a:t>Parameters:</a:t>
-            </a:r>
-          </a:p>
-          <a:p>
-            <a:pPr indent="-381000" lvl="0" marL="457200">
               <a:lnSpc>
                 <a:spcPct val="100000"/>
               </a:lnSpc>
               <a:spcBef>
                 <a:spcPts val="0"/>
               </a:spcBef>
-              <a:buSzPct val="100000"/>
-              <a:buChar char="➔"/>
+              <a:buNone/>
             </a:pPr>
             <a:r>
-              <a:rPr lang="en" sz="2400"/>
-              <a:t>Initial number of fish</a:t>
+              <a:rPr lang="en" sz="2400" dirty="0"/>
+              <a:t>Two </a:t>
             </a:r>
-          </a:p>
-          <a:p>
-            <a:pPr indent="-381000" lvl="0" marL="457200" rtl="0">
+            <a:r>
+              <a:rPr lang="en" sz="2400" dirty="0" smtClean="0"/>
+              <a:t>di</a:t>
+            </a:r>
+            <a:r>
+              <a:rPr lang="en-US" sz="2400" dirty="0" err="1" smtClean="0"/>
+              <a:t>ctionary</a:t>
+            </a:r>
+            <a:endParaRPr lang="en" sz="2400" dirty="0"/>
+          </a:p>
+          <a:p>
+            <a:pPr marL="457200" lvl="0" indent="-381000" rtl="0">
               <a:lnSpc>
                 <a:spcPct val="100000"/>
               </a:lnSpc>
@@ -5456,15 +5751,15 @@
                 <a:spcPts val="0"/>
               </a:spcBef>
               <a:buSzPct val="100000"/>
-              <a:buChar char="➔"/>
+              <a:buChar char="-"/>
             </a:pPr>
             <a:r>
-              <a:rPr lang="en" sz="2400"/>
-              <a:t>Initial number of sharks</a:t>
+              <a:rPr lang="en" sz="2400" dirty="0"/>
+              <a:t>Age of the fish at every position (holds age and position)</a:t>
             </a:r>
           </a:p>
           <a:p>
-            <a:pPr indent="-381000" lvl="0" marL="457200" rtl="0">
+            <a:pPr marL="457200" lvl="0" indent="-381000" rtl="0">
               <a:lnSpc>
                 <a:spcPct val="100000"/>
               </a:lnSpc>
@@ -5472,31 +5767,30 @@
                 <a:spcPts val="0"/>
               </a:spcBef>
               <a:buSzPct val="100000"/>
-              <a:buChar char="➔"/>
+              <a:buChar char="-"/>
             </a:pPr>
             <a:r>
-              <a:rPr lang="en" sz="2400"/>
-              <a:t>Number of timesteps for fish to procreate</a:t>
+              <a:rPr lang="en" sz="2400" dirty="0"/>
+              <a:t>Age of the shark and time since last meal at every position (holds age and position)</a:t>
             </a:r>
           </a:p>
           <a:p>
-            <a:pPr indent="-381000" lvl="0" marL="457200" rtl="0">
+            <a:pPr lvl="0" rtl="0">
               <a:lnSpc>
                 <a:spcPct val="100000"/>
               </a:lnSpc>
               <a:spcBef>
                 <a:spcPts val="0"/>
               </a:spcBef>
-              <a:buSzPct val="100000"/>
-              <a:buChar char="➔"/>
+              <a:buNone/>
             </a:pPr>
             <a:r>
-              <a:rPr lang="en" sz="2400"/>
-              <a:t>Number of timesteps for shark to procreate</a:t>
+              <a:rPr lang="en" sz="2400" dirty="0"/>
+              <a:t>One grid</a:t>
             </a:r>
           </a:p>
           <a:p>
-            <a:pPr indent="-381000" lvl="0" marL="457200">
+            <a:pPr marL="457200" lvl="0" indent="-381000">
               <a:lnSpc>
                 <a:spcPct val="100000"/>
               </a:lnSpc>
@@ -5504,11 +5798,11 @@
                 <a:spcPts val="0"/>
               </a:spcBef>
               <a:buSzPct val="100000"/>
-              <a:buChar char="➔"/>
+              <a:buChar char="-"/>
             </a:pPr>
             <a:r>
-              <a:rPr lang="en" sz="2400"/>
-              <a:t>Number of timesteps for shark to starve to death</a:t>
+              <a:rPr lang="en" sz="2400" dirty="0"/>
+              <a:t>Presence or absence of fish or shark (1 for fish, -1 for shark, 0 for nothing) at every position</a:t>
             </a:r>
           </a:p>
         </p:txBody>
@@ -5518,15 +5812,22 @@
   <p:clrMapOvr>
     <a:masterClrMapping/>
   </p:clrMapOvr>
+  <p:timing>
+    <p:tnLst>
+      <p:par>
+        <p:cTn id="1" dur="indefinite" restart="never" nodeType="tmRoot"/>
+      </p:par>
+    </p:tnLst>
+  </p:timing>
 </p:sld>
 </file>
 
-<file path=ppt/slides/slide3.xml><?xml version="1.0" encoding="utf-8"?>
-<p:sld xmlns:a="http://schemas.openxmlformats.org/drawingml/2006/main" xmlns:r="http://schemas.openxmlformats.org/officeDocument/2006/relationships" xmlns:mc="http://schemas.openxmlformats.org/markup-compatibility/2006" xmlns:mv="urn:schemas-microsoft-com:mac:vml" xmlns:p="http://schemas.openxmlformats.org/presentationml/2006/main" xmlns:c="http://schemas.openxmlformats.org/drawingml/2006/chart" xmlns:dgm="http://schemas.openxmlformats.org/drawingml/2006/diagram" xmlns:o="urn:schemas-microsoft-com:office:office" xmlns:v="urn:schemas-microsoft-com:vml" xmlns:pvml="urn:schemas-microsoft-com:office:powerpoint" xmlns:com="http://schemas.openxmlformats.org/drawingml/2006/compatibility" xmlns:p14="http://schemas.microsoft.com/office/powerpoint/2010/main">
+<file path=ppt/slides/slide4.xml><?xml version="1.0" encoding="utf-8"?>
+<p:sld xmlns:a="http://schemas.openxmlformats.org/drawingml/2006/main" xmlns:r="http://schemas.openxmlformats.org/officeDocument/2006/relationships" xmlns:p="http://schemas.openxmlformats.org/presentationml/2006/main">
   <p:cSld>
     <p:spTree>
       <p:nvGrpSpPr>
-        <p:cNvPr id="65" name="Shape 65"/>
+        <p:cNvPr id="1" name="Shape 77"/>
         <p:cNvGrpSpPr/>
         <p:nvPr/>
       </p:nvGrpSpPr>
@@ -5540,8 +5841,10 @@
       </p:grpSpPr>
       <p:sp>
         <p:nvSpPr>
-          <p:cNvPr id="66" name="Shape 66"/>
-          <p:cNvSpPr txBox="1"/>
+          <p:cNvPr id="78" name="Shape 78"/>
+          <p:cNvSpPr txBox="1">
+            <a:spLocks noGrp="1"/>
+          </p:cNvSpPr>
           <p:nvPr>
             <p:ph type="title"/>
           </p:nvPr>
@@ -5556,7 +5859,7 @@
           </a:prstGeom>
         </p:spPr>
         <p:txBody>
-          <a:bodyPr anchorCtr="0" anchor="t" bIns="91425" lIns="91425" rIns="91425" tIns="91425">
+          <a:bodyPr lIns="91425" tIns="91425" rIns="91425" bIns="91425" anchor="t" anchorCtr="0">
             <a:noAutofit/>
           </a:bodyPr>
           <a:lstStyle/>
@@ -5569,33 +5872,32 @@
             </a:pPr>
             <a:r>
               <a:rPr lang="en"/>
-              <a:t>In class algorithm</a:t>
+              <a:t>Our algorithm</a:t>
             </a:r>
           </a:p>
         </p:txBody>
       </p:sp>
       <p:sp>
         <p:nvSpPr>
-          <p:cNvPr id="67" name="Shape 67"/>
-          <p:cNvSpPr txBox="1"/>
-          <p:nvPr>
-            <p:ph idx="1" type="body"/>
-          </p:nvPr>
-        </p:nvSpPr>
-        <p:spPr>
-          <a:xfrm>
-            <a:off x="311700" y="1108134"/>
+          <p:cNvPr id="79" name="Shape 79"/>
+          <p:cNvSpPr txBox="1">
+            <a:spLocks noGrp="1"/>
+          </p:cNvSpPr>
+          <p:nvPr>
+            <p:ph type="body" idx="1"/>
+          </p:nvPr>
+        </p:nvSpPr>
+        <p:spPr>
+          <a:xfrm>
+            <a:off x="311700" y="1152475"/>
             <a:ext cx="8520600" cy="3416400"/>
           </a:xfrm>
           <a:prstGeom prst="rect">
             <a:avLst/>
           </a:prstGeom>
-          <a:ln>
-            <a:noFill/>
-          </a:ln>
         </p:spPr>
         <p:txBody>
-          <a:bodyPr anchorCtr="0" anchor="t" bIns="91425" lIns="91425" rIns="91425" tIns="91425">
+          <a:bodyPr lIns="91425" tIns="91425" rIns="91425" bIns="91425" anchor="t" anchorCtr="0">
             <a:noAutofit/>
           </a:bodyPr>
           <a:lstStyle/>
@@ -5608,89 +5910,20 @@
             </a:pPr>
             <a:r>
               <a:rPr lang="en" sz="2400"/>
-              <a:t>Five grids</a:t>
+              <a:t>Update fish directory first, then update shark directory</a:t>
             </a:r>
-            <a:r>
-              <a:rPr lang="en" sz="2400"/>
-              <a:t>:</a:t>
-            </a:r>
-          </a:p>
-          <a:p>
-            <a:pPr indent="-381000" lvl="0" marL="457200" rtl="0">
-              <a:spcBef>
-                <a:spcPts val="0"/>
-              </a:spcBef>
-              <a:buSzPct val="100000"/>
-              <a:buChar char="-"/>
+          </a:p>
+          <a:p>
+            <a:pPr lvl="0">
+              <a:spcBef>
+                <a:spcPts val="0"/>
+              </a:spcBef>
+              <a:buNone/>
             </a:pPr>
             <a:r>
               <a:rPr lang="en" sz="2400"/>
-              <a:t>Fish: presence or absence of fish. -1 for no fish, otherwise age of fish</a:t>
+              <a:t>If fish or shark change position, update grid</a:t>
             </a:r>
-          </a:p>
-          <a:p>
-            <a:pPr indent="-381000" lvl="0" marL="457200" rtl="0">
-              <a:spcBef>
-                <a:spcPts val="0"/>
-              </a:spcBef>
-              <a:buSzPct val="100000"/>
-              <a:buChar char="-"/>
-            </a:pPr>
-            <a:r>
-              <a:rPr lang="en" sz="2400"/>
-              <a:t>Shark: presence or absence of shark</a:t>
-            </a:r>
-          </a:p>
-          <a:p>
-            <a:pPr indent="-381000" lvl="0" marL="457200" rtl="0">
-              <a:spcBef>
-                <a:spcPts val="0"/>
-              </a:spcBef>
-              <a:buSzPct val="100000"/>
-              <a:buChar char="-"/>
-            </a:pPr>
-            <a:r>
-              <a:rPr lang="en" sz="2400"/>
-              <a:t>Fishmove: hold a record whether fish has already been moved in current timestep</a:t>
-            </a:r>
-          </a:p>
-          <a:p>
-            <a:pPr indent="-381000" lvl="0" marL="457200" rtl="0">
-              <a:spcBef>
-                <a:spcPts val="0"/>
-              </a:spcBef>
-              <a:buSzPct val="100000"/>
-              <a:buChar char="-"/>
-            </a:pPr>
-            <a:r>
-              <a:rPr lang="en" sz="2400"/>
-              <a:t>Sharkmove: same for shark</a:t>
-            </a:r>
-          </a:p>
-          <a:p>
-            <a:pPr indent="-381000" lvl="0" marL="457200">
-              <a:spcBef>
-                <a:spcPts val="0"/>
-              </a:spcBef>
-              <a:buSzPct val="100000"/>
-              <a:buChar char="-"/>
-            </a:pPr>
-            <a:r>
-              <a:rPr lang="en" sz="2400"/>
-              <a:t>Sharkstarve: stores time when shark has last eaten</a:t>
-            </a:r>
-          </a:p>
-          <a:p>
-            <a:pPr lvl="0">
-              <a:spcBef>
-                <a:spcPts val="0"/>
-              </a:spcBef>
-              <a:buNone/>
-            </a:pPr>
-            <a:r>
-              <a:t/>
-            </a:r>
-            <a:endParaRPr/>
           </a:p>
         </p:txBody>
       </p:sp>
@@ -5702,12 +5935,12 @@
 </p:sld>
 </file>
 
-<file path=ppt/slides/slide4.xml><?xml version="1.0" encoding="utf-8"?>
-<p:sld xmlns:a="http://schemas.openxmlformats.org/drawingml/2006/main" xmlns:r="http://schemas.openxmlformats.org/officeDocument/2006/relationships" xmlns:mc="http://schemas.openxmlformats.org/markup-compatibility/2006" xmlns:mv="urn:schemas-microsoft-com:mac:vml" xmlns:p="http://schemas.openxmlformats.org/presentationml/2006/main" xmlns:c="http://schemas.openxmlformats.org/drawingml/2006/chart" xmlns:dgm="http://schemas.openxmlformats.org/drawingml/2006/diagram" xmlns:o="urn:schemas-microsoft-com:office:office" xmlns:v="urn:schemas-microsoft-com:vml" xmlns:pvml="urn:schemas-microsoft-com:office:powerpoint" xmlns:com="http://schemas.openxmlformats.org/drawingml/2006/compatibility" xmlns:p14="http://schemas.microsoft.com/office/powerpoint/2010/main">
+<file path=ppt/slides/slide5.xml><?xml version="1.0" encoding="utf-8"?>
+<p:sld xmlns:a="http://schemas.openxmlformats.org/drawingml/2006/main" xmlns:r="http://schemas.openxmlformats.org/officeDocument/2006/relationships" xmlns:p="http://schemas.openxmlformats.org/presentationml/2006/main">
   <p:cSld>
     <p:spTree>
       <p:nvGrpSpPr>
-        <p:cNvPr id="71" name="Shape 71"/>
+        <p:cNvPr id="1" name="Shape 83"/>
         <p:cNvGrpSpPr/>
         <p:nvPr/>
       </p:nvGrpSpPr>
@@ -5721,23 +5954,25 @@
       </p:grpSpPr>
       <p:sp>
         <p:nvSpPr>
-          <p:cNvPr id="72" name="Shape 72"/>
-          <p:cNvSpPr txBox="1"/>
+          <p:cNvPr id="84" name="Shape 84"/>
+          <p:cNvSpPr txBox="1">
+            <a:spLocks noGrp="1"/>
+          </p:cNvSpPr>
           <p:nvPr>
             <p:ph type="title"/>
           </p:nvPr>
         </p:nvSpPr>
         <p:spPr>
           <a:xfrm>
-            <a:off x="311700" y="341563"/>
-            <a:ext cx="8520600" cy="572699"/>
+            <a:off x="311700" y="445025"/>
+            <a:ext cx="8520600" cy="572700"/>
           </a:xfrm>
           <a:prstGeom prst="rect">
             <a:avLst/>
           </a:prstGeom>
         </p:spPr>
         <p:txBody>
-          <a:bodyPr anchorCtr="0" anchor="t" bIns="91425" lIns="91425" rIns="91425" tIns="91425">
+          <a:bodyPr lIns="91425" tIns="91425" rIns="91425" bIns="91425" anchor="t" anchorCtr="0">
             <a:noAutofit/>
           </a:bodyPr>
           <a:lstStyle/>
@@ -5750,22 +5985,24 @@
             </a:pPr>
             <a:r>
               <a:rPr lang="en"/>
-              <a:t>Our algorithm</a:t>
+              <a:t>Initial parameters</a:t>
             </a:r>
           </a:p>
         </p:txBody>
       </p:sp>
       <p:sp>
         <p:nvSpPr>
-          <p:cNvPr id="73" name="Shape 73"/>
-          <p:cNvSpPr txBox="1"/>
-          <p:nvPr>
-            <p:ph idx="1" type="body"/>
-          </p:nvPr>
-        </p:nvSpPr>
-        <p:spPr>
-          <a:xfrm>
-            <a:off x="311700" y="1049013"/>
+          <p:cNvPr id="85" name="Shape 85"/>
+          <p:cNvSpPr txBox="1">
+            <a:spLocks noGrp="1"/>
+          </p:cNvSpPr>
+          <p:nvPr>
+            <p:ph type="body" idx="1"/>
+          </p:nvPr>
+        </p:nvSpPr>
+        <p:spPr>
+          <a:xfrm>
+            <a:off x="311700" y="1152475"/>
             <a:ext cx="8520600" cy="3416400"/>
           </a:xfrm>
           <a:prstGeom prst="rect">
@@ -5773,15 +6010,12 @@
           </a:prstGeom>
         </p:spPr>
         <p:txBody>
-          <a:bodyPr anchorCtr="0" anchor="t" bIns="91425" lIns="91425" rIns="91425" tIns="91425">
+          <a:bodyPr lIns="91425" tIns="91425" rIns="91425" bIns="91425" anchor="t" anchorCtr="0">
             <a:noAutofit/>
           </a:bodyPr>
           <a:lstStyle/>
           <a:p>
             <a:pPr lvl="0">
-              <a:lnSpc>
-                <a:spcPct val="100000"/>
-              </a:lnSpc>
               <a:spcBef>
                 <a:spcPts val="0"/>
               </a:spcBef>
@@ -5789,14 +6023,11 @@
             </a:pPr>
             <a:r>
               <a:rPr lang="en" sz="2400"/>
-              <a:t>Two directories</a:t>
+              <a:t>To achieve quasi-periodic state:</a:t>
             </a:r>
           </a:p>
           <a:p>
-            <a:pPr indent="-381000" lvl="0" marL="457200" rtl="0">
-              <a:lnSpc>
-                <a:spcPct val="100000"/>
-              </a:lnSpc>
+            <a:pPr marL="457200" lvl="0" indent="-381000" rtl="0">
               <a:spcBef>
                 <a:spcPts val="0"/>
               </a:spcBef>
@@ -5805,14 +6036,11 @@
             </a:pPr>
             <a:r>
               <a:rPr lang="en" sz="2400"/>
-              <a:t>Age of the fish at every position (holds age and position)</a:t>
+              <a:t>40 x 40 grid</a:t>
             </a:r>
           </a:p>
           <a:p>
-            <a:pPr indent="-381000" lvl="0" marL="457200" rtl="0">
-              <a:lnSpc>
-                <a:spcPct val="100000"/>
-              </a:lnSpc>
+            <a:pPr marL="457200" lvl="0" indent="-381000" rtl="0">
               <a:spcBef>
                 <a:spcPts val="0"/>
               </a:spcBef>
@@ -5821,29 +6049,11 @@
             </a:pPr>
             <a:r>
               <a:rPr lang="en" sz="2400"/>
-              <a:t>Age of the shark and time since last meal at every position (holds age and position)</a:t>
+              <a:t>300 initial fish</a:t>
             </a:r>
           </a:p>
           <a:p>
-            <a:pPr lvl="0" rtl="0">
-              <a:lnSpc>
-                <a:spcPct val="100000"/>
-              </a:lnSpc>
-              <a:spcBef>
-                <a:spcPts val="0"/>
-              </a:spcBef>
-              <a:buNone/>
-            </a:pPr>
-            <a:r>
-              <a:rPr lang="en" sz="2400"/>
-              <a:t>One grid</a:t>
-            </a:r>
-          </a:p>
-          <a:p>
-            <a:pPr indent="-381000" lvl="0" marL="457200">
-              <a:lnSpc>
-                <a:spcPct val="100000"/>
-              </a:lnSpc>
+            <a:pPr marL="457200" lvl="0" indent="-381000" rtl="0">
               <a:spcBef>
                 <a:spcPts val="0"/>
               </a:spcBef>
@@ -5852,7 +6062,46 @@
             </a:pPr>
             <a:r>
               <a:rPr lang="en" sz="2400"/>
-              <a:t>Presence or absence of fish or shark (1 for fish, -1 for shark, 0 for nothing) at every position</a:t>
+              <a:t>20 initial shark</a:t>
+            </a:r>
+          </a:p>
+          <a:p>
+            <a:pPr marL="457200" lvl="0" indent="-381000" rtl="0">
+              <a:spcBef>
+                <a:spcPts val="0"/>
+              </a:spcBef>
+              <a:buSzPct val="100000"/>
+              <a:buChar char="-"/>
+            </a:pPr>
+            <a:r>
+              <a:rPr lang="en" sz="2400"/>
+              <a:t>10 step breeding age for fish</a:t>
+            </a:r>
+          </a:p>
+          <a:p>
+            <a:pPr marL="457200" lvl="0" indent="-381000" rtl="0">
+              <a:spcBef>
+                <a:spcPts val="0"/>
+              </a:spcBef>
+              <a:buSzPct val="100000"/>
+              <a:buChar char="-"/>
+            </a:pPr>
+            <a:r>
+              <a:rPr lang="en" sz="2400"/>
+              <a:t>20 step breeding age for shark</a:t>
+            </a:r>
+          </a:p>
+          <a:p>
+            <a:pPr marL="457200" lvl="0" indent="-381000" rtl="0">
+              <a:spcBef>
+                <a:spcPts val="0"/>
+              </a:spcBef>
+              <a:buSzPct val="100000"/>
+              <a:buChar char="-"/>
+            </a:pPr>
+            <a:r>
+              <a:rPr lang="en" sz="2400"/>
+              <a:t>10 step starvation time for shark</a:t>
             </a:r>
           </a:p>
         </p:txBody>
@@ -5865,12 +6114,12 @@
 </p:sld>
 </file>
 
-<file path=ppt/slides/slide5.xml><?xml version="1.0" encoding="utf-8"?>
-<p:sld xmlns:a="http://schemas.openxmlformats.org/drawingml/2006/main" xmlns:r="http://schemas.openxmlformats.org/officeDocument/2006/relationships" xmlns:mc="http://schemas.openxmlformats.org/markup-compatibility/2006" xmlns:mv="urn:schemas-microsoft-com:mac:vml" xmlns:p="http://schemas.openxmlformats.org/presentationml/2006/main" xmlns:c="http://schemas.openxmlformats.org/drawingml/2006/chart" xmlns:dgm="http://schemas.openxmlformats.org/drawingml/2006/diagram" xmlns:o="urn:schemas-microsoft-com:office:office" xmlns:v="urn:schemas-microsoft-com:vml" xmlns:pvml="urn:schemas-microsoft-com:office:powerpoint" xmlns:com="http://schemas.openxmlformats.org/drawingml/2006/compatibility" xmlns:p14="http://schemas.microsoft.com/office/powerpoint/2010/main">
+<file path=ppt/slides/slide6.xml><?xml version="1.0" encoding="utf-8"?>
+<p:sld xmlns:a="http://schemas.openxmlformats.org/drawingml/2006/main" xmlns:r="http://schemas.openxmlformats.org/officeDocument/2006/relationships" xmlns:p="http://schemas.openxmlformats.org/presentationml/2006/main">
   <p:cSld>
     <p:spTree>
       <p:nvGrpSpPr>
-        <p:cNvPr id="77" name="Shape 77"/>
+        <p:cNvPr id="1" name="Shape 89"/>
         <p:cNvGrpSpPr/>
         <p:nvPr/>
       </p:nvGrpSpPr>
@@ -5884,8 +6133,10 @@
       </p:grpSpPr>
       <p:sp>
         <p:nvSpPr>
-          <p:cNvPr id="78" name="Shape 78"/>
-          <p:cNvSpPr txBox="1"/>
+          <p:cNvPr id="90" name="Shape 90"/>
+          <p:cNvSpPr txBox="1">
+            <a:spLocks noGrp="1"/>
+          </p:cNvSpPr>
           <p:nvPr>
             <p:ph type="title"/>
           </p:nvPr>
@@ -5900,7 +6151,7 @@
           </a:prstGeom>
         </p:spPr>
         <p:txBody>
-          <a:bodyPr anchorCtr="0" anchor="t" bIns="91425" lIns="91425" rIns="91425" tIns="91425">
+          <a:bodyPr lIns="91425" tIns="91425" rIns="91425" bIns="91425" anchor="t" anchorCtr="0">
             <a:noAutofit/>
           </a:bodyPr>
           <a:lstStyle/>
@@ -5913,17 +6164,19 @@
             </a:pPr>
             <a:r>
               <a:rPr lang="en"/>
-              <a:t>Our algorithm</a:t>
+              <a:t>Initial parameters</a:t>
             </a:r>
           </a:p>
         </p:txBody>
       </p:sp>
       <p:sp>
         <p:nvSpPr>
-          <p:cNvPr id="79" name="Shape 79"/>
-          <p:cNvSpPr txBox="1"/>
-          <p:nvPr>
-            <p:ph idx="1" type="body"/>
+          <p:cNvPr id="91" name="Shape 91"/>
+          <p:cNvSpPr txBox="1">
+            <a:spLocks noGrp="1"/>
+          </p:cNvSpPr>
+          <p:nvPr>
+            <p:ph type="body" idx="1"/>
           </p:nvPr>
         </p:nvSpPr>
         <p:spPr>
@@ -5936,7 +6189,7 @@
           </a:prstGeom>
         </p:spPr>
         <p:txBody>
-          <a:bodyPr anchorCtr="0" anchor="t" bIns="91425" lIns="91425" rIns="91425" tIns="91425">
+          <a:bodyPr lIns="91425" tIns="91425" rIns="91425" bIns="91425" anchor="t" anchorCtr="0">
             <a:noAutofit/>
           </a:bodyPr>
           <a:lstStyle/>
@@ -5948,9 +6201,14 @@
               <a:buNone/>
             </a:pPr>
             <a:r>
-              <a:rPr lang="en" sz="2400"/>
-              <a:t>Update fish directory first, then update shark directory</a:t>
+              <a:rPr lang="en" sz="2400" dirty="0"/>
+              <a:t>15:1 ratio of </a:t>
             </a:r>
+            <a:r>
+              <a:rPr lang="en" sz="2400" dirty="0" err="1"/>
+              <a:t>fish:shark</a:t>
+            </a:r>
+            <a:endParaRPr lang="en" sz="2400" dirty="0"/>
           </a:p>
           <a:p>
             <a:pPr lvl="0">
@@ -5960,8 +6218,25 @@
               <a:buNone/>
             </a:pPr>
             <a:r>
-              <a:rPr lang="en" sz="2400"/>
-              <a:t>If fish or shark change position, update grid</a:t>
+              <a:rPr lang="en" sz="2400" dirty="0"/>
+              <a:t>1:2 ratio of breeding age for </a:t>
+            </a:r>
+            <a:r>
+              <a:rPr lang="en" sz="2400" dirty="0" err="1"/>
+              <a:t>fish:shark</a:t>
+            </a:r>
+            <a:endParaRPr lang="en" sz="2400" dirty="0"/>
+          </a:p>
+          <a:p>
+            <a:pPr lvl="0">
+              <a:spcBef>
+                <a:spcPts val="0"/>
+              </a:spcBef>
+              <a:buNone/>
+            </a:pPr>
+            <a:r>
+              <a:rPr lang="en" sz="2400" dirty="0"/>
+              <a:t>Otherwise, species might go to extinction</a:t>
             </a:r>
           </a:p>
         </p:txBody>
@@ -5974,12 +6249,12 @@
 </p:sld>
 </file>
 
-<file path=ppt/slides/slide6.xml><?xml version="1.0" encoding="utf-8"?>
-<p:sld xmlns:a="http://schemas.openxmlformats.org/drawingml/2006/main" xmlns:r="http://schemas.openxmlformats.org/officeDocument/2006/relationships" xmlns:mc="http://schemas.openxmlformats.org/markup-compatibility/2006" xmlns:mv="urn:schemas-microsoft-com:mac:vml" xmlns:p="http://schemas.openxmlformats.org/presentationml/2006/main" xmlns:c="http://schemas.openxmlformats.org/drawingml/2006/chart" xmlns:dgm="http://schemas.openxmlformats.org/drawingml/2006/diagram" xmlns:o="urn:schemas-microsoft-com:office:office" xmlns:v="urn:schemas-microsoft-com:vml" xmlns:pvml="urn:schemas-microsoft-com:office:powerpoint" xmlns:com="http://schemas.openxmlformats.org/drawingml/2006/compatibility" xmlns:p14="http://schemas.microsoft.com/office/powerpoint/2010/main">
+<file path=ppt/slides/slide7.xml><?xml version="1.0" encoding="utf-8"?>
+<p:sld xmlns:a="http://schemas.openxmlformats.org/drawingml/2006/main" xmlns:r="http://schemas.openxmlformats.org/officeDocument/2006/relationships" xmlns:p="http://schemas.openxmlformats.org/presentationml/2006/main">
   <p:cSld>
     <p:spTree>
       <p:nvGrpSpPr>
-        <p:cNvPr id="83" name="Shape 83"/>
+        <p:cNvPr id="1" name="Shape 128"/>
         <p:cNvGrpSpPr/>
         <p:nvPr/>
       </p:nvGrpSpPr>
@@ -5993,8 +6268,10 @@
       </p:grpSpPr>
       <p:sp>
         <p:nvSpPr>
-          <p:cNvPr id="84" name="Shape 84"/>
-          <p:cNvSpPr txBox="1"/>
+          <p:cNvPr id="129" name="Shape 129"/>
+          <p:cNvSpPr txBox="1">
+            <a:spLocks noGrp="1"/>
+          </p:cNvSpPr>
           <p:nvPr>
             <p:ph type="title"/>
           </p:nvPr>
@@ -6009,7 +6286,7 @@
           </a:prstGeom>
         </p:spPr>
         <p:txBody>
-          <a:bodyPr anchorCtr="0" anchor="t" bIns="91425" lIns="91425" rIns="91425" tIns="91425">
+          <a:bodyPr lIns="91425" tIns="91425" rIns="91425" bIns="91425" anchor="t" anchorCtr="0">
             <a:noAutofit/>
           </a:bodyPr>
           <a:lstStyle/>
@@ -6021,18 +6298,20 @@
               <a:buNone/>
             </a:pPr>
             <a:r>
-              <a:rPr lang="en"/>
-              <a:t>Initial parameters</a:t>
+              <a:rPr lang="en" dirty="0"/>
+              <a:t>Video</a:t>
             </a:r>
           </a:p>
         </p:txBody>
       </p:sp>
       <p:sp>
         <p:nvSpPr>
-          <p:cNvPr id="85" name="Shape 85"/>
-          <p:cNvSpPr txBox="1"/>
-          <p:nvPr>
-            <p:ph idx="1" type="body"/>
+          <p:cNvPr id="130" name="Shape 130"/>
+          <p:cNvSpPr txBox="1">
+            <a:spLocks noGrp="1"/>
+          </p:cNvSpPr>
+          <p:nvPr>
+            <p:ph type="body" idx="1"/>
           </p:nvPr>
         </p:nvSpPr>
         <p:spPr>
@@ -6045,7 +6324,7 @@
           </a:prstGeom>
         </p:spPr>
         <p:txBody>
-          <a:bodyPr anchorCtr="0" anchor="t" bIns="91425" lIns="91425" rIns="91425" tIns="91425">
+          <a:bodyPr lIns="91425" tIns="91425" rIns="91425" bIns="91425" anchor="t" anchorCtr="0">
             <a:noAutofit/>
           </a:bodyPr>
           <a:lstStyle/>
@@ -6057,86 +6336,13 @@
               <a:buNone/>
             </a:pPr>
             <a:r>
-              <a:rPr lang="en" sz="2400"/>
-              <a:t>To achieve quasi-periodic state:</a:t>
-            </a:r>
-          </a:p>
-          <a:p>
-            <a:pPr indent="-381000" lvl="0" marL="457200" rtl="0">
-              <a:spcBef>
-                <a:spcPts val="0"/>
-              </a:spcBef>
-              <a:buSzPct val="100000"/>
-              <a:buChar char="-"/>
-            </a:pPr>
-            <a:r>
-              <a:rPr lang="en" sz="2400"/>
-              <a:t>40 x 40 grid</a:t>
-            </a:r>
-          </a:p>
-          <a:p>
-            <a:pPr indent="-381000" lvl="0" marL="457200" rtl="0">
-              <a:spcBef>
-                <a:spcPts val="0"/>
-              </a:spcBef>
-              <a:buSzPct val="100000"/>
-              <a:buChar char="-"/>
-            </a:pPr>
-            <a:r>
-              <a:rPr lang="en" sz="2400"/>
-              <a:t>300 initial fish</a:t>
-            </a:r>
-          </a:p>
-          <a:p>
-            <a:pPr indent="-381000" lvl="0" marL="457200" rtl="0">
-              <a:spcBef>
-                <a:spcPts val="0"/>
-              </a:spcBef>
-              <a:buSzPct val="100000"/>
-              <a:buChar char="-"/>
-            </a:pPr>
-            <a:r>
-              <a:rPr lang="en" sz="2400"/>
-              <a:t>20 initial shark</a:t>
-            </a:r>
-          </a:p>
-          <a:p>
-            <a:pPr indent="-381000" lvl="0" marL="457200" rtl="0">
-              <a:spcBef>
-                <a:spcPts val="0"/>
-              </a:spcBef>
-              <a:buSzPct val="100000"/>
-              <a:buChar char="-"/>
-            </a:pPr>
-            <a:r>
-              <a:rPr lang="en" sz="2400"/>
-              <a:t>10 step breeding age for fish</a:t>
-            </a:r>
-          </a:p>
-          <a:p>
-            <a:pPr indent="-381000" lvl="0" marL="457200" rtl="0">
-              <a:spcBef>
-                <a:spcPts val="0"/>
-              </a:spcBef>
-              <a:buSzPct val="100000"/>
-              <a:buChar char="-"/>
-            </a:pPr>
-            <a:r>
-              <a:rPr lang="en" sz="2400"/>
-              <a:t>20 step breeding age for shark</a:t>
-            </a:r>
-          </a:p>
-          <a:p>
-            <a:pPr indent="-381000" lvl="0" marL="457200" rtl="0">
-              <a:spcBef>
-                <a:spcPts val="0"/>
-              </a:spcBef>
-              <a:buSzPct val="100000"/>
-              <a:buChar char="-"/>
-            </a:pPr>
-            <a:r>
-              <a:rPr lang="en" sz="2400"/>
-              <a:t>10 step starvation time for shark</a:t>
+              <a:rPr lang="en" sz="2400" u="sng" dirty="0">
+                <a:solidFill>
+                  <a:schemeClr val="hlink"/>
+                </a:solidFill>
+                <a:hlinkClick r:id="rId3"/>
+              </a:rPr>
+              <a:t>Here</a:t>
             </a:r>
           </a:p>
         </p:txBody>
@@ -6149,12 +6355,12 @@
 </p:sld>
 </file>
 
-<file path=ppt/slides/slide7.xml><?xml version="1.0" encoding="utf-8"?>
-<p:sld xmlns:a="http://schemas.openxmlformats.org/drawingml/2006/main" xmlns:r="http://schemas.openxmlformats.org/officeDocument/2006/relationships" xmlns:mc="http://schemas.openxmlformats.org/markup-compatibility/2006" xmlns:mv="urn:schemas-microsoft-com:mac:vml" xmlns:p="http://schemas.openxmlformats.org/presentationml/2006/main" xmlns:c="http://schemas.openxmlformats.org/drawingml/2006/chart" xmlns:dgm="http://schemas.openxmlformats.org/drawingml/2006/diagram" xmlns:o="urn:schemas-microsoft-com:office:office" xmlns:v="urn:schemas-microsoft-com:vml" xmlns:pvml="urn:schemas-microsoft-com:office:powerpoint" xmlns:com="http://schemas.openxmlformats.org/drawingml/2006/compatibility" xmlns:p14="http://schemas.microsoft.com/office/powerpoint/2010/main">
+<file path=ppt/slides/slide8.xml><?xml version="1.0" encoding="utf-8"?>
+<p:sld xmlns:a="http://schemas.openxmlformats.org/drawingml/2006/main" xmlns:r="http://schemas.openxmlformats.org/officeDocument/2006/relationships" xmlns:p="http://schemas.openxmlformats.org/presentationml/2006/main">
   <p:cSld>
     <p:spTree>
       <p:nvGrpSpPr>
-        <p:cNvPr id="89" name="Shape 89"/>
+        <p:cNvPr id="1" name="Shape 95"/>
         <p:cNvGrpSpPr/>
         <p:nvPr/>
       </p:nvGrpSpPr>
@@ -6168,8 +6374,10 @@
       </p:grpSpPr>
       <p:sp>
         <p:nvSpPr>
-          <p:cNvPr id="90" name="Shape 90"/>
-          <p:cNvSpPr txBox="1"/>
+          <p:cNvPr id="96" name="Shape 96"/>
+          <p:cNvSpPr txBox="1">
+            <a:spLocks noGrp="1"/>
+          </p:cNvSpPr>
           <p:nvPr>
             <p:ph type="title"/>
           </p:nvPr>
@@ -6184,7 +6392,7 @@
           </a:prstGeom>
         </p:spPr>
         <p:txBody>
-          <a:bodyPr anchorCtr="0" anchor="t" bIns="91425" lIns="91425" rIns="91425" tIns="91425">
+          <a:bodyPr lIns="91425" tIns="91425" rIns="91425" bIns="91425" anchor="t" anchorCtr="0">
             <a:noAutofit/>
           </a:bodyPr>
           <a:lstStyle/>
@@ -6195,19 +6403,18 @@
               </a:spcBef>
               <a:buNone/>
             </a:pPr>
-            <a:r>
-              <a:rPr lang="en"/>
-              <a:t>Initial parameters</a:t>
-            </a:r>
+            <a:endParaRPr/>
           </a:p>
         </p:txBody>
       </p:sp>
       <p:sp>
         <p:nvSpPr>
-          <p:cNvPr id="91" name="Shape 91"/>
-          <p:cNvSpPr txBox="1"/>
-          <p:nvPr>
-            <p:ph idx="1" type="body"/>
+          <p:cNvPr id="97" name="Shape 97"/>
+          <p:cNvSpPr txBox="1">
+            <a:spLocks noGrp="1"/>
+          </p:cNvSpPr>
+          <p:nvPr>
+            <p:ph type="body" idx="1"/>
           </p:nvPr>
         </p:nvSpPr>
         <p:spPr>
@@ -6220,7 +6427,7 @@
           </a:prstGeom>
         </p:spPr>
         <p:txBody>
-          <a:bodyPr anchorCtr="0" anchor="t" bIns="91425" lIns="91425" rIns="91425" tIns="91425">
+          <a:bodyPr lIns="91425" tIns="91425" rIns="91425" bIns="91425" anchor="t" anchorCtr="0">
             <a:noAutofit/>
           </a:bodyPr>
           <a:lstStyle/>
@@ -6231,11 +6438,62 @@
               </a:spcBef>
               <a:buNone/>
             </a:pPr>
-            <a:r>
-              <a:rPr lang="en" sz="2400"/>
-              <a:t>15:1 ratio of fish:shark</a:t>
-            </a:r>
-          </a:p>
+            <a:endParaRPr/>
+          </a:p>
+        </p:txBody>
+      </p:sp>
+      <p:pic>
+        <p:nvPicPr>
+          <p:cNvPr id="98" name="Shape 98" descr="population-page-001.jpg"/>
+          <p:cNvPicPr preferRelativeResize="0"/>
+          <p:nvPr/>
+        </p:nvPicPr>
+        <p:blipFill>
+          <a:blip r:embed="rId3">
+            <a:alphaModFix/>
+          </a:blip>
+          <a:stretch>
+            <a:fillRect/>
+          </a:stretch>
+        </p:blipFill>
+        <p:spPr>
+          <a:xfrm>
+            <a:off x="165270" y="171450"/>
+            <a:ext cx="6091833" cy="4568874"/>
+          </a:xfrm>
+          <a:prstGeom prst="rect">
+            <a:avLst/>
+          </a:prstGeom>
+          <a:noFill/>
+          <a:ln>
+            <a:noFill/>
+          </a:ln>
+        </p:spPr>
+      </p:pic>
+      <p:sp>
+        <p:nvSpPr>
+          <p:cNvPr id="99" name="Shape 99"/>
+          <p:cNvSpPr txBox="1"/>
+          <p:nvPr/>
+        </p:nvSpPr>
+        <p:spPr>
+          <a:xfrm>
+            <a:off x="6257100" y="1239869"/>
+            <a:ext cx="2575200" cy="2751300"/>
+          </a:xfrm>
+          <a:prstGeom prst="rect">
+            <a:avLst/>
+          </a:prstGeom>
+          <a:noFill/>
+          <a:ln>
+            <a:noFill/>
+          </a:ln>
+        </p:spPr>
+        <p:txBody>
+          <a:bodyPr lIns="91425" tIns="91425" rIns="91425" bIns="91425" anchor="t" anchorCtr="0">
+            <a:noAutofit/>
+          </a:bodyPr>
+          <a:lstStyle/>
           <a:p>
             <a:pPr lvl="0">
               <a:spcBef>
@@ -6245,11 +6503,20 @@
             </a:pPr>
             <a:r>
               <a:rPr lang="en" sz="2400"/>
-              <a:t>1:2 ratio of breeding age for fish:shark</a:t>
+              <a:t>Fish amplitude is not constant</a:t>
             </a:r>
           </a:p>
           <a:p>
             <a:pPr lvl="0">
+              <a:spcBef>
+                <a:spcPts val="0"/>
+              </a:spcBef>
+              <a:buNone/>
+            </a:pPr>
+            <a:endParaRPr sz="2400"/>
+          </a:p>
+          <a:p>
+            <a:pPr lvl="0" rtl="0">
               <a:spcBef>
                 <a:spcPts val="0"/>
               </a:spcBef>
@@ -6257,7 +6524,7 @@
             </a:pPr>
             <a:r>
               <a:rPr lang="en" sz="2400"/>
-              <a:t>Otherwise, species might go to extinction</a:t>
+              <a:t>Shark plot is phase-shifted a little from fish plot, as expected</a:t>
             </a:r>
           </a:p>
         </p:txBody>
@@ -6270,12 +6537,12 @@
 </p:sld>
 </file>
 
-<file path=ppt/slides/slide8.xml><?xml version="1.0" encoding="utf-8"?>
-<p:sld xmlns:a="http://schemas.openxmlformats.org/drawingml/2006/main" xmlns:r="http://schemas.openxmlformats.org/officeDocument/2006/relationships" xmlns:mc="http://schemas.openxmlformats.org/markup-compatibility/2006" xmlns:mv="urn:schemas-microsoft-com:mac:vml" xmlns:p="http://schemas.openxmlformats.org/presentationml/2006/main" xmlns:c="http://schemas.openxmlformats.org/drawingml/2006/chart" xmlns:dgm="http://schemas.openxmlformats.org/drawingml/2006/diagram" xmlns:o="urn:schemas-microsoft-com:office:office" xmlns:v="urn:schemas-microsoft-com:vml" xmlns:pvml="urn:schemas-microsoft-com:office:powerpoint" xmlns:com="http://schemas.openxmlformats.org/drawingml/2006/compatibility" xmlns:p14="http://schemas.microsoft.com/office/powerpoint/2010/main">
+<file path=ppt/slides/slide9.xml><?xml version="1.0" encoding="utf-8"?>
+<p:sld xmlns:a="http://schemas.openxmlformats.org/drawingml/2006/main" xmlns:r="http://schemas.openxmlformats.org/officeDocument/2006/relationships" xmlns:p="http://schemas.openxmlformats.org/presentationml/2006/main">
   <p:cSld>
     <p:spTree>
       <p:nvGrpSpPr>
-        <p:cNvPr id="95" name="Shape 95"/>
+        <p:cNvPr id="1" name="Shape 103"/>
         <p:cNvGrpSpPr/>
         <p:nvPr/>
       </p:nvGrpSpPr>
@@ -6289,8 +6556,10 @@
       </p:grpSpPr>
       <p:sp>
         <p:nvSpPr>
-          <p:cNvPr id="96" name="Shape 96"/>
-          <p:cNvSpPr txBox="1"/>
+          <p:cNvPr id="104" name="Shape 104"/>
+          <p:cNvSpPr txBox="1">
+            <a:spLocks noGrp="1"/>
+          </p:cNvSpPr>
           <p:nvPr>
             <p:ph type="title"/>
           </p:nvPr>
@@ -6305,7 +6574,7 @@
           </a:prstGeom>
         </p:spPr>
         <p:txBody>
-          <a:bodyPr anchorCtr="0" anchor="t" bIns="91425" lIns="91425" rIns="91425" tIns="91425">
+          <a:bodyPr lIns="91425" tIns="91425" rIns="91425" bIns="91425" anchor="t" anchorCtr="0">
             <a:noAutofit/>
           </a:bodyPr>
           <a:lstStyle/>
@@ -6317,18 +6586,20 @@
               <a:buNone/>
             </a:pPr>
             <a:r>
-              <a:t/>
+              <a:rPr lang="en"/>
+              <a:t>Lotka-Vdterra equations</a:t>
             </a:r>
-            <a:endParaRPr/>
           </a:p>
         </p:txBody>
       </p:sp>
       <p:sp>
         <p:nvSpPr>
-          <p:cNvPr id="97" name="Shape 97"/>
-          <p:cNvSpPr txBox="1"/>
-          <p:nvPr>
-            <p:ph idx="1" type="body"/>
+          <p:cNvPr id="105" name="Shape 105"/>
+          <p:cNvSpPr txBox="1">
+            <a:spLocks noGrp="1"/>
+          </p:cNvSpPr>
+          <p:nvPr>
+            <p:ph type="body" idx="1"/>
           </p:nvPr>
         </p:nvSpPr>
         <p:spPr>
@@ -6341,7 +6612,7 @@
           </a:prstGeom>
         </p:spPr>
         <p:txBody>
-          <a:bodyPr anchorCtr="0" anchor="t" bIns="91425" lIns="91425" rIns="91425" tIns="91425">
+          <a:bodyPr lIns="91425" tIns="91425" rIns="91425" bIns="91425" anchor="t" anchorCtr="0">
             <a:noAutofit/>
           </a:bodyPr>
           <a:lstStyle/>
@@ -6352,16 +6623,13 @@
               </a:spcBef>
               <a:buNone/>
             </a:pPr>
-            <a:r>
-              <a:t/>
-            </a:r>
             <a:endParaRPr/>
           </a:p>
         </p:txBody>
       </p:sp>
       <p:pic>
         <p:nvPicPr>
-          <p:cNvPr descr="population-page-001.jpg" id="98" name="Shape 98"/>
+          <p:cNvPr id="106" name="Shape 106" descr="gp2_lotka.JPG"/>
           <p:cNvPicPr preferRelativeResize="0"/>
           <p:nvPr/>
         </p:nvPicPr>
@@ -6375,8 +6643,8 @@
         </p:blipFill>
         <p:spPr>
           <a:xfrm>
-            <a:off x="165270" y="171450"/>
-            <a:ext cx="6091833" cy="4568874"/>
+            <a:off x="311710" y="1568785"/>
+            <a:ext cx="4109774" cy="2583775"/>
           </a:xfrm>
           <a:prstGeom prst="rect">
             <a:avLst/>
@@ -6389,14 +6657,14 @@
       </p:pic>
       <p:sp>
         <p:nvSpPr>
-          <p:cNvPr id="99" name="Shape 99"/>
+          <p:cNvPr id="107" name="Shape 107"/>
           <p:cNvSpPr txBox="1"/>
           <p:nvPr/>
         </p:nvSpPr>
         <p:spPr>
           <a:xfrm>
-            <a:off x="6257100" y="1239869"/>
-            <a:ext cx="2575200" cy="2751300"/>
+            <a:off x="4784700" y="1446475"/>
+            <a:ext cx="3417600" cy="2706000"/>
           </a:xfrm>
           <a:prstGeom prst="rect">
             <a:avLst/>
@@ -6407,7 +6675,7 @@
           </a:ln>
         </p:spPr>
         <p:txBody>
-          <a:bodyPr anchorCtr="0" anchor="t" bIns="91425" lIns="91425" rIns="91425" tIns="91425">
+          <a:bodyPr lIns="91425" tIns="91425" rIns="91425" bIns="91425" anchor="t" anchorCtr="0">
             <a:noAutofit/>
           </a:bodyPr>
           <a:lstStyle/>
@@ -6418,269 +6686,7 @@
               </a:spcBef>
               <a:buNone/>
             </a:pPr>
-            <a:r>
-              <a:rPr lang="en" sz="2400"/>
-              <a:t>Fish amplitude is not constant</a:t>
-            </a:r>
-          </a:p>
-          <a:p>
-            <a:pPr lvl="0">
-              <a:spcBef>
-                <a:spcPts val="0"/>
-              </a:spcBef>
-              <a:buNone/>
-            </a:pPr>
-            <a:r>
-              <a:t/>
-            </a:r>
-            <a:endParaRPr sz="2400"/>
-          </a:p>
-          <a:p>
-            <a:pPr lvl="0" rtl="0">
-              <a:spcBef>
-                <a:spcPts val="0"/>
-              </a:spcBef>
-              <a:buNone/>
-            </a:pPr>
-            <a:r>
-              <a:rPr lang="en" sz="2400"/>
-              <a:t>Shark plot is phase-shifted a little from fish plot, as expected</a:t>
-            </a:r>
-          </a:p>
-        </p:txBody>
-      </p:sp>
-    </p:spTree>
-  </p:cSld>
-  <p:clrMapOvr>
-    <a:masterClrMapping/>
-  </p:clrMapOvr>
-</p:sld>
-</file>
-
-<file path=ppt/slides/slide9.xml><?xml version="1.0" encoding="utf-8"?>
-<p:sld xmlns:a="http://schemas.openxmlformats.org/drawingml/2006/main" xmlns:r="http://schemas.openxmlformats.org/officeDocument/2006/relationships" xmlns:mc="http://schemas.openxmlformats.org/markup-compatibility/2006" xmlns:mv="urn:schemas-microsoft-com:mac:vml" xmlns:p="http://schemas.openxmlformats.org/presentationml/2006/main" xmlns:c="http://schemas.openxmlformats.org/drawingml/2006/chart" xmlns:dgm="http://schemas.openxmlformats.org/drawingml/2006/diagram" xmlns:o="urn:schemas-microsoft-com:office:office" xmlns:v="urn:schemas-microsoft-com:vml" xmlns:pvml="urn:schemas-microsoft-com:office:powerpoint" xmlns:com="http://schemas.openxmlformats.org/drawingml/2006/compatibility" xmlns:p14="http://schemas.microsoft.com/office/powerpoint/2010/main">
-  <p:cSld>
-    <p:spTree>
-      <p:nvGrpSpPr>
-        <p:cNvPr id="103" name="Shape 103"/>
-        <p:cNvGrpSpPr/>
-        <p:nvPr/>
-      </p:nvGrpSpPr>
-      <p:grpSpPr>
-        <a:xfrm>
-          <a:off x="0" y="0"/>
-          <a:ext cx="0" cy="0"/>
-          <a:chOff x="0" y="0"/>
-          <a:chExt cx="0" cy="0"/>
-        </a:xfrm>
-      </p:grpSpPr>
-      <p:sp>
-        <p:nvSpPr>
-          <p:cNvPr id="104" name="Shape 104"/>
-          <p:cNvSpPr txBox="1"/>
-          <p:nvPr>
-            <p:ph type="title"/>
-          </p:nvPr>
-        </p:nvSpPr>
-        <p:spPr>
-          <a:xfrm>
-            <a:off x="311700" y="445025"/>
-            <a:ext cx="8520600" cy="572700"/>
-          </a:xfrm>
-          <a:prstGeom prst="rect">
-            <a:avLst/>
-          </a:prstGeom>
-        </p:spPr>
-        <p:txBody>
-          <a:bodyPr anchorCtr="0" anchor="t" bIns="91425" lIns="91425" rIns="91425" tIns="91425">
-            <a:noAutofit/>
-          </a:bodyPr>
-          <a:lstStyle/>
-          <a:p>
-            <a:pPr lvl="0">
-              <a:spcBef>
-                <a:spcPts val="0"/>
-              </a:spcBef>
-              <a:buNone/>
-            </a:pPr>
-            <a:r>
-              <a:rPr lang="en"/>
-              <a:t>Lotka-Vdterra equations</a:t>
-            </a:r>
-          </a:p>
-        </p:txBody>
-      </p:sp>
-      <p:sp>
-        <p:nvSpPr>
-          <p:cNvPr id="105" name="Shape 105"/>
-          <p:cNvSpPr txBox="1"/>
-          <p:nvPr>
-            <p:ph idx="1" type="body"/>
-          </p:nvPr>
-        </p:nvSpPr>
-        <p:spPr>
-          <a:xfrm>
-            <a:off x="311700" y="1152475"/>
-            <a:ext cx="8520600" cy="3416400"/>
-          </a:xfrm>
-          <a:prstGeom prst="rect">
-            <a:avLst/>
-          </a:prstGeom>
-        </p:spPr>
-        <p:txBody>
-          <a:bodyPr anchorCtr="0" anchor="t" bIns="91425" lIns="91425" rIns="91425" tIns="91425">
-            <a:noAutofit/>
-          </a:bodyPr>
-          <a:lstStyle/>
-          <a:p>
-            <a:pPr lvl="0">
-              <a:spcBef>
-                <a:spcPts val="0"/>
-              </a:spcBef>
-              <a:buNone/>
-            </a:pPr>
-            <a:r>
-              <a:t/>
-            </a:r>
-            <a:endParaRPr/>
-          </a:p>
-        </p:txBody>
-      </p:sp>
-      <p:pic>
-        <p:nvPicPr>
-          <p:cNvPr descr="gp2_lotka.JPG" id="106" name="Shape 106"/>
-          <p:cNvPicPr preferRelativeResize="0"/>
-          <p:nvPr/>
-        </p:nvPicPr>
-        <p:blipFill>
-          <a:blip r:embed="rId3">
-            <a:alphaModFix/>
-          </a:blip>
-          <a:stretch>
-            <a:fillRect/>
-          </a:stretch>
-        </p:blipFill>
-        <p:spPr>
-          <a:xfrm>
-            <a:off x="311710" y="1568785"/>
-            <a:ext cx="4109774" cy="2583775"/>
-          </a:xfrm>
-          <a:prstGeom prst="rect">
-            <a:avLst/>
-          </a:prstGeom>
-          <a:noFill/>
-          <a:ln>
-            <a:noFill/>
-          </a:ln>
-        </p:spPr>
-      </p:pic>
-      <p:sp>
-        <p:nvSpPr>
-          <p:cNvPr id="107" name="Shape 107"/>
-          <p:cNvSpPr txBox="1"/>
-          <p:nvPr/>
-        </p:nvSpPr>
-        <p:spPr>
-          <a:xfrm>
-            <a:off x="4784700" y="1446475"/>
-            <a:ext cx="3417600" cy="2706000"/>
-          </a:xfrm>
-          <a:prstGeom prst="rect">
-            <a:avLst/>
-          </a:prstGeom>
-          <a:noFill/>
-          <a:ln>
-            <a:noFill/>
-          </a:ln>
-        </p:spPr>
-        <p:txBody>
-          <a:bodyPr anchorCtr="0" anchor="t" bIns="91425" lIns="91425" rIns="91425" tIns="91425">
-            <a:noAutofit/>
-          </a:bodyPr>
-          <a:lstStyle/>
-          <a:p>
-            <a:pPr lvl="0">
-              <a:spcBef>
-                <a:spcPts val="0"/>
-              </a:spcBef>
-              <a:buNone/>
-            </a:pPr>
-            <a:r>
-              <a:rPr lang="en" sz="2400"/>
-              <a:t>Setting both to zero gives </a:t>
-            </a:r>
-          </a:p>
-          <a:p>
-            <a:pPr lvl="0">
-              <a:spcBef>
-                <a:spcPts val="0"/>
-              </a:spcBef>
-              <a:buNone/>
-            </a:pPr>
-            <a:r>
-              <a:t/>
-            </a:r>
-            <a:endParaRPr sz="2400"/>
-          </a:p>
-          <a:p>
-            <a:pPr lvl="0">
-              <a:spcBef>
-                <a:spcPts val="0"/>
-              </a:spcBef>
-              <a:buNone/>
-            </a:pPr>
-            <a:r>
-              <a:rPr lang="en" sz="2400"/>
-              <a:t>x as a min/max when </a:t>
-            </a:r>
-          </a:p>
-          <a:p>
-            <a:pPr lvl="0">
-              <a:spcBef>
-                <a:spcPts val="0"/>
-              </a:spcBef>
-              <a:buNone/>
-            </a:pPr>
-            <a:r>
-              <a:rPr lang="en" sz="2400"/>
-              <a:t>y = α / β</a:t>
-            </a:r>
-          </a:p>
-          <a:p>
-            <a:pPr lvl="0">
-              <a:spcBef>
-                <a:spcPts val="0"/>
-              </a:spcBef>
-              <a:buNone/>
-            </a:pPr>
-            <a:r>
-              <a:t/>
-            </a:r>
-            <a:endParaRPr sz="2400"/>
-          </a:p>
-          <a:p>
-            <a:pPr lvl="0">
-              <a:spcBef>
-                <a:spcPts val="0"/>
-              </a:spcBef>
-              <a:buNone/>
-            </a:pPr>
-            <a:r>
-              <a:rPr lang="en" sz="2400"/>
-              <a:t>y as a min/max when</a:t>
-            </a:r>
-          </a:p>
-          <a:p>
-            <a:pPr lvl="0">
-              <a:spcBef>
-                <a:spcPts val="0"/>
-              </a:spcBef>
-              <a:buNone/>
-            </a:pPr>
-            <a:r>
-              <a:rPr lang="en" sz="2400"/>
-              <a:t>x = γ / ẟ</a:t>
-            </a:r>
+            <a:endParaRPr lang="en" sz="2400" dirty="0"/>
           </a:p>
         </p:txBody>
       </p:sp>
@@ -6693,7 +6699,288 @@
 </file>
 
 <file path=ppt/theme/theme1.xml><?xml version="1.0" encoding="utf-8"?>
-<a:theme xmlns:a="http://schemas.openxmlformats.org/drawingml/2006/main" xmlns:r="http://schemas.openxmlformats.org/officeDocument/2006/relationships" name="Custom Theme">
+<a:theme xmlns:a="http://schemas.openxmlformats.org/drawingml/2006/main" name="simple-light-2">
+  <a:themeElements>
+    <a:clrScheme name="Simple Light">
+      <a:dk1>
+        <a:srgbClr val="000000"/>
+      </a:dk1>
+      <a:lt1>
+        <a:srgbClr val="FFFFFF"/>
+      </a:lt1>
+      <a:dk2>
+        <a:srgbClr val="595959"/>
+      </a:dk2>
+      <a:lt2>
+        <a:srgbClr val="EEEEEE"/>
+      </a:lt2>
+      <a:accent1>
+        <a:srgbClr val="FFAB40"/>
+      </a:accent1>
+      <a:accent2>
+        <a:srgbClr val="212121"/>
+      </a:accent2>
+      <a:accent3>
+        <a:srgbClr val="78909C"/>
+      </a:accent3>
+      <a:accent4>
+        <a:srgbClr val="FFAB40"/>
+      </a:accent4>
+      <a:accent5>
+        <a:srgbClr val="0097A7"/>
+      </a:accent5>
+      <a:accent6>
+        <a:srgbClr val="EEFF41"/>
+      </a:accent6>
+      <a:hlink>
+        <a:srgbClr val="0097A7"/>
+      </a:hlink>
+      <a:folHlink>
+        <a:srgbClr val="0097A7"/>
+      </a:folHlink>
+    </a:clrScheme>
+    <a:fontScheme name="Office">
+      <a:majorFont>
+        <a:latin typeface="Arial"/>
+        <a:ea typeface=""/>
+        <a:cs typeface=""/>
+        <a:font script="Jpan" typeface="ＭＳ Ｐゴシック"/>
+        <a:font script="Hang" typeface="맑은 고딕"/>
+        <a:font script="Hans" typeface="宋体"/>
+        <a:font script="Hant" typeface="新細明體"/>
+        <a:font script="Arab" typeface="Times New Roman"/>
+        <a:font script="Hebr" typeface="Times New Roman"/>
+        <a:font script="Thai" typeface="Angsana New"/>
+        <a:font script="Ethi" typeface="Nyala"/>
+        <a:font script="Beng" typeface="Vrinda"/>
+        <a:font script="Gujr" typeface="Shruti"/>
+        <a:font script="Khmr" typeface="MoolBoran"/>
+        <a:font script="Knda" typeface="Tunga"/>
+        <a:font script="Guru" typeface="Raavi"/>
+        <a:font script="Cans" typeface="Euphemia"/>
+        <a:font script="Cher" typeface="Plantagenet Cherokee"/>
+        <a:font script="Yiii" typeface="Microsoft Yi Baiti"/>
+        <a:font script="Tibt" typeface="Microsoft Himalaya"/>
+        <a:font script="Thaa" typeface="MV Boli"/>
+        <a:font script="Deva" typeface="Mangal"/>
+        <a:font script="Telu" typeface="Gautami"/>
+        <a:font script="Taml" typeface="Latha"/>
+        <a:font script="Syrc" typeface="Estrangelo Edessa"/>
+        <a:font script="Orya" typeface="Kalinga"/>
+        <a:font script="Mlym" typeface="Kartika"/>
+        <a:font script="Laoo" typeface="DokChampa"/>
+        <a:font script="Sinh" typeface="Iskoola Pota"/>
+        <a:font script="Mong" typeface="Mongolian Baiti"/>
+        <a:font script="Viet" typeface="Times New Roman"/>
+        <a:font script="Uigh" typeface="Microsoft Uighur"/>
+        <a:font script="Geor" typeface="Sylfaen"/>
+      </a:majorFont>
+      <a:minorFont>
+        <a:latin typeface="Arial"/>
+        <a:ea typeface=""/>
+        <a:cs typeface=""/>
+        <a:font script="Jpan" typeface="ＭＳ Ｐゴシック"/>
+        <a:font script="Hang" typeface="맑은 고딕"/>
+        <a:font script="Hans" typeface="宋体"/>
+        <a:font script="Hant" typeface="新細明體"/>
+        <a:font script="Arab" typeface="Arial"/>
+        <a:font script="Hebr" typeface="Arial"/>
+        <a:font script="Thai" typeface="Cordia New"/>
+        <a:font script="Ethi" typeface="Nyala"/>
+        <a:font script="Beng" typeface="Vrinda"/>
+        <a:font script="Gujr" typeface="Shruti"/>
+        <a:font script="Khmr" typeface="DaunPenh"/>
+        <a:font script="Knda" typeface="Tunga"/>
+        <a:font script="Guru" typeface="Raavi"/>
+        <a:font script="Cans" typeface="Euphemia"/>
+        <a:font script="Cher" typeface="Plantagenet Cherokee"/>
+        <a:font script="Yiii" typeface="Microsoft Yi Baiti"/>
+        <a:font script="Tibt" typeface="Microsoft Himalaya"/>
+        <a:font script="Thaa" typeface="MV Boli"/>
+        <a:font script="Deva" typeface="Mangal"/>
+        <a:font script="Telu" typeface="Gautami"/>
+        <a:font script="Taml" typeface="Latha"/>
+        <a:font script="Syrc" typeface="Estrangelo Edessa"/>
+        <a:font script="Orya" typeface="Kalinga"/>
+        <a:font script="Mlym" typeface="Kartika"/>
+        <a:font script="Laoo" typeface="DokChampa"/>
+        <a:font script="Sinh" typeface="Iskoola Pota"/>
+        <a:font script="Mong" typeface="Mongolian Baiti"/>
+        <a:font script="Viet" typeface="Arial"/>
+        <a:font script="Uigh" typeface="Microsoft Uighur"/>
+        <a:font script="Geor" typeface="Sylfaen"/>
+      </a:minorFont>
+    </a:fontScheme>
+    <a:fmtScheme name="Office">
+      <a:fillStyleLst>
+        <a:solidFill>
+          <a:schemeClr val="phClr"/>
+        </a:solidFill>
+        <a:gradFill rotWithShape="1">
+          <a:gsLst>
+            <a:gs pos="0">
+              <a:schemeClr val="phClr">
+                <a:tint val="50000"/>
+                <a:satMod val="300000"/>
+              </a:schemeClr>
+            </a:gs>
+            <a:gs pos="35000">
+              <a:schemeClr val="phClr">
+                <a:tint val="37000"/>
+                <a:satMod val="300000"/>
+              </a:schemeClr>
+            </a:gs>
+            <a:gs pos="100000">
+              <a:schemeClr val="phClr">
+                <a:tint val="15000"/>
+                <a:satMod val="350000"/>
+              </a:schemeClr>
+            </a:gs>
+          </a:gsLst>
+          <a:lin ang="16200000" scaled="1"/>
+        </a:gradFill>
+        <a:gradFill rotWithShape="1">
+          <a:gsLst>
+            <a:gs pos="0">
+              <a:schemeClr val="phClr">
+                <a:tint val="100000"/>
+                <a:shade val="100000"/>
+                <a:satMod val="130000"/>
+              </a:schemeClr>
+            </a:gs>
+            <a:gs pos="100000">
+              <a:schemeClr val="phClr">
+                <a:tint val="50000"/>
+                <a:shade val="100000"/>
+                <a:satMod val="350000"/>
+              </a:schemeClr>
+            </a:gs>
+          </a:gsLst>
+          <a:lin ang="16200000" scaled="0"/>
+        </a:gradFill>
+      </a:fillStyleLst>
+      <a:lnStyleLst>
+        <a:ln w="9525" cap="flat" cmpd="sng" algn="ctr">
+          <a:solidFill>
+            <a:schemeClr val="phClr">
+              <a:shade val="95000"/>
+              <a:satMod val="105000"/>
+            </a:schemeClr>
+          </a:solidFill>
+          <a:prstDash val="solid"/>
+        </a:ln>
+        <a:ln w="25400" cap="flat" cmpd="sng" algn="ctr">
+          <a:solidFill>
+            <a:schemeClr val="phClr"/>
+          </a:solidFill>
+          <a:prstDash val="solid"/>
+        </a:ln>
+        <a:ln w="38100" cap="flat" cmpd="sng" algn="ctr">
+          <a:solidFill>
+            <a:schemeClr val="phClr"/>
+          </a:solidFill>
+          <a:prstDash val="solid"/>
+        </a:ln>
+      </a:lnStyleLst>
+      <a:effectStyleLst>
+        <a:effectStyle>
+          <a:effectLst>
+            <a:outerShdw blurRad="40000" dist="20000" dir="5400000" rotWithShape="0">
+              <a:srgbClr val="000000">
+                <a:alpha val="38000"/>
+              </a:srgbClr>
+            </a:outerShdw>
+          </a:effectLst>
+        </a:effectStyle>
+        <a:effectStyle>
+          <a:effectLst>
+            <a:outerShdw blurRad="40000" dist="23000" dir="5400000" rotWithShape="0">
+              <a:srgbClr val="000000">
+                <a:alpha val="35000"/>
+              </a:srgbClr>
+            </a:outerShdw>
+          </a:effectLst>
+        </a:effectStyle>
+        <a:effectStyle>
+          <a:effectLst>
+            <a:outerShdw blurRad="40000" dist="23000" dir="5400000" rotWithShape="0">
+              <a:srgbClr val="000000">
+                <a:alpha val="35000"/>
+              </a:srgbClr>
+            </a:outerShdw>
+          </a:effectLst>
+          <a:scene3d>
+            <a:camera prst="orthographicFront">
+              <a:rot lat="0" lon="0" rev="0"/>
+            </a:camera>
+            <a:lightRig rig="threePt" dir="t">
+              <a:rot lat="0" lon="0" rev="1200000"/>
+            </a:lightRig>
+          </a:scene3d>
+          <a:sp3d>
+            <a:bevelT w="63500" h="25400"/>
+          </a:sp3d>
+        </a:effectStyle>
+      </a:effectStyleLst>
+      <a:bgFillStyleLst>
+        <a:solidFill>
+          <a:schemeClr val="phClr"/>
+        </a:solidFill>
+        <a:gradFill rotWithShape="1">
+          <a:gsLst>
+            <a:gs pos="0">
+              <a:schemeClr val="phClr">
+                <a:tint val="40000"/>
+                <a:satMod val="350000"/>
+              </a:schemeClr>
+            </a:gs>
+            <a:gs pos="40000">
+              <a:schemeClr val="phClr">
+                <a:tint val="45000"/>
+                <a:shade val="99000"/>
+                <a:satMod val="350000"/>
+              </a:schemeClr>
+            </a:gs>
+            <a:gs pos="100000">
+              <a:schemeClr val="phClr">
+                <a:shade val="20000"/>
+                <a:satMod val="255000"/>
+              </a:schemeClr>
+            </a:gs>
+          </a:gsLst>
+          <a:path path="circle">
+            <a:fillToRect l="50000" t="-80000" r="50000" b="180000"/>
+          </a:path>
+        </a:gradFill>
+        <a:gradFill rotWithShape="1">
+          <a:gsLst>
+            <a:gs pos="0">
+              <a:schemeClr val="phClr">
+                <a:tint val="80000"/>
+                <a:satMod val="300000"/>
+              </a:schemeClr>
+            </a:gs>
+            <a:gs pos="100000">
+              <a:schemeClr val="phClr">
+                <a:shade val="30000"/>
+                <a:satMod val="200000"/>
+              </a:schemeClr>
+            </a:gs>
+          </a:gsLst>
+          <a:path path="circle">
+            <a:fillToRect l="50000" t="50000" r="50000" b="50000"/>
+          </a:path>
+        </a:gradFill>
+      </a:bgFillStyleLst>
+    </a:fmtScheme>
+  </a:themeElements>
+  <a:objectDefaults/>
+  <a:extraClrSchemeLst/>
+</a:theme>
+</file>
+
+<file path=ppt/theme/theme2.xml><?xml version="1.0" encoding="utf-8"?>
+<a:theme xmlns:a="http://schemas.openxmlformats.org/drawingml/2006/main" name="Custom Theme">
   <a:themeElements>
     <a:clrScheme name="Default">
       <a:dk1>
@@ -6968,284 +7255,7 @@
       </a:bgFillStyleLst>
     </a:fmtScheme>
   </a:themeElements>
-</a:theme>
-</file>
-
-<file path=ppt/theme/theme2.xml><?xml version="1.0" encoding="utf-8"?>
-<a:theme xmlns:a="http://schemas.openxmlformats.org/drawingml/2006/main" xmlns:r="http://schemas.openxmlformats.org/officeDocument/2006/relationships" name="simple-light-2">
-  <a:themeElements>
-    <a:clrScheme name="Simple Light">
-      <a:dk1>
-        <a:srgbClr val="000000"/>
-      </a:dk1>
-      <a:lt1>
-        <a:srgbClr val="FFFFFF"/>
-      </a:lt1>
-      <a:dk2>
-        <a:srgbClr val="595959"/>
-      </a:dk2>
-      <a:lt2>
-        <a:srgbClr val="EEEEEE"/>
-      </a:lt2>
-      <a:accent1>
-        <a:srgbClr val="FFAB40"/>
-      </a:accent1>
-      <a:accent2>
-        <a:srgbClr val="212121"/>
-      </a:accent2>
-      <a:accent3>
-        <a:srgbClr val="78909C"/>
-      </a:accent3>
-      <a:accent4>
-        <a:srgbClr val="FFAB40"/>
-      </a:accent4>
-      <a:accent5>
-        <a:srgbClr val="0097A7"/>
-      </a:accent5>
-      <a:accent6>
-        <a:srgbClr val="EEFF41"/>
-      </a:accent6>
-      <a:hlink>
-        <a:srgbClr val="0097A7"/>
-      </a:hlink>
-      <a:folHlink>
-        <a:srgbClr val="0097A7"/>
-      </a:folHlink>
-    </a:clrScheme>
-    <a:fontScheme name="Office">
-      <a:majorFont>
-        <a:latin typeface="Arial"/>
-        <a:ea typeface=""/>
-        <a:cs typeface=""/>
-        <a:font script="Jpan" typeface="ＭＳ Ｐゴシック"/>
-        <a:font script="Hang" typeface="맑은 고딕"/>
-        <a:font script="Hans" typeface="宋体"/>
-        <a:font script="Hant" typeface="新細明體"/>
-        <a:font script="Arab" typeface="Times New Roman"/>
-        <a:font script="Hebr" typeface="Times New Roman"/>
-        <a:font script="Thai" typeface="Angsana New"/>
-        <a:font script="Ethi" typeface="Nyala"/>
-        <a:font script="Beng" typeface="Vrinda"/>
-        <a:font script="Gujr" typeface="Shruti"/>
-        <a:font script="Khmr" typeface="MoolBoran"/>
-        <a:font script="Knda" typeface="Tunga"/>
-        <a:font script="Guru" typeface="Raavi"/>
-        <a:font script="Cans" typeface="Euphemia"/>
-        <a:font script="Cher" typeface="Plantagenet Cherokee"/>
-        <a:font script="Yiii" typeface="Microsoft Yi Baiti"/>
-        <a:font script="Tibt" typeface="Microsoft Himalaya"/>
-        <a:font script="Thaa" typeface="MV Boli"/>
-        <a:font script="Deva" typeface="Mangal"/>
-        <a:font script="Telu" typeface="Gautami"/>
-        <a:font script="Taml" typeface="Latha"/>
-        <a:font script="Syrc" typeface="Estrangelo Edessa"/>
-        <a:font script="Orya" typeface="Kalinga"/>
-        <a:font script="Mlym" typeface="Kartika"/>
-        <a:font script="Laoo" typeface="DokChampa"/>
-        <a:font script="Sinh" typeface="Iskoola Pota"/>
-        <a:font script="Mong" typeface="Mongolian Baiti"/>
-        <a:font script="Viet" typeface="Times New Roman"/>
-        <a:font script="Uigh" typeface="Microsoft Uighur"/>
-        <a:font script="Geor" typeface="Sylfaen"/>
-      </a:majorFont>
-      <a:minorFont>
-        <a:latin typeface="Arial"/>
-        <a:ea typeface=""/>
-        <a:cs typeface=""/>
-        <a:font script="Jpan" typeface="ＭＳ Ｐゴシック"/>
-        <a:font script="Hang" typeface="맑은 고딕"/>
-        <a:font script="Hans" typeface="宋体"/>
-        <a:font script="Hant" typeface="新細明體"/>
-        <a:font script="Arab" typeface="Arial"/>
-        <a:font script="Hebr" typeface="Arial"/>
-        <a:font script="Thai" typeface="Cordia New"/>
-        <a:font script="Ethi" typeface="Nyala"/>
-        <a:font script="Beng" typeface="Vrinda"/>
-        <a:font script="Gujr" typeface="Shruti"/>
-        <a:font script="Khmr" typeface="DaunPenh"/>
-        <a:font script="Knda" typeface="Tunga"/>
-        <a:font script="Guru" typeface="Raavi"/>
-        <a:font script="Cans" typeface="Euphemia"/>
-        <a:font script="Cher" typeface="Plantagenet Cherokee"/>
-        <a:font script="Yiii" typeface="Microsoft Yi Baiti"/>
-        <a:font script="Tibt" typeface="Microsoft Himalaya"/>
-        <a:font script="Thaa" typeface="MV Boli"/>
-        <a:font script="Deva" typeface="Mangal"/>
-        <a:font script="Telu" typeface="Gautami"/>
-        <a:font script="Taml" typeface="Latha"/>
-        <a:font script="Syrc" typeface="Estrangelo Edessa"/>
-        <a:font script="Orya" typeface="Kalinga"/>
-        <a:font script="Mlym" typeface="Kartika"/>
-        <a:font script="Laoo" typeface="DokChampa"/>
-        <a:font script="Sinh" typeface="Iskoola Pota"/>
-        <a:font script="Mong" typeface="Mongolian Baiti"/>
-        <a:font script="Viet" typeface="Arial"/>
-        <a:font script="Uigh" typeface="Microsoft Uighur"/>
-        <a:font script="Geor" typeface="Sylfaen"/>
-      </a:minorFont>
-    </a:fontScheme>
-    <a:fmtScheme name="Office">
-      <a:fillStyleLst>
-        <a:solidFill>
-          <a:schemeClr val="phClr"/>
-        </a:solidFill>
-        <a:gradFill rotWithShape="1">
-          <a:gsLst>
-            <a:gs pos="0">
-              <a:schemeClr val="phClr">
-                <a:tint val="50000"/>
-                <a:satMod val="300000"/>
-              </a:schemeClr>
-            </a:gs>
-            <a:gs pos="35000">
-              <a:schemeClr val="phClr">
-                <a:tint val="37000"/>
-                <a:satMod val="300000"/>
-              </a:schemeClr>
-            </a:gs>
-            <a:gs pos="100000">
-              <a:schemeClr val="phClr">
-                <a:tint val="15000"/>
-                <a:satMod val="350000"/>
-              </a:schemeClr>
-            </a:gs>
-          </a:gsLst>
-          <a:lin ang="16200000" scaled="1"/>
-        </a:gradFill>
-        <a:gradFill rotWithShape="1">
-          <a:gsLst>
-            <a:gs pos="0">
-              <a:schemeClr val="phClr">
-                <a:tint val="100000"/>
-                <a:shade val="100000"/>
-                <a:satMod val="130000"/>
-              </a:schemeClr>
-            </a:gs>
-            <a:gs pos="100000">
-              <a:schemeClr val="phClr">
-                <a:tint val="50000"/>
-                <a:shade val="100000"/>
-                <a:satMod val="350000"/>
-              </a:schemeClr>
-            </a:gs>
-          </a:gsLst>
-          <a:lin ang="16200000" scaled="0"/>
-        </a:gradFill>
-      </a:fillStyleLst>
-      <a:lnStyleLst>
-        <a:ln w="9525" cap="flat" cmpd="sng" algn="ctr">
-          <a:solidFill>
-            <a:schemeClr val="phClr">
-              <a:shade val="95000"/>
-              <a:satMod val="105000"/>
-            </a:schemeClr>
-          </a:solidFill>
-          <a:prstDash val="solid"/>
-        </a:ln>
-        <a:ln w="25400" cap="flat" cmpd="sng" algn="ctr">
-          <a:solidFill>
-            <a:schemeClr val="phClr"/>
-          </a:solidFill>
-          <a:prstDash val="solid"/>
-        </a:ln>
-        <a:ln w="38100" cap="flat" cmpd="sng" algn="ctr">
-          <a:solidFill>
-            <a:schemeClr val="phClr"/>
-          </a:solidFill>
-          <a:prstDash val="solid"/>
-        </a:ln>
-      </a:lnStyleLst>
-      <a:effectStyleLst>
-        <a:effectStyle>
-          <a:effectLst>
-            <a:outerShdw blurRad="40000" dist="20000" dir="5400000" rotWithShape="0">
-              <a:srgbClr val="000000">
-                <a:alpha val="38000"/>
-              </a:srgbClr>
-            </a:outerShdw>
-          </a:effectLst>
-        </a:effectStyle>
-        <a:effectStyle>
-          <a:effectLst>
-            <a:outerShdw blurRad="40000" dist="23000" dir="5400000" rotWithShape="0">
-              <a:srgbClr val="000000">
-                <a:alpha val="35000"/>
-              </a:srgbClr>
-            </a:outerShdw>
-          </a:effectLst>
-        </a:effectStyle>
-        <a:effectStyle>
-          <a:effectLst>
-            <a:outerShdw blurRad="40000" dist="23000" dir="5400000" rotWithShape="0">
-              <a:srgbClr val="000000">
-                <a:alpha val="35000"/>
-              </a:srgbClr>
-            </a:outerShdw>
-          </a:effectLst>
-          <a:scene3d>
-            <a:camera prst="orthographicFront">
-              <a:rot lat="0" lon="0" rev="0"/>
-            </a:camera>
-            <a:lightRig rig="threePt" dir="t">
-              <a:rot lat="0" lon="0" rev="1200000"/>
-            </a:lightRig>
-          </a:scene3d>
-          <a:sp3d>
-            <a:bevelT w="63500" h="25400"/>
-          </a:sp3d>
-        </a:effectStyle>
-      </a:effectStyleLst>
-      <a:bgFillStyleLst>
-        <a:solidFill>
-          <a:schemeClr val="phClr"/>
-        </a:solidFill>
-        <a:gradFill rotWithShape="1">
-          <a:gsLst>
-            <a:gs pos="0">
-              <a:schemeClr val="phClr">
-                <a:tint val="40000"/>
-                <a:satMod val="350000"/>
-              </a:schemeClr>
-            </a:gs>
-            <a:gs pos="40000">
-              <a:schemeClr val="phClr">
-                <a:tint val="45000"/>
-                <a:shade val="99000"/>
-                <a:satMod val="350000"/>
-              </a:schemeClr>
-            </a:gs>
-            <a:gs pos="100000">
-              <a:schemeClr val="phClr">
-                <a:shade val="20000"/>
-                <a:satMod val="255000"/>
-              </a:schemeClr>
-            </a:gs>
-          </a:gsLst>
-          <a:path path="circle">
-            <a:fillToRect l="50000" t="-80000" r="50000" b="180000"/>
-          </a:path>
-        </a:gradFill>
-        <a:gradFill rotWithShape="1">
-          <a:gsLst>
-            <a:gs pos="0">
-              <a:schemeClr val="phClr">
-                <a:tint val="80000"/>
-                <a:satMod val="300000"/>
-              </a:schemeClr>
-            </a:gs>
-            <a:gs pos="100000">
-              <a:schemeClr val="phClr">
-                <a:shade val="30000"/>
-                <a:satMod val="200000"/>
-              </a:schemeClr>
-            </a:gs>
-          </a:gsLst>
-          <a:path path="circle">
-            <a:fillToRect l="50000" t="50000" r="50000" b="50000"/>
-          </a:path>
-        </a:gradFill>
-      </a:bgFillStyleLst>
-    </a:fmtScheme>
-  </a:themeElements>
+  <a:objectDefaults/>
+  <a:extraClrSchemeLst/>
 </a:theme>
 </file>